--- a/exam2pptvideo/es/templates/exam_spanish_classic.pptx
+++ b/exam2pptvideo/es/templates/exam_spanish_classic.pptx
@@ -330,7 +330,7 @@
           <a:p>
             <a:fld id="{D5477325-9FE3-494A-88E0-6A0955AE2D65}" type="datetimeFigureOut">
               <a:rPr kumimoji="1" lang="zh-CN" altLang="en-US" smtClean="0"/>
-              <a:t>2021/5/16</a:t>
+              <a:t>2021/6/13</a:t>
             </a:fld>
             <a:endParaRPr kumimoji="1" lang="zh-CN" altLang="en-US"/>
           </a:p>
@@ -836,9 +836,9 @@
 </p:sldLayout>
 </file>
 
-<file path=ppt/slideLayouts/slideLayout2.xml><?xml version="1.0" encoding="utf-8"?>
+<file path=ppt/slideLayouts/slideLayout10.xml><?xml version="1.0" encoding="utf-8"?>
 <p:sldLayout xmlns:a="http://schemas.openxmlformats.org/drawingml/2006/main" xmlns:r="http://schemas.openxmlformats.org/officeDocument/2006/relationships" xmlns:p="http://schemas.openxmlformats.org/presentationml/2006/main" preserve="1" userDrawn="1">
-  <p:cSld name="Question">
+  <p:cSld name="VocabPhrase">
     <p:spTree>
       <p:nvGrpSpPr>
         <p:cNvPr id="1" name=""/>
@@ -855,6 +855,4342 @@
       </p:grpSpPr>
       <p:sp>
         <p:nvSpPr>
+          <p:cNvPr id="6" name="文本占位符 2"/>
+          <p:cNvSpPr>
+            <a:spLocks noGrp="1"/>
+          </p:cNvSpPr>
+          <p:nvPr>
+            <p:ph type="body" sz="quarter" idx="10" hasCustomPrompt="1"/>
+          </p:nvPr>
+        </p:nvSpPr>
+        <p:spPr>
+          <a:xfrm>
+            <a:off x="531758" y="680672"/>
+            <a:ext cx="1728000" cy="518482"/>
+          </a:xfrm>
+          <a:prstGeom prst="rect">
+            <a:avLst/>
+          </a:prstGeom>
+        </p:spPr>
+        <p:txBody>
+          <a:bodyPr/>
+          <a:lstStyle>
+            <a:lvl1pPr marL="0" indent="0">
+              <a:buFontTx/>
+              <a:buNone/>
+              <a:defRPr sz="3200" b="0" i="0">
+                <a:solidFill>
+                  <a:srgbClr val="ECFAFF">
+                    <a:alpha val="50000"/>
+                  </a:srgbClr>
+                </a:solidFill>
+                <a:latin typeface="Helvetica Neue Medium" charset="0"/>
+                <a:ea typeface="Helvetica Neue Medium" charset="0"/>
+                <a:cs typeface="Helvetica Neue Medium" charset="0"/>
+              </a:defRPr>
+            </a:lvl1pPr>
+          </a:lstStyle>
+          <a:p>
+            <a:pPr marL="228600" marR="0" lvl="0" indent="-228600" algn="l" defTabSz="914400" rtl="0" eaLnBrk="1" fontAlgn="auto" latinLnBrk="0" hangingPunct="1">
+              <a:lnSpc>
+                <a:spcPct val="90000"/>
+              </a:lnSpc>
+              <a:spcBef>
+                <a:spcPts val="1000"/>
+              </a:spcBef>
+              <a:spcAft>
+                <a:spcPts val="0"/>
+              </a:spcAft>
+              <a:buClrTx/>
+              <a:buSzTx/>
+              <a:buFont typeface="Arial"/>
+              <a:buNone/>
+              <a:tabLst/>
+              <a:defRPr/>
+            </a:pPr>
+            <a:r>
+              <a:rPr kumimoji="1" lang="en-US" altLang="zh-CN" dirty="0" smtClean="0"/>
+              <a:t>Q.1</a:t>
+            </a:r>
+            <a:endParaRPr kumimoji="1" lang="zh-CN" altLang="en-US" dirty="0"/>
+          </a:p>
+        </p:txBody>
+      </p:sp>
+      <p:sp>
+        <p:nvSpPr>
+          <p:cNvPr id="7" name="文本占位符 4"/>
+          <p:cNvSpPr>
+            <a:spLocks noGrp="1"/>
+          </p:cNvSpPr>
+          <p:nvPr>
+            <p:ph type="body" sz="quarter" idx="11" hasCustomPrompt="1"/>
+          </p:nvPr>
+        </p:nvSpPr>
+        <p:spPr>
+          <a:xfrm>
+            <a:off x="531756" y="1199154"/>
+            <a:ext cx="11128486" cy="1219380"/>
+          </a:xfrm>
+          <a:prstGeom prst="rect">
+            <a:avLst/>
+          </a:prstGeom>
+        </p:spPr>
+        <p:txBody>
+          <a:bodyPr anchor="ctr" anchorCtr="0">
+            <a:normAutofit/>
+          </a:bodyPr>
+          <a:lstStyle>
+            <a:lvl1pPr marL="0" indent="0" algn="ctr">
+              <a:lnSpc>
+                <a:spcPct val="120000"/>
+              </a:lnSpc>
+              <a:buFontTx/>
+              <a:buNone/>
+              <a:defRPr sz="6000">
+                <a:solidFill>
+                  <a:srgbClr val="ECFAFF"/>
+                </a:solidFill>
+                <a:latin typeface="PingFang SC" charset="-122"/>
+                <a:ea typeface="PingFang SC" charset="-122"/>
+                <a:cs typeface="PingFang SC" charset="-122"/>
+              </a:defRPr>
+            </a:lvl1pPr>
+            <a:lvl2pPr marL="457200" indent="0" algn="ctr">
+              <a:lnSpc>
+                <a:spcPct val="120000"/>
+              </a:lnSpc>
+              <a:buFontTx/>
+              <a:buNone/>
+              <a:defRPr>
+                <a:solidFill>
+                  <a:srgbClr val="ECFAFF"/>
+                </a:solidFill>
+                <a:latin typeface="PingFang SC" charset="-122"/>
+                <a:ea typeface="PingFang SC" charset="-122"/>
+                <a:cs typeface="PingFang SC" charset="-122"/>
+              </a:defRPr>
+            </a:lvl2pPr>
+            <a:lvl3pPr marL="914400" indent="0" algn="ctr">
+              <a:lnSpc>
+                <a:spcPct val="120000"/>
+              </a:lnSpc>
+              <a:buFontTx/>
+              <a:buNone/>
+              <a:defRPr>
+                <a:solidFill>
+                  <a:srgbClr val="ECFAFF"/>
+                </a:solidFill>
+                <a:latin typeface="PingFang SC" charset="-122"/>
+                <a:ea typeface="PingFang SC" charset="-122"/>
+                <a:cs typeface="PingFang SC" charset="-122"/>
+              </a:defRPr>
+            </a:lvl3pPr>
+            <a:lvl4pPr marL="1371600" indent="0" algn="ctr">
+              <a:lnSpc>
+                <a:spcPct val="120000"/>
+              </a:lnSpc>
+              <a:buFontTx/>
+              <a:buNone/>
+              <a:defRPr>
+                <a:solidFill>
+                  <a:srgbClr val="ECFAFF"/>
+                </a:solidFill>
+                <a:latin typeface="PingFang SC" charset="-122"/>
+                <a:ea typeface="PingFang SC" charset="-122"/>
+                <a:cs typeface="PingFang SC" charset="-122"/>
+              </a:defRPr>
+            </a:lvl4pPr>
+            <a:lvl5pPr marL="1828800" indent="0" algn="ctr">
+              <a:lnSpc>
+                <a:spcPct val="120000"/>
+              </a:lnSpc>
+              <a:buFontTx/>
+              <a:buNone/>
+              <a:defRPr>
+                <a:solidFill>
+                  <a:srgbClr val="ECFAFF"/>
+                </a:solidFill>
+                <a:latin typeface="PingFang SC" charset="-122"/>
+                <a:ea typeface="PingFang SC" charset="-122"/>
+                <a:cs typeface="PingFang SC" charset="-122"/>
+              </a:defRPr>
+            </a:lvl5pPr>
+          </a:lstStyle>
+          <a:p>
+            <a:pPr lvl="0"/>
+            <a:r>
+              <a:rPr kumimoji="1" lang="zh-CN" altLang="en-US" dirty="0" smtClean="0"/>
+              <a:t>球</a:t>
+            </a:r>
+            <a:endParaRPr kumimoji="1" lang="zh-CN" altLang="en-US" dirty="0"/>
+          </a:p>
+        </p:txBody>
+      </p:sp>
+      <p:sp>
+        <p:nvSpPr>
+          <p:cNvPr id="8" name="文本占位符 13"/>
+          <p:cNvSpPr>
+            <a:spLocks noGrp="1"/>
+          </p:cNvSpPr>
+          <p:nvPr>
+            <p:ph type="body" sz="quarter" idx="12" hasCustomPrompt="1"/>
+          </p:nvPr>
+        </p:nvSpPr>
+        <p:spPr>
+          <a:xfrm>
+            <a:off x="531758" y="3085618"/>
+            <a:ext cx="11128484" cy="569982"/>
+          </a:xfrm>
+          <a:prstGeom prst="rect">
+            <a:avLst/>
+          </a:prstGeom>
+        </p:spPr>
+        <p:txBody>
+          <a:bodyPr anchor="ctr" anchorCtr="0"/>
+          <a:lstStyle>
+            <a:lvl1pPr marL="0" indent="0" algn="ctr">
+              <a:lnSpc>
+                <a:spcPct val="120000"/>
+              </a:lnSpc>
+              <a:buFontTx/>
+              <a:buNone/>
+              <a:defRPr sz="2400">
+                <a:solidFill>
+                  <a:srgbClr val="F8F4EC"/>
+                </a:solidFill>
+                <a:latin typeface="PingFang SC" charset="-122"/>
+                <a:ea typeface="PingFang SC" charset="-122"/>
+                <a:cs typeface="PingFang SC" charset="-122"/>
+              </a:defRPr>
+            </a:lvl1pPr>
+            <a:lvl2pPr marL="457200" indent="0" algn="ctr">
+              <a:lnSpc>
+                <a:spcPct val="120000"/>
+              </a:lnSpc>
+              <a:buFontTx/>
+              <a:buNone/>
+              <a:defRPr>
+                <a:solidFill>
+                  <a:srgbClr val="ECFAFF"/>
+                </a:solidFill>
+                <a:latin typeface="PingFang SC" charset="-122"/>
+                <a:ea typeface="PingFang SC" charset="-122"/>
+                <a:cs typeface="PingFang SC" charset="-122"/>
+              </a:defRPr>
+            </a:lvl2pPr>
+            <a:lvl3pPr marL="914400" indent="0" algn="ctr">
+              <a:lnSpc>
+                <a:spcPct val="120000"/>
+              </a:lnSpc>
+              <a:buFontTx/>
+              <a:buNone/>
+              <a:defRPr>
+                <a:solidFill>
+                  <a:srgbClr val="ECFAFF"/>
+                </a:solidFill>
+                <a:latin typeface="PingFang SC" charset="-122"/>
+                <a:ea typeface="PingFang SC" charset="-122"/>
+                <a:cs typeface="PingFang SC" charset="-122"/>
+              </a:defRPr>
+            </a:lvl3pPr>
+            <a:lvl4pPr marL="1371600" indent="0" algn="ctr">
+              <a:lnSpc>
+                <a:spcPct val="120000"/>
+              </a:lnSpc>
+              <a:buFontTx/>
+              <a:buNone/>
+              <a:defRPr>
+                <a:solidFill>
+                  <a:srgbClr val="ECFAFF"/>
+                </a:solidFill>
+                <a:latin typeface="PingFang SC" charset="-122"/>
+                <a:ea typeface="PingFang SC" charset="-122"/>
+                <a:cs typeface="PingFang SC" charset="-122"/>
+              </a:defRPr>
+            </a:lvl4pPr>
+            <a:lvl5pPr marL="1828800" indent="0" algn="ctr">
+              <a:lnSpc>
+                <a:spcPct val="120000"/>
+              </a:lnSpc>
+              <a:buFontTx/>
+              <a:buNone/>
+              <a:defRPr>
+                <a:solidFill>
+                  <a:srgbClr val="ECFAFF"/>
+                </a:solidFill>
+                <a:latin typeface="PingFang SC" charset="-122"/>
+                <a:ea typeface="PingFang SC" charset="-122"/>
+                <a:cs typeface="PingFang SC" charset="-122"/>
+              </a:defRPr>
+            </a:lvl5pPr>
+          </a:lstStyle>
+          <a:p>
+            <a:pPr lvl="0"/>
+            <a:r>
+              <a:rPr kumimoji="1" lang="zh-CN" altLang="en-US" dirty="0" smtClean="0"/>
+              <a:t>考点：</a:t>
+            </a:r>
+            <a:r>
+              <a:rPr kumimoji="1" lang="en-US" altLang="zh-CN" dirty="0" smtClean="0"/>
+              <a:t>A2</a:t>
+            </a:r>
+            <a:r>
+              <a:rPr kumimoji="1" lang="zh-CN" altLang="en-US" dirty="0" smtClean="0"/>
+              <a:t> </a:t>
+            </a:r>
+            <a:r>
+              <a:rPr kumimoji="1" lang="en-US" altLang="zh-CN" dirty="0" smtClean="0"/>
+              <a:t>–</a:t>
+            </a:r>
+            <a:r>
+              <a:rPr kumimoji="1" lang="zh-CN" altLang="en-US" dirty="0" smtClean="0"/>
+              <a:t> 运动</a:t>
+            </a:r>
+            <a:endParaRPr kumimoji="1" lang="zh-CN" altLang="en-US" dirty="0"/>
+          </a:p>
+        </p:txBody>
+      </p:sp>
+    </p:spTree>
+  </p:cSld>
+  <p:clrMapOvr>
+    <a:masterClrMapping/>
+  </p:clrMapOvr>
+</p:sldLayout>
+</file>
+
+<file path=ppt/slideLayouts/slideLayout11.xml><?xml version="1.0" encoding="utf-8"?>
+<p:sldLayout xmlns:a="http://schemas.openxmlformats.org/drawingml/2006/main" xmlns:r="http://schemas.openxmlformats.org/officeDocument/2006/relationships" xmlns:p="http://schemas.openxmlformats.org/presentationml/2006/main" preserve="1" userDrawn="1">
+  <p:cSld name="VocabPhrase analysis">
+    <p:spTree>
+      <p:nvGrpSpPr>
+        <p:cNvPr id="1" name=""/>
+        <p:cNvGrpSpPr/>
+        <p:nvPr/>
+      </p:nvGrpSpPr>
+      <p:grpSpPr>
+        <a:xfrm>
+          <a:off x="0" y="0"/>
+          <a:ext cx="0" cy="0"/>
+          <a:chOff x="0" y="0"/>
+          <a:chExt cx="0" cy="0"/>
+        </a:xfrm>
+      </p:grpSpPr>
+      <p:sp>
+        <p:nvSpPr>
+          <p:cNvPr id="3" name="文本占位符 2"/>
+          <p:cNvSpPr>
+            <a:spLocks noGrp="1"/>
+          </p:cNvSpPr>
+          <p:nvPr>
+            <p:ph type="body" sz="quarter" idx="10" hasCustomPrompt="1"/>
+          </p:nvPr>
+        </p:nvSpPr>
+        <p:spPr>
+          <a:xfrm>
+            <a:off x="531758" y="680672"/>
+            <a:ext cx="1728000" cy="518482"/>
+          </a:xfrm>
+          <a:prstGeom prst="rect">
+            <a:avLst/>
+          </a:prstGeom>
+        </p:spPr>
+        <p:txBody>
+          <a:bodyPr/>
+          <a:lstStyle>
+            <a:lvl1pPr marL="0" indent="0">
+              <a:buFontTx/>
+              <a:buNone/>
+              <a:defRPr sz="3200" b="0" i="0">
+                <a:solidFill>
+                  <a:srgbClr val="ECFAFF">
+                    <a:alpha val="50000"/>
+                  </a:srgbClr>
+                </a:solidFill>
+                <a:latin typeface="Helvetica Neue Medium" charset="0"/>
+                <a:ea typeface="Helvetica Neue Medium" charset="0"/>
+                <a:cs typeface="Helvetica Neue Medium" charset="0"/>
+              </a:defRPr>
+            </a:lvl1pPr>
+          </a:lstStyle>
+          <a:p>
+            <a:pPr marL="228600" marR="0" lvl="0" indent="-228600" algn="l" defTabSz="914400" rtl="0" eaLnBrk="1" fontAlgn="auto" latinLnBrk="0" hangingPunct="1">
+              <a:lnSpc>
+                <a:spcPct val="90000"/>
+              </a:lnSpc>
+              <a:spcBef>
+                <a:spcPts val="1000"/>
+              </a:spcBef>
+              <a:spcAft>
+                <a:spcPts val="0"/>
+              </a:spcAft>
+              <a:buClrTx/>
+              <a:buSzTx/>
+              <a:buFont typeface="Arial"/>
+              <a:buNone/>
+              <a:tabLst/>
+              <a:defRPr/>
+            </a:pPr>
+            <a:r>
+              <a:rPr kumimoji="1" lang="en-US" altLang="zh-CN" dirty="0" smtClean="0"/>
+              <a:t>Q.1</a:t>
+            </a:r>
+            <a:endParaRPr kumimoji="1" lang="zh-CN" altLang="en-US" dirty="0"/>
+          </a:p>
+        </p:txBody>
+      </p:sp>
+      <p:sp>
+        <p:nvSpPr>
+          <p:cNvPr id="4" name="文本占位符 6"/>
+          <p:cNvSpPr>
+            <a:spLocks noGrp="1"/>
+          </p:cNvSpPr>
+          <p:nvPr>
+            <p:ph type="body" sz="quarter" idx="11" hasCustomPrompt="1"/>
+          </p:nvPr>
+        </p:nvSpPr>
+        <p:spPr>
+          <a:xfrm>
+            <a:off x="6297887" y="738313"/>
+            <a:ext cx="1316242" cy="403200"/>
+          </a:xfrm>
+          <a:prstGeom prst="rect">
+            <a:avLst/>
+          </a:prstGeom>
+        </p:spPr>
+        <p:txBody>
+          <a:bodyPr anchor="ctr"/>
+          <a:lstStyle>
+            <a:lvl1pPr marL="0" indent="0" algn="l">
+              <a:buFontTx/>
+              <a:buNone/>
+              <a:defRPr sz="2000">
+                <a:solidFill>
+                  <a:srgbClr val="ECFAFF"/>
+                </a:solidFill>
+                <a:latin typeface="PingFang SC" charset="-122"/>
+                <a:ea typeface="PingFang SC" charset="-122"/>
+                <a:cs typeface="PingFang SC" charset="-122"/>
+              </a:defRPr>
+            </a:lvl1pPr>
+            <a:lvl2pPr marL="457200" indent="0" algn="ctr">
+              <a:buFontTx/>
+              <a:buNone/>
+              <a:defRPr sz="2000">
+                <a:solidFill>
+                  <a:srgbClr val="ECFAFF"/>
+                </a:solidFill>
+                <a:latin typeface="PingFang SC" charset="-122"/>
+                <a:ea typeface="PingFang SC" charset="-122"/>
+                <a:cs typeface="PingFang SC" charset="-122"/>
+              </a:defRPr>
+            </a:lvl2pPr>
+            <a:lvl3pPr marL="914400" indent="0" algn="ctr">
+              <a:buFontTx/>
+              <a:buNone/>
+              <a:defRPr sz="2000">
+                <a:solidFill>
+                  <a:srgbClr val="ECFAFF"/>
+                </a:solidFill>
+                <a:latin typeface="PingFang SC" charset="-122"/>
+                <a:ea typeface="PingFang SC" charset="-122"/>
+                <a:cs typeface="PingFang SC" charset="-122"/>
+              </a:defRPr>
+            </a:lvl3pPr>
+            <a:lvl4pPr marL="1371600" indent="0" algn="ctr">
+              <a:buFontTx/>
+              <a:buNone/>
+              <a:defRPr sz="2000">
+                <a:solidFill>
+                  <a:srgbClr val="ECFAFF"/>
+                </a:solidFill>
+                <a:latin typeface="PingFang SC" charset="-122"/>
+                <a:ea typeface="PingFang SC" charset="-122"/>
+                <a:cs typeface="PingFang SC" charset="-122"/>
+              </a:defRPr>
+            </a:lvl4pPr>
+            <a:lvl5pPr marL="1828800" indent="0" algn="ctr">
+              <a:buFontTx/>
+              <a:buNone/>
+              <a:defRPr sz="2000">
+                <a:solidFill>
+                  <a:srgbClr val="ECFAFF"/>
+                </a:solidFill>
+                <a:latin typeface="PingFang SC" charset="-122"/>
+                <a:ea typeface="PingFang SC" charset="-122"/>
+                <a:cs typeface="PingFang SC" charset="-122"/>
+              </a:defRPr>
+            </a:lvl5pPr>
+          </a:lstStyle>
+          <a:p>
+            <a:pPr lvl="0"/>
+            <a:r>
+              <a:rPr kumimoji="1" lang="en-US" altLang="zh-CN" smtClean="0"/>
+              <a:t>A</a:t>
+            </a:r>
+            <a:endParaRPr kumimoji="1" lang="zh-CN" altLang="en-US" dirty="0"/>
+          </a:p>
+        </p:txBody>
+      </p:sp>
+      <p:sp>
+        <p:nvSpPr>
+          <p:cNvPr id="5" name="文本占位符 8"/>
+          <p:cNvSpPr>
+            <a:spLocks noGrp="1"/>
+          </p:cNvSpPr>
+          <p:nvPr>
+            <p:ph type="body" sz="quarter" idx="12" hasCustomPrompt="1"/>
+          </p:nvPr>
+        </p:nvSpPr>
+        <p:spPr>
+          <a:xfrm>
+            <a:off x="531758" y="1199154"/>
+            <a:ext cx="11128484" cy="1216800"/>
+          </a:xfrm>
+          <a:prstGeom prst="rect">
+            <a:avLst/>
+          </a:prstGeom>
+        </p:spPr>
+        <p:txBody>
+          <a:bodyPr anchor="ctr">
+            <a:normAutofit/>
+          </a:bodyPr>
+          <a:lstStyle>
+            <a:lvl1pPr marL="0" indent="0" algn="ctr">
+              <a:lnSpc>
+                <a:spcPct val="120000"/>
+              </a:lnSpc>
+              <a:buFontTx/>
+              <a:buNone/>
+              <a:defRPr sz="6000">
+                <a:solidFill>
+                  <a:srgbClr val="ECFAFF"/>
+                </a:solidFill>
+                <a:latin typeface="PingFang SC" charset="-122"/>
+                <a:ea typeface="PingFang SC" charset="-122"/>
+                <a:cs typeface="PingFang SC" charset="-122"/>
+              </a:defRPr>
+            </a:lvl1pPr>
+            <a:lvl2pPr marL="457200" indent="0" algn="ctr">
+              <a:buFontTx/>
+              <a:buNone/>
+              <a:defRPr>
+                <a:solidFill>
+                  <a:srgbClr val="ECFAFF"/>
+                </a:solidFill>
+                <a:latin typeface="PingFang SC" charset="-122"/>
+                <a:ea typeface="PingFang SC" charset="-122"/>
+                <a:cs typeface="PingFang SC" charset="-122"/>
+              </a:defRPr>
+            </a:lvl2pPr>
+            <a:lvl3pPr marL="914400" indent="0" algn="ctr">
+              <a:buFontTx/>
+              <a:buNone/>
+              <a:defRPr>
+                <a:solidFill>
+                  <a:srgbClr val="ECFAFF"/>
+                </a:solidFill>
+                <a:latin typeface="PingFang SC" charset="-122"/>
+                <a:ea typeface="PingFang SC" charset="-122"/>
+                <a:cs typeface="PingFang SC" charset="-122"/>
+              </a:defRPr>
+            </a:lvl3pPr>
+            <a:lvl4pPr marL="1371600" indent="0" algn="ctr">
+              <a:buFontTx/>
+              <a:buNone/>
+              <a:defRPr>
+                <a:solidFill>
+                  <a:srgbClr val="ECFAFF"/>
+                </a:solidFill>
+                <a:latin typeface="PingFang SC" charset="-122"/>
+                <a:ea typeface="PingFang SC" charset="-122"/>
+                <a:cs typeface="PingFang SC" charset="-122"/>
+              </a:defRPr>
+            </a:lvl4pPr>
+            <a:lvl5pPr marL="1828800" indent="0" algn="ctr">
+              <a:buFontTx/>
+              <a:buNone/>
+              <a:defRPr>
+                <a:solidFill>
+                  <a:srgbClr val="ECFAFF"/>
+                </a:solidFill>
+                <a:latin typeface="PingFang SC" charset="-122"/>
+                <a:ea typeface="PingFang SC" charset="-122"/>
+                <a:cs typeface="PingFang SC" charset="-122"/>
+              </a:defRPr>
+            </a:lvl5pPr>
+          </a:lstStyle>
+          <a:p>
+            <a:pPr lvl="0"/>
+            <a:r>
+              <a:rPr kumimoji="1" lang="zh-CN" altLang="en-US" dirty="0" smtClean="0"/>
+              <a:t>球 </a:t>
+            </a:r>
+            <a:r>
+              <a:rPr kumimoji="1" lang="en-US" altLang="zh-CN" dirty="0" smtClean="0"/>
+              <a:t>ball</a:t>
+            </a:r>
+            <a:endParaRPr kumimoji="1" lang="zh-CN" altLang="en-US" dirty="0"/>
+          </a:p>
+        </p:txBody>
+      </p:sp>
+      <p:sp>
+        <p:nvSpPr>
+          <p:cNvPr id="6" name="文本占位符 10"/>
+          <p:cNvSpPr>
+            <a:spLocks noGrp="1"/>
+          </p:cNvSpPr>
+          <p:nvPr>
+            <p:ph type="body" sz="quarter" idx="13" hasCustomPrompt="1"/>
+          </p:nvPr>
+        </p:nvSpPr>
+        <p:spPr>
+          <a:xfrm>
+            <a:off x="531758" y="2495832"/>
+            <a:ext cx="11128484" cy="403200"/>
+          </a:xfrm>
+          <a:prstGeom prst="rect">
+            <a:avLst/>
+          </a:prstGeom>
+        </p:spPr>
+        <p:txBody>
+          <a:bodyPr anchor="ctr"/>
+          <a:lstStyle>
+            <a:lvl1pPr marL="0" indent="0" algn="ctr">
+              <a:buFontTx/>
+              <a:buNone/>
+              <a:defRPr sz="2000">
+                <a:solidFill>
+                  <a:srgbClr val="ECFAFF"/>
+                </a:solidFill>
+                <a:latin typeface="PingFang SC" charset="-122"/>
+                <a:ea typeface="PingFang SC" charset="-122"/>
+                <a:cs typeface="PingFang SC" charset="-122"/>
+              </a:defRPr>
+            </a:lvl1pPr>
+            <a:lvl2pPr marL="457200" indent="0" algn="ctr">
+              <a:buFontTx/>
+              <a:buNone/>
+              <a:defRPr sz="2000">
+                <a:solidFill>
+                  <a:srgbClr val="ECFAFF"/>
+                </a:solidFill>
+                <a:latin typeface="PingFang SC" charset="-122"/>
+                <a:ea typeface="PingFang SC" charset="-122"/>
+                <a:cs typeface="PingFang SC" charset="-122"/>
+              </a:defRPr>
+            </a:lvl2pPr>
+            <a:lvl3pPr marL="914400" indent="0" algn="ctr">
+              <a:buFontTx/>
+              <a:buNone/>
+              <a:defRPr sz="2000">
+                <a:solidFill>
+                  <a:srgbClr val="ECFAFF"/>
+                </a:solidFill>
+                <a:latin typeface="PingFang SC" charset="-122"/>
+                <a:ea typeface="PingFang SC" charset="-122"/>
+                <a:cs typeface="PingFang SC" charset="-122"/>
+              </a:defRPr>
+            </a:lvl3pPr>
+            <a:lvl4pPr marL="1371600" indent="0" algn="ctr">
+              <a:buFontTx/>
+              <a:buNone/>
+              <a:defRPr sz="2000">
+                <a:solidFill>
+                  <a:srgbClr val="ECFAFF"/>
+                </a:solidFill>
+                <a:latin typeface="PingFang SC" charset="-122"/>
+                <a:ea typeface="PingFang SC" charset="-122"/>
+                <a:cs typeface="PingFang SC" charset="-122"/>
+              </a:defRPr>
+            </a:lvl4pPr>
+            <a:lvl5pPr marL="1828800" indent="0" algn="ctr">
+              <a:buFontTx/>
+              <a:buNone/>
+              <a:defRPr sz="2000">
+                <a:solidFill>
+                  <a:srgbClr val="ECFAFF"/>
+                </a:solidFill>
+                <a:latin typeface="PingFang SC" charset="-122"/>
+                <a:ea typeface="PingFang SC" charset="-122"/>
+                <a:cs typeface="PingFang SC" charset="-122"/>
+              </a:defRPr>
+            </a:lvl5pPr>
+          </a:lstStyle>
+          <a:p>
+            <a:pPr lvl="0"/>
+            <a:r>
+              <a:rPr kumimoji="1" lang="zh-CN" altLang="en-US" dirty="0" smtClean="0"/>
+              <a:t>考点：</a:t>
+            </a:r>
+            <a:r>
+              <a:rPr kumimoji="1" lang="en-US" altLang="zh-CN" dirty="0" smtClean="0"/>
+              <a:t>A1-</a:t>
+            </a:r>
+            <a:r>
+              <a:rPr kumimoji="1" lang="zh-CN" altLang="en-US" dirty="0" smtClean="0"/>
+              <a:t>运动</a:t>
+            </a:r>
+            <a:endParaRPr kumimoji="1" lang="zh-CN" altLang="en-US" dirty="0"/>
+          </a:p>
+        </p:txBody>
+      </p:sp>
+      <p:sp>
+        <p:nvSpPr>
+          <p:cNvPr id="7" name="矩形 6"/>
+          <p:cNvSpPr/>
+          <p:nvPr userDrawn="1"/>
+        </p:nvSpPr>
+        <p:spPr>
+          <a:xfrm>
+            <a:off x="531758" y="4340276"/>
+            <a:ext cx="5472000" cy="724284"/>
+          </a:xfrm>
+          <a:prstGeom prst="rect">
+            <a:avLst/>
+          </a:prstGeom>
+          <a:solidFill>
+            <a:srgbClr val="ECFAFF">
+              <a:alpha val="9000"/>
+            </a:srgbClr>
+          </a:solidFill>
+          <a:ln>
+            <a:solidFill>
+              <a:srgbClr val="ECFAFF">
+                <a:alpha val="40000"/>
+              </a:srgbClr>
+            </a:solidFill>
+          </a:ln>
+        </p:spPr>
+        <p:style>
+          <a:lnRef idx="2">
+            <a:schemeClr val="accent1"/>
+          </a:lnRef>
+          <a:fillRef idx="1">
+            <a:schemeClr val="lt1"/>
+          </a:fillRef>
+          <a:effectRef idx="0">
+            <a:schemeClr val="accent1"/>
+          </a:effectRef>
+          <a:fontRef idx="minor">
+            <a:schemeClr val="dk1"/>
+          </a:fontRef>
+        </p:style>
+        <p:txBody>
+          <a:bodyPr rtlCol="0" anchor="ctr"/>
+          <a:lstStyle/>
+          <a:p>
+            <a:pPr algn="ctr"/>
+            <a:endParaRPr kumimoji="1" lang="zh-CN" altLang="en-US" dirty="0"/>
+          </a:p>
+        </p:txBody>
+      </p:sp>
+      <p:sp>
+        <p:nvSpPr>
+          <p:cNvPr id="8" name="矩形 7"/>
+          <p:cNvSpPr/>
+          <p:nvPr userDrawn="1"/>
+        </p:nvSpPr>
+        <p:spPr>
+          <a:xfrm>
+            <a:off x="6188242" y="4340276"/>
+            <a:ext cx="5472000" cy="724284"/>
+          </a:xfrm>
+          <a:prstGeom prst="rect">
+            <a:avLst/>
+          </a:prstGeom>
+          <a:solidFill>
+            <a:srgbClr val="ECFAFF">
+              <a:alpha val="9000"/>
+            </a:srgbClr>
+          </a:solidFill>
+          <a:ln>
+            <a:solidFill>
+              <a:srgbClr val="ECFAFF">
+                <a:alpha val="40000"/>
+              </a:srgbClr>
+            </a:solidFill>
+          </a:ln>
+        </p:spPr>
+        <p:style>
+          <a:lnRef idx="2">
+            <a:schemeClr val="accent1"/>
+          </a:lnRef>
+          <a:fillRef idx="1">
+            <a:schemeClr val="lt1"/>
+          </a:fillRef>
+          <a:effectRef idx="0">
+            <a:schemeClr val="accent1"/>
+          </a:effectRef>
+          <a:fontRef idx="minor">
+            <a:schemeClr val="dk1"/>
+          </a:fontRef>
+        </p:style>
+        <p:txBody>
+          <a:bodyPr rtlCol="0" anchor="ctr"/>
+          <a:lstStyle/>
+          <a:p>
+            <a:pPr algn="ctr"/>
+            <a:endParaRPr kumimoji="1" lang="zh-CN" altLang="en-US" dirty="0"/>
+          </a:p>
+        </p:txBody>
+      </p:sp>
+      <p:sp>
+        <p:nvSpPr>
+          <p:cNvPr id="9" name="矩形 8"/>
+          <p:cNvSpPr/>
+          <p:nvPr userDrawn="1"/>
+        </p:nvSpPr>
+        <p:spPr>
+          <a:xfrm>
+            <a:off x="531758" y="3383360"/>
+            <a:ext cx="5472000" cy="724284"/>
+          </a:xfrm>
+          <a:prstGeom prst="rect">
+            <a:avLst/>
+          </a:prstGeom>
+          <a:solidFill>
+            <a:srgbClr val="ECFAFF">
+              <a:alpha val="9000"/>
+            </a:srgbClr>
+          </a:solidFill>
+          <a:ln>
+            <a:solidFill>
+              <a:srgbClr val="ECFAFF">
+                <a:alpha val="40000"/>
+              </a:srgbClr>
+            </a:solidFill>
+          </a:ln>
+        </p:spPr>
+        <p:style>
+          <a:lnRef idx="2">
+            <a:schemeClr val="accent1"/>
+          </a:lnRef>
+          <a:fillRef idx="1">
+            <a:schemeClr val="lt1"/>
+          </a:fillRef>
+          <a:effectRef idx="0">
+            <a:schemeClr val="accent1"/>
+          </a:effectRef>
+          <a:fontRef idx="minor">
+            <a:schemeClr val="dk1"/>
+          </a:fontRef>
+        </p:style>
+        <p:txBody>
+          <a:bodyPr rtlCol="0" anchor="ctr"/>
+          <a:lstStyle/>
+          <a:p>
+            <a:pPr algn="ctr"/>
+            <a:endParaRPr kumimoji="1" lang="zh-CN" altLang="en-US" dirty="0"/>
+          </a:p>
+        </p:txBody>
+      </p:sp>
+      <p:sp>
+        <p:nvSpPr>
+          <p:cNvPr id="10" name="矩形 9"/>
+          <p:cNvSpPr/>
+          <p:nvPr userDrawn="1"/>
+        </p:nvSpPr>
+        <p:spPr>
+          <a:xfrm>
+            <a:off x="6188242" y="3383360"/>
+            <a:ext cx="5472000" cy="724284"/>
+          </a:xfrm>
+          <a:prstGeom prst="rect">
+            <a:avLst/>
+          </a:prstGeom>
+          <a:solidFill>
+            <a:srgbClr val="ECFAFF">
+              <a:alpha val="9000"/>
+            </a:srgbClr>
+          </a:solidFill>
+          <a:ln>
+            <a:solidFill>
+              <a:srgbClr val="ECFAFF">
+                <a:alpha val="40000"/>
+              </a:srgbClr>
+            </a:solidFill>
+          </a:ln>
+        </p:spPr>
+        <p:style>
+          <a:lnRef idx="2">
+            <a:schemeClr val="accent1"/>
+          </a:lnRef>
+          <a:fillRef idx="1">
+            <a:schemeClr val="lt1"/>
+          </a:fillRef>
+          <a:effectRef idx="0">
+            <a:schemeClr val="accent1"/>
+          </a:effectRef>
+          <a:fontRef idx="minor">
+            <a:schemeClr val="dk1"/>
+          </a:fontRef>
+        </p:style>
+        <p:txBody>
+          <a:bodyPr rtlCol="0" anchor="ctr"/>
+          <a:lstStyle/>
+          <a:p>
+            <a:pPr algn="ctr"/>
+            <a:endParaRPr kumimoji="1" lang="zh-CN" altLang="en-US" dirty="0"/>
+          </a:p>
+        </p:txBody>
+      </p:sp>
+      <p:sp>
+        <p:nvSpPr>
+          <p:cNvPr id="11" name="文本框 6">
+            <a:extLst>
+              <a:ext uri="{FF2B5EF4-FFF2-40B4-BE49-F238E27FC236}">
+                <a16:creationId xmlns:a16="http://schemas.microsoft.com/office/drawing/2014/main" xmlns="" id="{5D38C703-0535-2649-B4A0-B8F05CF7B2C5}"/>
+              </a:ext>
+            </a:extLst>
+          </p:cNvPr>
+          <p:cNvSpPr txBox="1"/>
+          <p:nvPr userDrawn="1"/>
+        </p:nvSpPr>
+        <p:spPr>
+          <a:xfrm>
+            <a:off x="1971758" y="3545447"/>
+            <a:ext cx="548810" cy="400110"/>
+          </a:xfrm>
+          <a:prstGeom prst="rect">
+            <a:avLst/>
+          </a:prstGeom>
+          <a:noFill/>
+        </p:spPr>
+        <p:txBody>
+          <a:bodyPr wrap="square" rtlCol="0" anchor="ctr" anchorCtr="0">
+            <a:spAutoFit/>
+          </a:bodyPr>
+          <a:lstStyle/>
+          <a:p>
+            <a:r>
+              <a:rPr kumimoji="1" lang="en-US" altLang="zh-CN" sz="2000" b="0" i="0" dirty="0">
+                <a:solidFill>
+                  <a:srgbClr val="ECFAFF"/>
+                </a:solidFill>
+                <a:latin typeface="PingFang SC" charset="-122"/>
+                <a:ea typeface="PingFang SC" charset="-122"/>
+                <a:cs typeface="PingFang SC" charset="-122"/>
+              </a:rPr>
+              <a:t>A.</a:t>
+            </a:r>
+            <a:endParaRPr kumimoji="1" lang="zh-CN" altLang="en-US" sz="2000" b="0" i="0" dirty="0">
+              <a:solidFill>
+                <a:srgbClr val="ECFAFF"/>
+              </a:solidFill>
+              <a:latin typeface="PingFang SC" charset="-122"/>
+              <a:ea typeface="PingFang SC" charset="-122"/>
+              <a:cs typeface="PingFang SC" charset="-122"/>
+            </a:endParaRPr>
+          </a:p>
+        </p:txBody>
+      </p:sp>
+      <p:sp>
+        <p:nvSpPr>
+          <p:cNvPr id="12" name="文本框 11">
+            <a:extLst>
+              <a:ext uri="{FF2B5EF4-FFF2-40B4-BE49-F238E27FC236}">
+                <a16:creationId xmlns:a16="http://schemas.microsoft.com/office/drawing/2014/main" xmlns="" id="{65E5CD98-D6C1-1848-86A2-A50598B55139}"/>
+              </a:ext>
+            </a:extLst>
+          </p:cNvPr>
+          <p:cNvSpPr txBox="1"/>
+          <p:nvPr userDrawn="1"/>
+        </p:nvSpPr>
+        <p:spPr>
+          <a:xfrm>
+            <a:off x="1971758" y="4502363"/>
+            <a:ext cx="548810" cy="400110"/>
+          </a:xfrm>
+          <a:prstGeom prst="rect">
+            <a:avLst/>
+          </a:prstGeom>
+          <a:noFill/>
+        </p:spPr>
+        <p:txBody>
+          <a:bodyPr wrap="square" rtlCol="0" anchor="ctr" anchorCtr="0">
+            <a:spAutoFit/>
+          </a:bodyPr>
+          <a:lstStyle/>
+          <a:p>
+            <a:r>
+              <a:rPr kumimoji="1" lang="en-US" altLang="zh-CN" sz="2000" b="0" i="0" dirty="0">
+                <a:solidFill>
+                  <a:srgbClr val="ECFAFF"/>
+                </a:solidFill>
+                <a:latin typeface="PingFang SC" charset="-122"/>
+                <a:ea typeface="PingFang SC" charset="-122"/>
+                <a:cs typeface="PingFang SC" charset="-122"/>
+              </a:rPr>
+              <a:t>C.</a:t>
+            </a:r>
+            <a:endParaRPr kumimoji="1" lang="zh-CN" altLang="en-US" sz="2000" b="0" i="0" dirty="0">
+              <a:solidFill>
+                <a:srgbClr val="ECFAFF"/>
+              </a:solidFill>
+              <a:latin typeface="PingFang SC" charset="-122"/>
+              <a:ea typeface="PingFang SC" charset="-122"/>
+              <a:cs typeface="PingFang SC" charset="-122"/>
+            </a:endParaRPr>
+          </a:p>
+        </p:txBody>
+      </p:sp>
+      <p:sp>
+        <p:nvSpPr>
+          <p:cNvPr id="13" name="文本框 6">
+            <a:extLst>
+              <a:ext uri="{FF2B5EF4-FFF2-40B4-BE49-F238E27FC236}">
+                <a16:creationId xmlns:a16="http://schemas.microsoft.com/office/drawing/2014/main" xmlns="" id="{5F9E940D-7090-E94B-8B49-5CA1D127071A}"/>
+              </a:ext>
+            </a:extLst>
+          </p:cNvPr>
+          <p:cNvSpPr txBox="1"/>
+          <p:nvPr userDrawn="1"/>
+        </p:nvSpPr>
+        <p:spPr>
+          <a:xfrm>
+            <a:off x="7614129" y="3545447"/>
+            <a:ext cx="548810" cy="400110"/>
+          </a:xfrm>
+          <a:prstGeom prst="rect">
+            <a:avLst/>
+          </a:prstGeom>
+          <a:noFill/>
+        </p:spPr>
+        <p:txBody>
+          <a:bodyPr wrap="square" rtlCol="0" anchor="ctr" anchorCtr="0">
+            <a:spAutoFit/>
+          </a:bodyPr>
+          <a:lstStyle/>
+          <a:p>
+            <a:r>
+              <a:rPr kumimoji="1" lang="en-US" altLang="zh-CN" sz="2000" b="0" i="0" dirty="0">
+                <a:solidFill>
+                  <a:srgbClr val="ECFAFF"/>
+                </a:solidFill>
+                <a:latin typeface="PingFang SC" charset="-122"/>
+                <a:ea typeface="PingFang SC" charset="-122"/>
+                <a:cs typeface="PingFang SC" charset="-122"/>
+              </a:rPr>
+              <a:t>B.</a:t>
+            </a:r>
+            <a:endParaRPr kumimoji="1" lang="zh-CN" altLang="en-US" sz="2000" b="0" i="0" dirty="0">
+              <a:solidFill>
+                <a:srgbClr val="ECFAFF"/>
+              </a:solidFill>
+              <a:latin typeface="PingFang SC" charset="-122"/>
+              <a:ea typeface="PingFang SC" charset="-122"/>
+              <a:cs typeface="PingFang SC" charset="-122"/>
+            </a:endParaRPr>
+          </a:p>
+        </p:txBody>
+      </p:sp>
+      <p:sp>
+        <p:nvSpPr>
+          <p:cNvPr id="14" name="文本框 6">
+            <a:extLst>
+              <a:ext uri="{FF2B5EF4-FFF2-40B4-BE49-F238E27FC236}">
+                <a16:creationId xmlns:a16="http://schemas.microsoft.com/office/drawing/2014/main" xmlns="" id="{BB9196A1-74E2-5046-99D0-EB0B468753EC}"/>
+              </a:ext>
+            </a:extLst>
+          </p:cNvPr>
+          <p:cNvSpPr txBox="1"/>
+          <p:nvPr userDrawn="1"/>
+        </p:nvSpPr>
+        <p:spPr>
+          <a:xfrm>
+            <a:off x="7614129" y="4502363"/>
+            <a:ext cx="548810" cy="400110"/>
+          </a:xfrm>
+          <a:prstGeom prst="rect">
+            <a:avLst/>
+          </a:prstGeom>
+          <a:noFill/>
+        </p:spPr>
+        <p:txBody>
+          <a:bodyPr wrap="square" rtlCol="0" anchor="ctr" anchorCtr="0">
+            <a:spAutoFit/>
+          </a:bodyPr>
+          <a:lstStyle/>
+          <a:p>
+            <a:r>
+              <a:rPr kumimoji="1" lang="en-US" altLang="zh-CN" sz="2000" b="0" i="0" dirty="0">
+                <a:solidFill>
+                  <a:srgbClr val="ECFAFF"/>
+                </a:solidFill>
+                <a:latin typeface="PingFang SC" charset="-122"/>
+                <a:ea typeface="PingFang SC" charset="-122"/>
+                <a:cs typeface="PingFang SC" charset="-122"/>
+              </a:rPr>
+              <a:t>D.</a:t>
+            </a:r>
+            <a:endParaRPr kumimoji="1" lang="zh-CN" altLang="en-US" sz="2000" b="0" i="0" dirty="0">
+              <a:solidFill>
+                <a:srgbClr val="ECFAFF"/>
+              </a:solidFill>
+              <a:latin typeface="PingFang SC" charset="-122"/>
+              <a:ea typeface="PingFang SC" charset="-122"/>
+              <a:cs typeface="PingFang SC" charset="-122"/>
+            </a:endParaRPr>
+          </a:p>
+        </p:txBody>
+      </p:sp>
+      <p:sp>
+        <p:nvSpPr>
+          <p:cNvPr id="15" name="文本占位符 20"/>
+          <p:cNvSpPr>
+            <a:spLocks noGrp="1"/>
+          </p:cNvSpPr>
+          <p:nvPr>
+            <p:ph type="body" sz="quarter" idx="14" hasCustomPrompt="1"/>
+          </p:nvPr>
+        </p:nvSpPr>
+        <p:spPr>
+          <a:xfrm>
+            <a:off x="2394274" y="3560836"/>
+            <a:ext cx="3452388" cy="369332"/>
+          </a:xfrm>
+          <a:prstGeom prst="rect">
+            <a:avLst/>
+          </a:prstGeom>
+        </p:spPr>
+        <p:txBody>
+          <a:bodyPr wrap="square" anchor="ctr" anchorCtr="0">
+            <a:noAutofit/>
+          </a:bodyPr>
+          <a:lstStyle>
+            <a:lvl1pPr marL="0" indent="0" algn="l">
+              <a:buFontTx/>
+              <a:buNone/>
+              <a:defRPr sz="2000" baseline="0">
+                <a:solidFill>
+                  <a:srgbClr val="ECFAFF"/>
+                </a:solidFill>
+                <a:latin typeface="PingFang SC" charset="-122"/>
+                <a:ea typeface="PingFang SC" charset="-122"/>
+                <a:cs typeface="PingFang SC" charset="-122"/>
+              </a:defRPr>
+            </a:lvl1pPr>
+            <a:lvl2pPr marL="457200" indent="0" algn="l">
+              <a:buFontTx/>
+              <a:buNone/>
+              <a:defRPr sz="2000">
+                <a:solidFill>
+                  <a:srgbClr val="ECFAFF"/>
+                </a:solidFill>
+                <a:latin typeface="PingFang SC" charset="-122"/>
+                <a:ea typeface="PingFang SC" charset="-122"/>
+                <a:cs typeface="PingFang SC" charset="-122"/>
+              </a:defRPr>
+            </a:lvl2pPr>
+            <a:lvl3pPr marL="914400" indent="0" algn="l">
+              <a:buFontTx/>
+              <a:buNone/>
+              <a:defRPr sz="2000">
+                <a:solidFill>
+                  <a:srgbClr val="ECFAFF"/>
+                </a:solidFill>
+                <a:latin typeface="PingFang SC" charset="-122"/>
+                <a:ea typeface="PingFang SC" charset="-122"/>
+                <a:cs typeface="PingFang SC" charset="-122"/>
+              </a:defRPr>
+            </a:lvl3pPr>
+            <a:lvl4pPr marL="1371600" indent="0" algn="l">
+              <a:buFontTx/>
+              <a:buNone/>
+              <a:defRPr sz="2000">
+                <a:solidFill>
+                  <a:srgbClr val="ECFAFF"/>
+                </a:solidFill>
+                <a:latin typeface="PingFang SC" charset="-122"/>
+                <a:ea typeface="PingFang SC" charset="-122"/>
+                <a:cs typeface="PingFang SC" charset="-122"/>
+              </a:defRPr>
+            </a:lvl4pPr>
+            <a:lvl5pPr marL="1828800" indent="0" algn="l">
+              <a:buFontTx/>
+              <a:buNone/>
+              <a:defRPr sz="2000">
+                <a:solidFill>
+                  <a:srgbClr val="ECFAFF"/>
+                </a:solidFill>
+                <a:latin typeface="PingFang SC" charset="-122"/>
+                <a:ea typeface="PingFang SC" charset="-122"/>
+                <a:cs typeface="PingFang SC" charset="-122"/>
+              </a:defRPr>
+            </a:lvl5pPr>
+          </a:lstStyle>
+          <a:p>
+            <a:pPr lvl="0"/>
+            <a:r>
+              <a:rPr kumimoji="1" lang="en-US" altLang="zh-CN" dirty="0" smtClean="0"/>
+              <a:t>Choice</a:t>
+            </a:r>
+            <a:r>
+              <a:rPr kumimoji="1" lang="zh-CN" altLang="en-US" dirty="0" smtClean="0"/>
+              <a:t> </a:t>
+            </a:r>
+            <a:r>
+              <a:rPr kumimoji="1" lang="en-US" altLang="zh-CN" dirty="0" smtClean="0"/>
+              <a:t>A</a:t>
+            </a:r>
+            <a:r>
+              <a:rPr kumimoji="1" lang="zh-CN" altLang="en-US" dirty="0" smtClean="0"/>
+              <a:t> </a:t>
+            </a:r>
+            <a:r>
+              <a:rPr kumimoji="1" lang="en-US" altLang="zh-CN" dirty="0" smtClean="0"/>
+              <a:t>+</a:t>
+            </a:r>
+            <a:r>
+              <a:rPr kumimoji="1" lang="zh-CN" altLang="en-US" dirty="0" smtClean="0"/>
+              <a:t> 释义</a:t>
+            </a:r>
+            <a:endParaRPr kumimoji="1" lang="zh-CN" altLang="en-US" dirty="0"/>
+          </a:p>
+        </p:txBody>
+      </p:sp>
+      <p:sp>
+        <p:nvSpPr>
+          <p:cNvPr id="16" name="文本占位符 20"/>
+          <p:cNvSpPr>
+            <a:spLocks noGrp="1"/>
+          </p:cNvSpPr>
+          <p:nvPr>
+            <p:ph type="body" sz="quarter" idx="15" hasCustomPrompt="1"/>
+          </p:nvPr>
+        </p:nvSpPr>
+        <p:spPr>
+          <a:xfrm>
+            <a:off x="8050858" y="3560836"/>
+            <a:ext cx="3458939" cy="369332"/>
+          </a:xfrm>
+          <a:prstGeom prst="rect">
+            <a:avLst/>
+          </a:prstGeom>
+        </p:spPr>
+        <p:txBody>
+          <a:bodyPr wrap="square" anchor="ctr" anchorCtr="0">
+            <a:noAutofit/>
+          </a:bodyPr>
+          <a:lstStyle>
+            <a:lvl1pPr marL="0" marR="0" indent="0" algn="l" defTabSz="914400" rtl="0" eaLnBrk="1" fontAlgn="auto" latinLnBrk="0" hangingPunct="1">
+              <a:lnSpc>
+                <a:spcPct val="90000"/>
+              </a:lnSpc>
+              <a:spcBef>
+                <a:spcPts val="1000"/>
+              </a:spcBef>
+              <a:spcAft>
+                <a:spcPts val="0"/>
+              </a:spcAft>
+              <a:buClrTx/>
+              <a:buSzTx/>
+              <a:buFontTx/>
+              <a:buNone/>
+              <a:tabLst/>
+              <a:defRPr sz="2000" baseline="0">
+                <a:solidFill>
+                  <a:srgbClr val="ECFAFF"/>
+                </a:solidFill>
+                <a:latin typeface="PingFang SC" charset="-122"/>
+                <a:ea typeface="PingFang SC" charset="-122"/>
+                <a:cs typeface="PingFang SC" charset="-122"/>
+              </a:defRPr>
+            </a:lvl1pPr>
+            <a:lvl2pPr marL="457200" indent="0" algn="l">
+              <a:buFontTx/>
+              <a:buNone/>
+              <a:defRPr sz="2000">
+                <a:solidFill>
+                  <a:srgbClr val="ECFAFF"/>
+                </a:solidFill>
+                <a:latin typeface="PingFang SC" charset="-122"/>
+                <a:ea typeface="PingFang SC" charset="-122"/>
+                <a:cs typeface="PingFang SC" charset="-122"/>
+              </a:defRPr>
+            </a:lvl2pPr>
+            <a:lvl3pPr marL="914400" indent="0" algn="l">
+              <a:buFontTx/>
+              <a:buNone/>
+              <a:defRPr sz="2000">
+                <a:solidFill>
+                  <a:srgbClr val="ECFAFF"/>
+                </a:solidFill>
+                <a:latin typeface="PingFang SC" charset="-122"/>
+                <a:ea typeface="PingFang SC" charset="-122"/>
+                <a:cs typeface="PingFang SC" charset="-122"/>
+              </a:defRPr>
+            </a:lvl3pPr>
+            <a:lvl4pPr marL="1371600" indent="0" algn="l">
+              <a:buFontTx/>
+              <a:buNone/>
+              <a:defRPr sz="2000">
+                <a:solidFill>
+                  <a:srgbClr val="ECFAFF"/>
+                </a:solidFill>
+                <a:latin typeface="PingFang SC" charset="-122"/>
+                <a:ea typeface="PingFang SC" charset="-122"/>
+                <a:cs typeface="PingFang SC" charset="-122"/>
+              </a:defRPr>
+            </a:lvl4pPr>
+            <a:lvl5pPr marL="1828800" indent="0" algn="l">
+              <a:buFontTx/>
+              <a:buNone/>
+              <a:defRPr sz="2000">
+                <a:solidFill>
+                  <a:srgbClr val="ECFAFF"/>
+                </a:solidFill>
+                <a:latin typeface="PingFang SC" charset="-122"/>
+                <a:ea typeface="PingFang SC" charset="-122"/>
+                <a:cs typeface="PingFang SC" charset="-122"/>
+              </a:defRPr>
+            </a:lvl5pPr>
+          </a:lstStyle>
+          <a:p>
+            <a:pPr marL="0" marR="0" lvl="0" indent="0" algn="l" defTabSz="914400" rtl="0" eaLnBrk="1" fontAlgn="auto" latinLnBrk="0" hangingPunct="1">
+              <a:lnSpc>
+                <a:spcPct val="90000"/>
+              </a:lnSpc>
+              <a:spcBef>
+                <a:spcPts val="1000"/>
+              </a:spcBef>
+              <a:spcAft>
+                <a:spcPts val="0"/>
+              </a:spcAft>
+              <a:buClrTx/>
+              <a:buSzTx/>
+              <a:buFontTx/>
+              <a:buNone/>
+              <a:tabLst/>
+              <a:defRPr/>
+            </a:pPr>
+            <a:r>
+              <a:rPr kumimoji="1" lang="en-US" altLang="zh-CN" dirty="0" smtClean="0"/>
+              <a:t>Choice</a:t>
+            </a:r>
+            <a:r>
+              <a:rPr kumimoji="1" lang="zh-CN" altLang="en-US" dirty="0" smtClean="0"/>
+              <a:t> </a:t>
+            </a:r>
+            <a:r>
+              <a:rPr kumimoji="1" lang="en-US" altLang="zh-CN" dirty="0" smtClean="0"/>
+              <a:t>B</a:t>
+            </a:r>
+            <a:r>
+              <a:rPr kumimoji="1" lang="zh-CN" altLang="en-US" dirty="0" smtClean="0"/>
+              <a:t> </a:t>
+            </a:r>
+            <a:r>
+              <a:rPr kumimoji="1" lang="en-US" altLang="zh-CN" dirty="0" smtClean="0"/>
+              <a:t>+</a:t>
+            </a:r>
+            <a:r>
+              <a:rPr kumimoji="1" lang="zh-CN" altLang="en-US" dirty="0" smtClean="0"/>
+              <a:t> 释义</a:t>
+            </a:r>
+          </a:p>
+        </p:txBody>
+      </p:sp>
+      <p:sp>
+        <p:nvSpPr>
+          <p:cNvPr id="17" name="文本占位符 20"/>
+          <p:cNvSpPr>
+            <a:spLocks noGrp="1"/>
+          </p:cNvSpPr>
+          <p:nvPr>
+            <p:ph type="body" sz="quarter" idx="16" hasCustomPrompt="1"/>
+          </p:nvPr>
+        </p:nvSpPr>
+        <p:spPr>
+          <a:xfrm>
+            <a:off x="2392353" y="4517752"/>
+            <a:ext cx="3500447" cy="369332"/>
+          </a:xfrm>
+          <a:prstGeom prst="rect">
+            <a:avLst/>
+          </a:prstGeom>
+        </p:spPr>
+        <p:txBody>
+          <a:bodyPr wrap="square" anchor="ctr" anchorCtr="0">
+            <a:noAutofit/>
+          </a:bodyPr>
+          <a:lstStyle>
+            <a:lvl1pPr marL="0" marR="0" indent="0" algn="l" defTabSz="914400" rtl="0" eaLnBrk="1" fontAlgn="auto" latinLnBrk="0" hangingPunct="1">
+              <a:lnSpc>
+                <a:spcPct val="90000"/>
+              </a:lnSpc>
+              <a:spcBef>
+                <a:spcPts val="1000"/>
+              </a:spcBef>
+              <a:spcAft>
+                <a:spcPts val="0"/>
+              </a:spcAft>
+              <a:buClrTx/>
+              <a:buSzTx/>
+              <a:buFontTx/>
+              <a:buNone/>
+              <a:tabLst/>
+              <a:defRPr sz="2000" baseline="0">
+                <a:solidFill>
+                  <a:srgbClr val="ECFAFF"/>
+                </a:solidFill>
+                <a:latin typeface="PingFang SC" charset="-122"/>
+                <a:ea typeface="PingFang SC" charset="-122"/>
+                <a:cs typeface="PingFang SC" charset="-122"/>
+              </a:defRPr>
+            </a:lvl1pPr>
+            <a:lvl2pPr marL="457200" indent="0" algn="l">
+              <a:buFontTx/>
+              <a:buNone/>
+              <a:defRPr sz="2000">
+                <a:solidFill>
+                  <a:srgbClr val="ECFAFF"/>
+                </a:solidFill>
+                <a:latin typeface="PingFang SC" charset="-122"/>
+                <a:ea typeface="PingFang SC" charset="-122"/>
+                <a:cs typeface="PingFang SC" charset="-122"/>
+              </a:defRPr>
+            </a:lvl2pPr>
+            <a:lvl3pPr marL="914400" indent="0" algn="l">
+              <a:buFontTx/>
+              <a:buNone/>
+              <a:defRPr sz="2000">
+                <a:solidFill>
+                  <a:srgbClr val="ECFAFF"/>
+                </a:solidFill>
+                <a:latin typeface="PingFang SC" charset="-122"/>
+                <a:ea typeface="PingFang SC" charset="-122"/>
+                <a:cs typeface="PingFang SC" charset="-122"/>
+              </a:defRPr>
+            </a:lvl3pPr>
+            <a:lvl4pPr marL="1371600" indent="0" algn="l">
+              <a:buFontTx/>
+              <a:buNone/>
+              <a:defRPr sz="2000">
+                <a:solidFill>
+                  <a:srgbClr val="ECFAFF"/>
+                </a:solidFill>
+                <a:latin typeface="PingFang SC" charset="-122"/>
+                <a:ea typeface="PingFang SC" charset="-122"/>
+                <a:cs typeface="PingFang SC" charset="-122"/>
+              </a:defRPr>
+            </a:lvl4pPr>
+            <a:lvl5pPr marL="1828800" indent="0" algn="l">
+              <a:buFontTx/>
+              <a:buNone/>
+              <a:defRPr sz="2000">
+                <a:solidFill>
+                  <a:srgbClr val="ECFAFF"/>
+                </a:solidFill>
+                <a:latin typeface="PingFang SC" charset="-122"/>
+                <a:ea typeface="PingFang SC" charset="-122"/>
+                <a:cs typeface="PingFang SC" charset="-122"/>
+              </a:defRPr>
+            </a:lvl5pPr>
+          </a:lstStyle>
+          <a:p>
+            <a:pPr marL="0" marR="0" lvl="0" indent="0" algn="l" defTabSz="914400" rtl="0" eaLnBrk="1" fontAlgn="auto" latinLnBrk="0" hangingPunct="1">
+              <a:lnSpc>
+                <a:spcPct val="90000"/>
+              </a:lnSpc>
+              <a:spcBef>
+                <a:spcPts val="1000"/>
+              </a:spcBef>
+              <a:spcAft>
+                <a:spcPts val="0"/>
+              </a:spcAft>
+              <a:buClrTx/>
+              <a:buSzTx/>
+              <a:buFontTx/>
+              <a:buNone/>
+              <a:tabLst/>
+              <a:defRPr/>
+            </a:pPr>
+            <a:r>
+              <a:rPr kumimoji="1" lang="en-US" altLang="zh-CN" dirty="0" smtClean="0"/>
+              <a:t>Choice</a:t>
+            </a:r>
+            <a:r>
+              <a:rPr kumimoji="1" lang="zh-CN" altLang="en-US" dirty="0" smtClean="0"/>
+              <a:t> </a:t>
+            </a:r>
+            <a:r>
+              <a:rPr kumimoji="1" lang="en-US" altLang="zh-CN" dirty="0" smtClean="0"/>
+              <a:t>C</a:t>
+            </a:r>
+            <a:r>
+              <a:rPr kumimoji="1" lang="zh-CN" altLang="en-US" dirty="0" smtClean="0"/>
+              <a:t> </a:t>
+            </a:r>
+            <a:r>
+              <a:rPr kumimoji="1" lang="en-US" altLang="zh-CN" dirty="0" smtClean="0"/>
+              <a:t>+</a:t>
+            </a:r>
+            <a:r>
+              <a:rPr kumimoji="1" lang="zh-CN" altLang="en-US" dirty="0" smtClean="0"/>
+              <a:t> 释义</a:t>
+            </a:r>
+          </a:p>
+        </p:txBody>
+      </p:sp>
+      <p:sp>
+        <p:nvSpPr>
+          <p:cNvPr id="18" name="文本占位符 20"/>
+          <p:cNvSpPr>
+            <a:spLocks noGrp="1"/>
+          </p:cNvSpPr>
+          <p:nvPr>
+            <p:ph type="body" sz="quarter" idx="17" hasCustomPrompt="1"/>
+          </p:nvPr>
+        </p:nvSpPr>
+        <p:spPr>
+          <a:xfrm>
+            <a:off x="8050859" y="4517752"/>
+            <a:ext cx="3480742" cy="369332"/>
+          </a:xfrm>
+          <a:prstGeom prst="rect">
+            <a:avLst/>
+          </a:prstGeom>
+        </p:spPr>
+        <p:txBody>
+          <a:bodyPr wrap="square" anchor="ctr" anchorCtr="0">
+            <a:noAutofit/>
+          </a:bodyPr>
+          <a:lstStyle>
+            <a:lvl1pPr marL="0" marR="0" indent="0" algn="l" defTabSz="914400" rtl="0" eaLnBrk="1" fontAlgn="auto" latinLnBrk="0" hangingPunct="1">
+              <a:lnSpc>
+                <a:spcPct val="90000"/>
+              </a:lnSpc>
+              <a:spcBef>
+                <a:spcPts val="1000"/>
+              </a:spcBef>
+              <a:spcAft>
+                <a:spcPts val="0"/>
+              </a:spcAft>
+              <a:buClrTx/>
+              <a:buSzTx/>
+              <a:buFontTx/>
+              <a:buNone/>
+              <a:tabLst/>
+              <a:defRPr sz="2000" baseline="0">
+                <a:solidFill>
+                  <a:srgbClr val="ECFAFF"/>
+                </a:solidFill>
+                <a:latin typeface="PingFang SC" charset="-122"/>
+                <a:ea typeface="PingFang SC" charset="-122"/>
+                <a:cs typeface="PingFang SC" charset="-122"/>
+              </a:defRPr>
+            </a:lvl1pPr>
+            <a:lvl2pPr marL="457200" indent="0" algn="l">
+              <a:buFontTx/>
+              <a:buNone/>
+              <a:defRPr sz="2000">
+                <a:solidFill>
+                  <a:srgbClr val="ECFAFF"/>
+                </a:solidFill>
+                <a:latin typeface="PingFang SC" charset="-122"/>
+                <a:ea typeface="PingFang SC" charset="-122"/>
+                <a:cs typeface="PingFang SC" charset="-122"/>
+              </a:defRPr>
+            </a:lvl2pPr>
+            <a:lvl3pPr marL="914400" indent="0" algn="l">
+              <a:buFontTx/>
+              <a:buNone/>
+              <a:defRPr sz="2000">
+                <a:solidFill>
+                  <a:srgbClr val="ECFAFF"/>
+                </a:solidFill>
+                <a:latin typeface="PingFang SC" charset="-122"/>
+                <a:ea typeface="PingFang SC" charset="-122"/>
+                <a:cs typeface="PingFang SC" charset="-122"/>
+              </a:defRPr>
+            </a:lvl3pPr>
+            <a:lvl4pPr marL="1371600" indent="0" algn="l">
+              <a:buFontTx/>
+              <a:buNone/>
+              <a:defRPr sz="2000">
+                <a:solidFill>
+                  <a:srgbClr val="ECFAFF"/>
+                </a:solidFill>
+                <a:latin typeface="PingFang SC" charset="-122"/>
+                <a:ea typeface="PingFang SC" charset="-122"/>
+                <a:cs typeface="PingFang SC" charset="-122"/>
+              </a:defRPr>
+            </a:lvl4pPr>
+            <a:lvl5pPr marL="1828800" indent="0" algn="l">
+              <a:buFontTx/>
+              <a:buNone/>
+              <a:defRPr sz="2000">
+                <a:solidFill>
+                  <a:srgbClr val="ECFAFF"/>
+                </a:solidFill>
+                <a:latin typeface="PingFang SC" charset="-122"/>
+                <a:ea typeface="PingFang SC" charset="-122"/>
+                <a:cs typeface="PingFang SC" charset="-122"/>
+              </a:defRPr>
+            </a:lvl5pPr>
+          </a:lstStyle>
+          <a:p>
+            <a:pPr marL="0" marR="0" lvl="0" indent="0" algn="l" defTabSz="914400" rtl="0" eaLnBrk="1" fontAlgn="auto" latinLnBrk="0" hangingPunct="1">
+              <a:lnSpc>
+                <a:spcPct val="90000"/>
+              </a:lnSpc>
+              <a:spcBef>
+                <a:spcPts val="1000"/>
+              </a:spcBef>
+              <a:spcAft>
+                <a:spcPts val="0"/>
+              </a:spcAft>
+              <a:buClrTx/>
+              <a:buSzTx/>
+              <a:buFontTx/>
+              <a:buNone/>
+              <a:tabLst/>
+              <a:defRPr/>
+            </a:pPr>
+            <a:r>
+              <a:rPr kumimoji="1" lang="en-US" altLang="zh-CN" dirty="0" smtClean="0"/>
+              <a:t>Choice</a:t>
+            </a:r>
+            <a:r>
+              <a:rPr kumimoji="1" lang="zh-CN" altLang="en-US" dirty="0" smtClean="0"/>
+              <a:t> </a:t>
+            </a:r>
+            <a:r>
+              <a:rPr kumimoji="1" lang="en-US" altLang="zh-CN" dirty="0" smtClean="0"/>
+              <a:t>D</a:t>
+            </a:r>
+            <a:r>
+              <a:rPr kumimoji="1" lang="zh-CN" altLang="en-US" dirty="0" smtClean="0"/>
+              <a:t> </a:t>
+            </a:r>
+            <a:r>
+              <a:rPr kumimoji="1" lang="en-US" altLang="zh-CN" dirty="0" smtClean="0"/>
+              <a:t>+</a:t>
+            </a:r>
+            <a:r>
+              <a:rPr kumimoji="1" lang="zh-CN" altLang="en-US" dirty="0" smtClean="0"/>
+              <a:t> 释义</a:t>
+            </a:r>
+          </a:p>
+        </p:txBody>
+      </p:sp>
+      <p:sp>
+        <p:nvSpPr>
+          <p:cNvPr id="19" name="文本框 18"/>
+          <p:cNvSpPr txBox="1"/>
+          <p:nvPr userDrawn="1"/>
+        </p:nvSpPr>
+        <p:spPr>
+          <a:xfrm>
+            <a:off x="5048572" y="739858"/>
+            <a:ext cx="1722618" cy="400110"/>
+          </a:xfrm>
+          <a:prstGeom prst="rect">
+            <a:avLst/>
+          </a:prstGeom>
+          <a:noFill/>
+        </p:spPr>
+        <p:txBody>
+          <a:bodyPr wrap="square" rtlCol="0" anchor="ctr">
+            <a:spAutoFit/>
+          </a:bodyPr>
+          <a:lstStyle/>
+          <a:p>
+            <a:pPr marL="0" marR="0" indent="0" algn="l" defTabSz="914400" rtl="0" eaLnBrk="1" fontAlgn="auto" latinLnBrk="0" hangingPunct="1">
+              <a:lnSpc>
+                <a:spcPct val="100000"/>
+              </a:lnSpc>
+              <a:spcBef>
+                <a:spcPts val="0"/>
+              </a:spcBef>
+              <a:spcAft>
+                <a:spcPts val="0"/>
+              </a:spcAft>
+              <a:buClrTx/>
+              <a:buSzTx/>
+              <a:buFontTx/>
+              <a:buNone/>
+              <a:tabLst/>
+              <a:defRPr/>
+            </a:pPr>
+            <a:r>
+              <a:rPr kumimoji="1" lang="zh-CN" altLang="en-US" sz="2000" b="0" i="0" u="none" strike="noStrike" kern="1200" cap="none" spc="0" normalizeH="0" baseline="0" noProof="0" dirty="0" smtClean="0">
+                <a:ln>
+                  <a:noFill/>
+                </a:ln>
+                <a:solidFill>
+                  <a:srgbClr val="ECFAFF"/>
+                </a:solidFill>
+                <a:effectLst/>
+                <a:uLnTx/>
+                <a:uFillTx/>
+                <a:latin typeface="PingFang SC" charset="-122"/>
+                <a:ea typeface="PingFang SC" charset="-122"/>
+                <a:cs typeface="PingFang SC" charset="-122"/>
+              </a:rPr>
+              <a:t>正确解答：</a:t>
+            </a:r>
+            <a:endParaRPr kumimoji="1" lang="zh-CN" altLang="en-US" sz="2000" dirty="0">
+              <a:solidFill>
+                <a:srgbClr val="ECFAFF"/>
+              </a:solidFill>
+              <a:latin typeface="PingFang SC" charset="-122"/>
+              <a:ea typeface="PingFang SC" charset="-122"/>
+              <a:cs typeface="PingFang SC" charset="-122"/>
+            </a:endParaRPr>
+          </a:p>
+        </p:txBody>
+      </p:sp>
+    </p:spTree>
+  </p:cSld>
+  <p:clrMapOvr>
+    <a:masterClrMapping/>
+  </p:clrMapOvr>
+</p:sldLayout>
+</file>
+
+<file path=ppt/slideLayouts/slideLayout12.xml><?xml version="1.0" encoding="utf-8"?>
+<p:sldLayout xmlns:a="http://schemas.openxmlformats.org/drawingml/2006/main" xmlns:r="http://schemas.openxmlformats.org/officeDocument/2006/relationships" xmlns:p="http://schemas.openxmlformats.org/presentationml/2006/main" preserve="1" userDrawn="1">
+  <p:cSld name="VocabPhrase with choices">
+    <p:spTree>
+      <p:nvGrpSpPr>
+        <p:cNvPr id="1" name=""/>
+        <p:cNvGrpSpPr/>
+        <p:nvPr/>
+      </p:nvGrpSpPr>
+      <p:grpSpPr>
+        <a:xfrm>
+          <a:off x="0" y="0"/>
+          <a:ext cx="0" cy="0"/>
+          <a:chOff x="0" y="0"/>
+          <a:chExt cx="0" cy="0"/>
+        </a:xfrm>
+      </p:grpSpPr>
+      <p:sp>
+        <p:nvSpPr>
+          <p:cNvPr id="3" name="文本占位符 2"/>
+          <p:cNvSpPr>
+            <a:spLocks noGrp="1"/>
+          </p:cNvSpPr>
+          <p:nvPr>
+            <p:ph type="body" sz="quarter" idx="10" hasCustomPrompt="1"/>
+          </p:nvPr>
+        </p:nvSpPr>
+        <p:spPr>
+          <a:xfrm>
+            <a:off x="531758" y="680672"/>
+            <a:ext cx="1728000" cy="518482"/>
+          </a:xfrm>
+          <a:prstGeom prst="rect">
+            <a:avLst/>
+          </a:prstGeom>
+        </p:spPr>
+        <p:txBody>
+          <a:bodyPr/>
+          <a:lstStyle>
+            <a:lvl1pPr marL="0" indent="0">
+              <a:buFontTx/>
+              <a:buNone/>
+              <a:defRPr sz="3200" b="0" i="0">
+                <a:solidFill>
+                  <a:srgbClr val="ECFAFF">
+                    <a:alpha val="50000"/>
+                  </a:srgbClr>
+                </a:solidFill>
+                <a:latin typeface="Helvetica Neue Medium" charset="0"/>
+                <a:ea typeface="Helvetica Neue Medium" charset="0"/>
+                <a:cs typeface="Helvetica Neue Medium" charset="0"/>
+              </a:defRPr>
+            </a:lvl1pPr>
+          </a:lstStyle>
+          <a:p>
+            <a:pPr marL="228600" marR="0" lvl="0" indent="-228600" algn="l" defTabSz="914400" rtl="0" eaLnBrk="1" fontAlgn="auto" latinLnBrk="0" hangingPunct="1">
+              <a:lnSpc>
+                <a:spcPct val="90000"/>
+              </a:lnSpc>
+              <a:spcBef>
+                <a:spcPts val="1000"/>
+              </a:spcBef>
+              <a:spcAft>
+                <a:spcPts val="0"/>
+              </a:spcAft>
+              <a:buClrTx/>
+              <a:buSzTx/>
+              <a:buFont typeface="Arial"/>
+              <a:buNone/>
+              <a:tabLst/>
+              <a:defRPr/>
+            </a:pPr>
+            <a:r>
+              <a:rPr kumimoji="1" lang="en-US" altLang="zh-CN" dirty="0" smtClean="0"/>
+              <a:t>Q.1</a:t>
+            </a:r>
+            <a:endParaRPr kumimoji="1" lang="zh-CN" altLang="en-US" dirty="0"/>
+          </a:p>
+        </p:txBody>
+      </p:sp>
+      <p:sp>
+        <p:nvSpPr>
+          <p:cNvPr id="4" name="文本占位符 4"/>
+          <p:cNvSpPr>
+            <a:spLocks noGrp="1"/>
+          </p:cNvSpPr>
+          <p:nvPr>
+            <p:ph type="body" sz="quarter" idx="11" hasCustomPrompt="1"/>
+          </p:nvPr>
+        </p:nvSpPr>
+        <p:spPr>
+          <a:xfrm>
+            <a:off x="531758" y="1199154"/>
+            <a:ext cx="11128486" cy="1800000"/>
+          </a:xfrm>
+          <a:prstGeom prst="rect">
+            <a:avLst/>
+          </a:prstGeom>
+        </p:spPr>
+        <p:txBody>
+          <a:bodyPr anchor="ctr" anchorCtr="0">
+            <a:normAutofit/>
+          </a:bodyPr>
+          <a:lstStyle>
+            <a:lvl1pPr marL="0" indent="0" algn="ctr">
+              <a:lnSpc>
+                <a:spcPct val="120000"/>
+              </a:lnSpc>
+              <a:buFontTx/>
+              <a:buNone/>
+              <a:defRPr sz="6000">
+                <a:solidFill>
+                  <a:srgbClr val="ECFAFF"/>
+                </a:solidFill>
+                <a:latin typeface="PingFang SC" charset="-122"/>
+                <a:ea typeface="PingFang SC" charset="-122"/>
+                <a:cs typeface="PingFang SC" charset="-122"/>
+              </a:defRPr>
+            </a:lvl1pPr>
+            <a:lvl2pPr marL="457200" indent="0" algn="ctr">
+              <a:lnSpc>
+                <a:spcPct val="120000"/>
+              </a:lnSpc>
+              <a:buFontTx/>
+              <a:buNone/>
+              <a:defRPr>
+                <a:solidFill>
+                  <a:srgbClr val="ECFAFF"/>
+                </a:solidFill>
+                <a:latin typeface="PingFang SC" charset="-122"/>
+                <a:ea typeface="PingFang SC" charset="-122"/>
+                <a:cs typeface="PingFang SC" charset="-122"/>
+              </a:defRPr>
+            </a:lvl2pPr>
+            <a:lvl3pPr marL="914400" indent="0" algn="ctr">
+              <a:lnSpc>
+                <a:spcPct val="120000"/>
+              </a:lnSpc>
+              <a:buFontTx/>
+              <a:buNone/>
+              <a:defRPr>
+                <a:solidFill>
+                  <a:srgbClr val="ECFAFF"/>
+                </a:solidFill>
+                <a:latin typeface="PingFang SC" charset="-122"/>
+                <a:ea typeface="PingFang SC" charset="-122"/>
+                <a:cs typeface="PingFang SC" charset="-122"/>
+              </a:defRPr>
+            </a:lvl3pPr>
+            <a:lvl4pPr marL="1371600" indent="0" algn="ctr">
+              <a:lnSpc>
+                <a:spcPct val="120000"/>
+              </a:lnSpc>
+              <a:buFontTx/>
+              <a:buNone/>
+              <a:defRPr>
+                <a:solidFill>
+                  <a:srgbClr val="ECFAFF"/>
+                </a:solidFill>
+                <a:latin typeface="PingFang SC" charset="-122"/>
+                <a:ea typeface="PingFang SC" charset="-122"/>
+                <a:cs typeface="PingFang SC" charset="-122"/>
+              </a:defRPr>
+            </a:lvl4pPr>
+            <a:lvl5pPr marL="1828800" indent="0" algn="ctr">
+              <a:lnSpc>
+                <a:spcPct val="120000"/>
+              </a:lnSpc>
+              <a:buFontTx/>
+              <a:buNone/>
+              <a:defRPr>
+                <a:solidFill>
+                  <a:srgbClr val="ECFAFF"/>
+                </a:solidFill>
+                <a:latin typeface="PingFang SC" charset="-122"/>
+                <a:ea typeface="PingFang SC" charset="-122"/>
+                <a:cs typeface="PingFang SC" charset="-122"/>
+              </a:defRPr>
+            </a:lvl5pPr>
+          </a:lstStyle>
+          <a:p>
+            <a:pPr lvl="0"/>
+            <a:r>
+              <a:rPr kumimoji="1" lang="zh-CN" altLang="en-US" dirty="0" smtClean="0"/>
+              <a:t>球</a:t>
+            </a:r>
+            <a:endParaRPr kumimoji="1" lang="zh-CN" altLang="en-US" dirty="0"/>
+          </a:p>
+        </p:txBody>
+      </p:sp>
+      <p:sp>
+        <p:nvSpPr>
+          <p:cNvPr id="5" name="文本占位符 13"/>
+          <p:cNvSpPr>
+            <a:spLocks noGrp="1"/>
+          </p:cNvSpPr>
+          <p:nvPr>
+            <p:ph type="body" sz="quarter" idx="12" hasCustomPrompt="1"/>
+          </p:nvPr>
+        </p:nvSpPr>
+        <p:spPr>
+          <a:xfrm>
+            <a:off x="531758" y="3161241"/>
+            <a:ext cx="11128484" cy="496359"/>
+          </a:xfrm>
+          <a:prstGeom prst="rect">
+            <a:avLst/>
+          </a:prstGeom>
+        </p:spPr>
+        <p:txBody>
+          <a:bodyPr anchor="ctr" anchorCtr="0"/>
+          <a:lstStyle>
+            <a:lvl1pPr marL="0" indent="0" algn="ctr">
+              <a:lnSpc>
+                <a:spcPct val="120000"/>
+              </a:lnSpc>
+              <a:buFontTx/>
+              <a:buNone/>
+              <a:defRPr sz="2000">
+                <a:solidFill>
+                  <a:srgbClr val="F8F4EC"/>
+                </a:solidFill>
+                <a:latin typeface="PingFang SC" charset="-122"/>
+                <a:ea typeface="PingFang SC" charset="-122"/>
+                <a:cs typeface="PingFang SC" charset="-122"/>
+              </a:defRPr>
+            </a:lvl1pPr>
+            <a:lvl2pPr marL="457200" indent="0" algn="ctr">
+              <a:lnSpc>
+                <a:spcPct val="120000"/>
+              </a:lnSpc>
+              <a:buFontTx/>
+              <a:buNone/>
+              <a:defRPr>
+                <a:solidFill>
+                  <a:srgbClr val="ECFAFF"/>
+                </a:solidFill>
+                <a:latin typeface="PingFang SC" charset="-122"/>
+                <a:ea typeface="PingFang SC" charset="-122"/>
+                <a:cs typeface="PingFang SC" charset="-122"/>
+              </a:defRPr>
+            </a:lvl2pPr>
+            <a:lvl3pPr marL="914400" indent="0" algn="ctr">
+              <a:lnSpc>
+                <a:spcPct val="120000"/>
+              </a:lnSpc>
+              <a:buFontTx/>
+              <a:buNone/>
+              <a:defRPr>
+                <a:solidFill>
+                  <a:srgbClr val="ECFAFF"/>
+                </a:solidFill>
+                <a:latin typeface="PingFang SC" charset="-122"/>
+                <a:ea typeface="PingFang SC" charset="-122"/>
+                <a:cs typeface="PingFang SC" charset="-122"/>
+              </a:defRPr>
+            </a:lvl3pPr>
+            <a:lvl4pPr marL="1371600" indent="0" algn="ctr">
+              <a:lnSpc>
+                <a:spcPct val="120000"/>
+              </a:lnSpc>
+              <a:buFontTx/>
+              <a:buNone/>
+              <a:defRPr>
+                <a:solidFill>
+                  <a:srgbClr val="ECFAFF"/>
+                </a:solidFill>
+                <a:latin typeface="PingFang SC" charset="-122"/>
+                <a:ea typeface="PingFang SC" charset="-122"/>
+                <a:cs typeface="PingFang SC" charset="-122"/>
+              </a:defRPr>
+            </a:lvl4pPr>
+            <a:lvl5pPr marL="1828800" indent="0" algn="ctr">
+              <a:lnSpc>
+                <a:spcPct val="120000"/>
+              </a:lnSpc>
+              <a:buFontTx/>
+              <a:buNone/>
+              <a:defRPr>
+                <a:solidFill>
+                  <a:srgbClr val="ECFAFF"/>
+                </a:solidFill>
+                <a:latin typeface="PingFang SC" charset="-122"/>
+                <a:ea typeface="PingFang SC" charset="-122"/>
+                <a:cs typeface="PingFang SC" charset="-122"/>
+              </a:defRPr>
+            </a:lvl5pPr>
+          </a:lstStyle>
+          <a:p>
+            <a:pPr lvl="0"/>
+            <a:r>
+              <a:rPr kumimoji="1" lang="zh-CN" altLang="en-US" dirty="0" smtClean="0"/>
+              <a:t>考点：</a:t>
+            </a:r>
+            <a:r>
+              <a:rPr kumimoji="1" lang="en-US" altLang="zh-CN" dirty="0" smtClean="0"/>
+              <a:t>A2</a:t>
+            </a:r>
+            <a:r>
+              <a:rPr kumimoji="1" lang="zh-CN" altLang="en-US" dirty="0" smtClean="0"/>
+              <a:t> </a:t>
+            </a:r>
+            <a:r>
+              <a:rPr kumimoji="1" lang="en-US" altLang="zh-CN" dirty="0" smtClean="0"/>
+              <a:t>–</a:t>
+            </a:r>
+            <a:r>
+              <a:rPr kumimoji="1" lang="zh-CN" altLang="en-US" dirty="0" smtClean="0"/>
+              <a:t> 运动</a:t>
+            </a:r>
+            <a:endParaRPr kumimoji="1" lang="zh-CN" altLang="en-US" dirty="0"/>
+          </a:p>
+        </p:txBody>
+      </p:sp>
+      <p:sp>
+        <p:nvSpPr>
+          <p:cNvPr id="6" name="矩形 5"/>
+          <p:cNvSpPr/>
+          <p:nvPr userDrawn="1"/>
+        </p:nvSpPr>
+        <p:spPr>
+          <a:xfrm>
+            <a:off x="531758" y="5182543"/>
+            <a:ext cx="5472000" cy="724284"/>
+          </a:xfrm>
+          <a:prstGeom prst="rect">
+            <a:avLst/>
+          </a:prstGeom>
+          <a:solidFill>
+            <a:srgbClr val="ECFAFF">
+              <a:alpha val="9000"/>
+            </a:srgbClr>
+          </a:solidFill>
+          <a:ln>
+            <a:solidFill>
+              <a:srgbClr val="ECFAFF">
+                <a:alpha val="40000"/>
+              </a:srgbClr>
+            </a:solidFill>
+          </a:ln>
+        </p:spPr>
+        <p:style>
+          <a:lnRef idx="2">
+            <a:schemeClr val="accent1"/>
+          </a:lnRef>
+          <a:fillRef idx="1">
+            <a:schemeClr val="lt1"/>
+          </a:fillRef>
+          <a:effectRef idx="0">
+            <a:schemeClr val="accent1"/>
+          </a:effectRef>
+          <a:fontRef idx="minor">
+            <a:schemeClr val="dk1"/>
+          </a:fontRef>
+        </p:style>
+        <p:txBody>
+          <a:bodyPr rtlCol="0" anchor="ctr"/>
+          <a:lstStyle/>
+          <a:p>
+            <a:pPr algn="ctr"/>
+            <a:endParaRPr kumimoji="1" lang="zh-CN" altLang="en-US" dirty="0"/>
+          </a:p>
+        </p:txBody>
+      </p:sp>
+      <p:sp>
+        <p:nvSpPr>
+          <p:cNvPr id="7" name="矩形 6"/>
+          <p:cNvSpPr/>
+          <p:nvPr userDrawn="1"/>
+        </p:nvSpPr>
+        <p:spPr>
+          <a:xfrm>
+            <a:off x="6188242" y="5182543"/>
+            <a:ext cx="5472000" cy="724284"/>
+          </a:xfrm>
+          <a:prstGeom prst="rect">
+            <a:avLst/>
+          </a:prstGeom>
+          <a:solidFill>
+            <a:srgbClr val="ECFAFF">
+              <a:alpha val="9000"/>
+            </a:srgbClr>
+          </a:solidFill>
+          <a:ln>
+            <a:solidFill>
+              <a:srgbClr val="ECFAFF">
+                <a:alpha val="40000"/>
+              </a:srgbClr>
+            </a:solidFill>
+          </a:ln>
+        </p:spPr>
+        <p:style>
+          <a:lnRef idx="2">
+            <a:schemeClr val="accent1"/>
+          </a:lnRef>
+          <a:fillRef idx="1">
+            <a:schemeClr val="lt1"/>
+          </a:fillRef>
+          <a:effectRef idx="0">
+            <a:schemeClr val="accent1"/>
+          </a:effectRef>
+          <a:fontRef idx="minor">
+            <a:schemeClr val="dk1"/>
+          </a:fontRef>
+        </p:style>
+        <p:txBody>
+          <a:bodyPr rtlCol="0" anchor="ctr"/>
+          <a:lstStyle/>
+          <a:p>
+            <a:pPr algn="ctr"/>
+            <a:endParaRPr kumimoji="1" lang="zh-CN" altLang="en-US" dirty="0"/>
+          </a:p>
+        </p:txBody>
+      </p:sp>
+      <p:sp>
+        <p:nvSpPr>
+          <p:cNvPr id="8" name="矩形 7"/>
+          <p:cNvSpPr/>
+          <p:nvPr userDrawn="1"/>
+        </p:nvSpPr>
+        <p:spPr>
+          <a:xfrm>
+            <a:off x="531758" y="4225627"/>
+            <a:ext cx="5472000" cy="724284"/>
+          </a:xfrm>
+          <a:prstGeom prst="rect">
+            <a:avLst/>
+          </a:prstGeom>
+          <a:solidFill>
+            <a:srgbClr val="ECFAFF">
+              <a:alpha val="9000"/>
+            </a:srgbClr>
+          </a:solidFill>
+          <a:ln>
+            <a:solidFill>
+              <a:srgbClr val="ECFAFF">
+                <a:alpha val="40000"/>
+              </a:srgbClr>
+            </a:solidFill>
+          </a:ln>
+        </p:spPr>
+        <p:style>
+          <a:lnRef idx="2">
+            <a:schemeClr val="accent1"/>
+          </a:lnRef>
+          <a:fillRef idx="1">
+            <a:schemeClr val="lt1"/>
+          </a:fillRef>
+          <a:effectRef idx="0">
+            <a:schemeClr val="accent1"/>
+          </a:effectRef>
+          <a:fontRef idx="minor">
+            <a:schemeClr val="dk1"/>
+          </a:fontRef>
+        </p:style>
+        <p:txBody>
+          <a:bodyPr rtlCol="0" anchor="ctr"/>
+          <a:lstStyle/>
+          <a:p>
+            <a:pPr algn="ctr"/>
+            <a:endParaRPr kumimoji="1" lang="zh-CN" altLang="en-US" dirty="0"/>
+          </a:p>
+        </p:txBody>
+      </p:sp>
+      <p:sp>
+        <p:nvSpPr>
+          <p:cNvPr id="9" name="矩形 8"/>
+          <p:cNvSpPr/>
+          <p:nvPr userDrawn="1"/>
+        </p:nvSpPr>
+        <p:spPr>
+          <a:xfrm>
+            <a:off x="6188242" y="4225627"/>
+            <a:ext cx="5472000" cy="724284"/>
+          </a:xfrm>
+          <a:prstGeom prst="rect">
+            <a:avLst/>
+          </a:prstGeom>
+          <a:solidFill>
+            <a:srgbClr val="ECFAFF">
+              <a:alpha val="9000"/>
+            </a:srgbClr>
+          </a:solidFill>
+          <a:ln>
+            <a:solidFill>
+              <a:srgbClr val="ECFAFF">
+                <a:alpha val="40000"/>
+              </a:srgbClr>
+            </a:solidFill>
+          </a:ln>
+        </p:spPr>
+        <p:style>
+          <a:lnRef idx="2">
+            <a:schemeClr val="accent1"/>
+          </a:lnRef>
+          <a:fillRef idx="1">
+            <a:schemeClr val="lt1"/>
+          </a:fillRef>
+          <a:effectRef idx="0">
+            <a:schemeClr val="accent1"/>
+          </a:effectRef>
+          <a:fontRef idx="minor">
+            <a:schemeClr val="dk1"/>
+          </a:fontRef>
+        </p:style>
+        <p:txBody>
+          <a:bodyPr rtlCol="0" anchor="ctr"/>
+          <a:lstStyle/>
+          <a:p>
+            <a:pPr algn="ctr"/>
+            <a:endParaRPr kumimoji="1" lang="zh-CN" altLang="en-US" dirty="0"/>
+          </a:p>
+        </p:txBody>
+      </p:sp>
+      <p:sp>
+        <p:nvSpPr>
+          <p:cNvPr id="10" name="文本框 6">
+            <a:extLst>
+              <a:ext uri="{FF2B5EF4-FFF2-40B4-BE49-F238E27FC236}">
+                <a16:creationId xmlns:a16="http://schemas.microsoft.com/office/drawing/2014/main" xmlns="" id="{5D38C703-0535-2649-B4A0-B8F05CF7B2C5}"/>
+              </a:ext>
+            </a:extLst>
+          </p:cNvPr>
+          <p:cNvSpPr txBox="1"/>
+          <p:nvPr userDrawn="1"/>
+        </p:nvSpPr>
+        <p:spPr>
+          <a:xfrm>
+            <a:off x="1971758" y="4387714"/>
+            <a:ext cx="548810" cy="400110"/>
+          </a:xfrm>
+          <a:prstGeom prst="rect">
+            <a:avLst/>
+          </a:prstGeom>
+          <a:noFill/>
+        </p:spPr>
+        <p:txBody>
+          <a:bodyPr wrap="square" rtlCol="0" anchor="ctr" anchorCtr="0">
+            <a:spAutoFit/>
+          </a:bodyPr>
+          <a:lstStyle/>
+          <a:p>
+            <a:r>
+              <a:rPr kumimoji="1" lang="en-US" altLang="zh-CN" sz="2000" b="0" i="0" dirty="0">
+                <a:solidFill>
+                  <a:srgbClr val="ECFAFF"/>
+                </a:solidFill>
+                <a:latin typeface="PingFang SC" charset="-122"/>
+                <a:ea typeface="PingFang SC" charset="-122"/>
+                <a:cs typeface="PingFang SC" charset="-122"/>
+              </a:rPr>
+              <a:t>A.</a:t>
+            </a:r>
+            <a:endParaRPr kumimoji="1" lang="zh-CN" altLang="en-US" sz="2000" b="0" i="0" dirty="0">
+              <a:solidFill>
+                <a:srgbClr val="ECFAFF"/>
+              </a:solidFill>
+              <a:latin typeface="PingFang SC" charset="-122"/>
+              <a:ea typeface="PingFang SC" charset="-122"/>
+              <a:cs typeface="PingFang SC" charset="-122"/>
+            </a:endParaRPr>
+          </a:p>
+        </p:txBody>
+      </p:sp>
+      <p:sp>
+        <p:nvSpPr>
+          <p:cNvPr id="11" name="文本框 10">
+            <a:extLst>
+              <a:ext uri="{FF2B5EF4-FFF2-40B4-BE49-F238E27FC236}">
+                <a16:creationId xmlns:a16="http://schemas.microsoft.com/office/drawing/2014/main" xmlns="" id="{65E5CD98-D6C1-1848-86A2-A50598B55139}"/>
+              </a:ext>
+            </a:extLst>
+          </p:cNvPr>
+          <p:cNvSpPr txBox="1"/>
+          <p:nvPr userDrawn="1"/>
+        </p:nvSpPr>
+        <p:spPr>
+          <a:xfrm>
+            <a:off x="1971758" y="5344630"/>
+            <a:ext cx="548810" cy="400110"/>
+          </a:xfrm>
+          <a:prstGeom prst="rect">
+            <a:avLst/>
+          </a:prstGeom>
+          <a:noFill/>
+        </p:spPr>
+        <p:txBody>
+          <a:bodyPr wrap="square" rtlCol="0" anchor="ctr" anchorCtr="0">
+            <a:spAutoFit/>
+          </a:bodyPr>
+          <a:lstStyle/>
+          <a:p>
+            <a:r>
+              <a:rPr kumimoji="1" lang="en-US" altLang="zh-CN" sz="2000" b="0" i="0" dirty="0">
+                <a:solidFill>
+                  <a:srgbClr val="ECFAFF"/>
+                </a:solidFill>
+                <a:latin typeface="PingFang SC" charset="-122"/>
+                <a:ea typeface="PingFang SC" charset="-122"/>
+                <a:cs typeface="PingFang SC" charset="-122"/>
+              </a:rPr>
+              <a:t>C.</a:t>
+            </a:r>
+            <a:endParaRPr kumimoji="1" lang="zh-CN" altLang="en-US" sz="2000" b="0" i="0" dirty="0">
+              <a:solidFill>
+                <a:srgbClr val="ECFAFF"/>
+              </a:solidFill>
+              <a:latin typeface="PingFang SC" charset="-122"/>
+              <a:ea typeface="PingFang SC" charset="-122"/>
+              <a:cs typeface="PingFang SC" charset="-122"/>
+            </a:endParaRPr>
+          </a:p>
+        </p:txBody>
+      </p:sp>
+      <p:sp>
+        <p:nvSpPr>
+          <p:cNvPr id="12" name="文本框 6">
+            <a:extLst>
+              <a:ext uri="{FF2B5EF4-FFF2-40B4-BE49-F238E27FC236}">
+                <a16:creationId xmlns:a16="http://schemas.microsoft.com/office/drawing/2014/main" xmlns="" id="{5F9E940D-7090-E94B-8B49-5CA1D127071A}"/>
+              </a:ext>
+            </a:extLst>
+          </p:cNvPr>
+          <p:cNvSpPr txBox="1"/>
+          <p:nvPr userDrawn="1"/>
+        </p:nvSpPr>
+        <p:spPr>
+          <a:xfrm>
+            <a:off x="7614129" y="4387714"/>
+            <a:ext cx="548810" cy="400110"/>
+          </a:xfrm>
+          <a:prstGeom prst="rect">
+            <a:avLst/>
+          </a:prstGeom>
+          <a:noFill/>
+        </p:spPr>
+        <p:txBody>
+          <a:bodyPr wrap="square" rtlCol="0" anchor="ctr" anchorCtr="0">
+            <a:spAutoFit/>
+          </a:bodyPr>
+          <a:lstStyle/>
+          <a:p>
+            <a:r>
+              <a:rPr kumimoji="1" lang="en-US" altLang="zh-CN" sz="2000" b="0" i="0" dirty="0">
+                <a:solidFill>
+                  <a:srgbClr val="ECFAFF"/>
+                </a:solidFill>
+                <a:latin typeface="PingFang SC" charset="-122"/>
+                <a:ea typeface="PingFang SC" charset="-122"/>
+                <a:cs typeface="PingFang SC" charset="-122"/>
+              </a:rPr>
+              <a:t>B.</a:t>
+            </a:r>
+            <a:endParaRPr kumimoji="1" lang="zh-CN" altLang="en-US" sz="2000" b="0" i="0" dirty="0">
+              <a:solidFill>
+                <a:srgbClr val="ECFAFF"/>
+              </a:solidFill>
+              <a:latin typeface="PingFang SC" charset="-122"/>
+              <a:ea typeface="PingFang SC" charset="-122"/>
+              <a:cs typeface="PingFang SC" charset="-122"/>
+            </a:endParaRPr>
+          </a:p>
+        </p:txBody>
+      </p:sp>
+      <p:sp>
+        <p:nvSpPr>
+          <p:cNvPr id="13" name="文本框 6">
+            <a:extLst>
+              <a:ext uri="{FF2B5EF4-FFF2-40B4-BE49-F238E27FC236}">
+                <a16:creationId xmlns:a16="http://schemas.microsoft.com/office/drawing/2014/main" xmlns="" id="{BB9196A1-74E2-5046-99D0-EB0B468753EC}"/>
+              </a:ext>
+            </a:extLst>
+          </p:cNvPr>
+          <p:cNvSpPr txBox="1"/>
+          <p:nvPr userDrawn="1"/>
+        </p:nvSpPr>
+        <p:spPr>
+          <a:xfrm>
+            <a:off x="7614129" y="5344630"/>
+            <a:ext cx="548810" cy="400110"/>
+          </a:xfrm>
+          <a:prstGeom prst="rect">
+            <a:avLst/>
+          </a:prstGeom>
+          <a:noFill/>
+        </p:spPr>
+        <p:txBody>
+          <a:bodyPr wrap="square" rtlCol="0" anchor="ctr" anchorCtr="0">
+            <a:spAutoFit/>
+          </a:bodyPr>
+          <a:lstStyle/>
+          <a:p>
+            <a:r>
+              <a:rPr kumimoji="1" lang="en-US" altLang="zh-CN" sz="2000" b="0" i="0" dirty="0">
+                <a:solidFill>
+                  <a:srgbClr val="ECFAFF"/>
+                </a:solidFill>
+                <a:latin typeface="PingFang SC" charset="-122"/>
+                <a:ea typeface="PingFang SC" charset="-122"/>
+                <a:cs typeface="PingFang SC" charset="-122"/>
+              </a:rPr>
+              <a:t>D.</a:t>
+            </a:r>
+            <a:endParaRPr kumimoji="1" lang="zh-CN" altLang="en-US" sz="2000" b="0" i="0" dirty="0">
+              <a:solidFill>
+                <a:srgbClr val="ECFAFF"/>
+              </a:solidFill>
+              <a:latin typeface="PingFang SC" charset="-122"/>
+              <a:ea typeface="PingFang SC" charset="-122"/>
+              <a:cs typeface="PingFang SC" charset="-122"/>
+            </a:endParaRPr>
+          </a:p>
+        </p:txBody>
+      </p:sp>
+      <p:sp>
+        <p:nvSpPr>
+          <p:cNvPr id="14" name="文本占位符 14"/>
+          <p:cNvSpPr>
+            <a:spLocks noGrp="1"/>
+          </p:cNvSpPr>
+          <p:nvPr>
+            <p:ph type="body" sz="quarter" idx="13" hasCustomPrompt="1"/>
+          </p:nvPr>
+        </p:nvSpPr>
+        <p:spPr>
+          <a:xfrm>
+            <a:off x="2398992" y="4387715"/>
+            <a:ext cx="3205293" cy="400109"/>
+          </a:xfrm>
+          <a:prstGeom prst="rect">
+            <a:avLst/>
+          </a:prstGeom>
+        </p:spPr>
+        <p:txBody>
+          <a:bodyPr anchor="ctr"/>
+          <a:lstStyle>
+            <a:lvl1pPr marL="0" indent="0">
+              <a:buFontTx/>
+              <a:buNone/>
+              <a:defRPr sz="2000">
+                <a:solidFill>
+                  <a:srgbClr val="ECFAFF"/>
+                </a:solidFill>
+                <a:latin typeface="PingFang SC" charset="-122"/>
+                <a:ea typeface="PingFang SC" charset="-122"/>
+                <a:cs typeface="PingFang SC" charset="-122"/>
+              </a:defRPr>
+            </a:lvl1pPr>
+            <a:lvl2pPr marL="457200" indent="0">
+              <a:buFontTx/>
+              <a:buNone/>
+              <a:defRPr sz="2000">
+                <a:solidFill>
+                  <a:srgbClr val="ECFAFF"/>
+                </a:solidFill>
+                <a:latin typeface="PingFang SC" charset="-122"/>
+                <a:ea typeface="PingFang SC" charset="-122"/>
+                <a:cs typeface="PingFang SC" charset="-122"/>
+              </a:defRPr>
+            </a:lvl2pPr>
+            <a:lvl3pPr marL="914400" indent="0">
+              <a:buFontTx/>
+              <a:buNone/>
+              <a:defRPr sz="2000">
+                <a:solidFill>
+                  <a:srgbClr val="ECFAFF"/>
+                </a:solidFill>
+                <a:latin typeface="PingFang SC" charset="-122"/>
+                <a:ea typeface="PingFang SC" charset="-122"/>
+                <a:cs typeface="PingFang SC" charset="-122"/>
+              </a:defRPr>
+            </a:lvl3pPr>
+            <a:lvl4pPr marL="1371600" indent="0">
+              <a:buFontTx/>
+              <a:buNone/>
+              <a:defRPr sz="2000">
+                <a:solidFill>
+                  <a:srgbClr val="ECFAFF"/>
+                </a:solidFill>
+                <a:latin typeface="PingFang SC" charset="-122"/>
+                <a:ea typeface="PingFang SC" charset="-122"/>
+                <a:cs typeface="PingFang SC" charset="-122"/>
+              </a:defRPr>
+            </a:lvl4pPr>
+            <a:lvl5pPr marL="1828800" indent="0">
+              <a:buFontTx/>
+              <a:buNone/>
+              <a:defRPr sz="2000">
+                <a:solidFill>
+                  <a:srgbClr val="ECFAFF"/>
+                </a:solidFill>
+                <a:latin typeface="PingFang SC" charset="-122"/>
+                <a:ea typeface="PingFang SC" charset="-122"/>
+                <a:cs typeface="PingFang SC" charset="-122"/>
+              </a:defRPr>
+            </a:lvl5pPr>
+          </a:lstStyle>
+          <a:p>
+            <a:pPr lvl="0"/>
+            <a:r>
+              <a:rPr kumimoji="1" lang="en-US" altLang="zh-CN" dirty="0" smtClean="0"/>
+              <a:t>Choice</a:t>
+            </a:r>
+            <a:r>
+              <a:rPr kumimoji="1" lang="zh-CN" altLang="en-US" dirty="0" smtClean="0"/>
+              <a:t> </a:t>
+            </a:r>
+            <a:r>
+              <a:rPr kumimoji="1" lang="en-US" altLang="zh-CN" dirty="0" smtClean="0"/>
+              <a:t>A</a:t>
+            </a:r>
+            <a:endParaRPr kumimoji="1" lang="zh-CN" altLang="en-US" dirty="0"/>
+          </a:p>
+        </p:txBody>
+      </p:sp>
+      <p:sp>
+        <p:nvSpPr>
+          <p:cNvPr id="15" name="文本占位符 14"/>
+          <p:cNvSpPr>
+            <a:spLocks noGrp="1"/>
+          </p:cNvSpPr>
+          <p:nvPr>
+            <p:ph type="body" sz="quarter" idx="14" hasCustomPrompt="1"/>
+          </p:nvPr>
+        </p:nvSpPr>
+        <p:spPr>
+          <a:xfrm>
+            <a:off x="8072999" y="4387715"/>
+            <a:ext cx="3205293" cy="400109"/>
+          </a:xfrm>
+          <a:prstGeom prst="rect">
+            <a:avLst/>
+          </a:prstGeom>
+        </p:spPr>
+        <p:txBody>
+          <a:bodyPr anchor="ctr"/>
+          <a:lstStyle>
+            <a:lvl1pPr marL="0" indent="0">
+              <a:buFontTx/>
+              <a:buNone/>
+              <a:defRPr sz="2000">
+                <a:solidFill>
+                  <a:srgbClr val="ECFAFF"/>
+                </a:solidFill>
+                <a:latin typeface="PingFang SC" charset="-122"/>
+                <a:ea typeface="PingFang SC" charset="-122"/>
+                <a:cs typeface="PingFang SC" charset="-122"/>
+              </a:defRPr>
+            </a:lvl1pPr>
+            <a:lvl2pPr marL="457200" indent="0">
+              <a:buFontTx/>
+              <a:buNone/>
+              <a:defRPr sz="2000">
+                <a:solidFill>
+                  <a:srgbClr val="ECFAFF"/>
+                </a:solidFill>
+                <a:latin typeface="PingFang SC" charset="-122"/>
+                <a:ea typeface="PingFang SC" charset="-122"/>
+                <a:cs typeface="PingFang SC" charset="-122"/>
+              </a:defRPr>
+            </a:lvl2pPr>
+            <a:lvl3pPr marL="914400" indent="0">
+              <a:buFontTx/>
+              <a:buNone/>
+              <a:defRPr sz="2000">
+                <a:solidFill>
+                  <a:srgbClr val="ECFAFF"/>
+                </a:solidFill>
+                <a:latin typeface="PingFang SC" charset="-122"/>
+                <a:ea typeface="PingFang SC" charset="-122"/>
+                <a:cs typeface="PingFang SC" charset="-122"/>
+              </a:defRPr>
+            </a:lvl3pPr>
+            <a:lvl4pPr marL="1371600" indent="0">
+              <a:buFontTx/>
+              <a:buNone/>
+              <a:defRPr sz="2000">
+                <a:solidFill>
+                  <a:srgbClr val="ECFAFF"/>
+                </a:solidFill>
+                <a:latin typeface="PingFang SC" charset="-122"/>
+                <a:ea typeface="PingFang SC" charset="-122"/>
+                <a:cs typeface="PingFang SC" charset="-122"/>
+              </a:defRPr>
+            </a:lvl4pPr>
+            <a:lvl5pPr marL="1828800" indent="0">
+              <a:buFontTx/>
+              <a:buNone/>
+              <a:defRPr sz="2000">
+                <a:solidFill>
+                  <a:srgbClr val="ECFAFF"/>
+                </a:solidFill>
+                <a:latin typeface="PingFang SC" charset="-122"/>
+                <a:ea typeface="PingFang SC" charset="-122"/>
+                <a:cs typeface="PingFang SC" charset="-122"/>
+              </a:defRPr>
+            </a:lvl5pPr>
+          </a:lstStyle>
+          <a:p>
+            <a:pPr lvl="0"/>
+            <a:r>
+              <a:rPr kumimoji="1" lang="en-US" altLang="zh-CN" dirty="0" smtClean="0"/>
+              <a:t>Choice</a:t>
+            </a:r>
+            <a:r>
+              <a:rPr kumimoji="1" lang="zh-CN" altLang="en-US" dirty="0" smtClean="0"/>
+              <a:t> </a:t>
+            </a:r>
+            <a:r>
+              <a:rPr kumimoji="1" lang="en-US" altLang="zh-CN" dirty="0" smtClean="0"/>
+              <a:t>B</a:t>
+            </a:r>
+            <a:endParaRPr kumimoji="1" lang="zh-CN" altLang="en-US" dirty="0"/>
+          </a:p>
+        </p:txBody>
+      </p:sp>
+      <p:sp>
+        <p:nvSpPr>
+          <p:cNvPr id="16" name="文本占位符 14"/>
+          <p:cNvSpPr>
+            <a:spLocks noGrp="1"/>
+          </p:cNvSpPr>
+          <p:nvPr>
+            <p:ph type="body" sz="quarter" idx="15" hasCustomPrompt="1"/>
+          </p:nvPr>
+        </p:nvSpPr>
+        <p:spPr>
+          <a:xfrm>
+            <a:off x="2398992" y="5344631"/>
+            <a:ext cx="3205293" cy="400109"/>
+          </a:xfrm>
+          <a:prstGeom prst="rect">
+            <a:avLst/>
+          </a:prstGeom>
+        </p:spPr>
+        <p:txBody>
+          <a:bodyPr anchor="ctr"/>
+          <a:lstStyle>
+            <a:lvl1pPr marL="0" indent="0">
+              <a:buFontTx/>
+              <a:buNone/>
+              <a:defRPr sz="2000">
+                <a:solidFill>
+                  <a:srgbClr val="ECFAFF"/>
+                </a:solidFill>
+                <a:latin typeface="PingFang SC" charset="-122"/>
+                <a:ea typeface="PingFang SC" charset="-122"/>
+                <a:cs typeface="PingFang SC" charset="-122"/>
+              </a:defRPr>
+            </a:lvl1pPr>
+            <a:lvl2pPr marL="457200" indent="0">
+              <a:buFontTx/>
+              <a:buNone/>
+              <a:defRPr sz="2000">
+                <a:solidFill>
+                  <a:srgbClr val="ECFAFF"/>
+                </a:solidFill>
+                <a:latin typeface="PingFang SC" charset="-122"/>
+                <a:ea typeface="PingFang SC" charset="-122"/>
+                <a:cs typeface="PingFang SC" charset="-122"/>
+              </a:defRPr>
+            </a:lvl2pPr>
+            <a:lvl3pPr marL="914400" indent="0">
+              <a:buFontTx/>
+              <a:buNone/>
+              <a:defRPr sz="2000">
+                <a:solidFill>
+                  <a:srgbClr val="ECFAFF"/>
+                </a:solidFill>
+                <a:latin typeface="PingFang SC" charset="-122"/>
+                <a:ea typeface="PingFang SC" charset="-122"/>
+                <a:cs typeface="PingFang SC" charset="-122"/>
+              </a:defRPr>
+            </a:lvl3pPr>
+            <a:lvl4pPr marL="1371600" indent="0">
+              <a:buFontTx/>
+              <a:buNone/>
+              <a:defRPr sz="2000">
+                <a:solidFill>
+                  <a:srgbClr val="ECFAFF"/>
+                </a:solidFill>
+                <a:latin typeface="PingFang SC" charset="-122"/>
+                <a:ea typeface="PingFang SC" charset="-122"/>
+                <a:cs typeface="PingFang SC" charset="-122"/>
+              </a:defRPr>
+            </a:lvl4pPr>
+            <a:lvl5pPr marL="1828800" indent="0">
+              <a:buFontTx/>
+              <a:buNone/>
+              <a:defRPr sz="2000">
+                <a:solidFill>
+                  <a:srgbClr val="ECFAFF"/>
+                </a:solidFill>
+                <a:latin typeface="PingFang SC" charset="-122"/>
+                <a:ea typeface="PingFang SC" charset="-122"/>
+                <a:cs typeface="PingFang SC" charset="-122"/>
+              </a:defRPr>
+            </a:lvl5pPr>
+          </a:lstStyle>
+          <a:p>
+            <a:pPr lvl="0"/>
+            <a:r>
+              <a:rPr kumimoji="1" lang="en-US" altLang="zh-CN" dirty="0" smtClean="0"/>
+              <a:t>Choice</a:t>
+            </a:r>
+            <a:r>
+              <a:rPr kumimoji="1" lang="zh-CN" altLang="en-US" dirty="0" smtClean="0"/>
+              <a:t> </a:t>
+            </a:r>
+            <a:r>
+              <a:rPr kumimoji="1" lang="en-US" altLang="zh-CN" dirty="0" smtClean="0"/>
+              <a:t>C</a:t>
+            </a:r>
+            <a:endParaRPr kumimoji="1" lang="zh-CN" altLang="en-US" dirty="0"/>
+          </a:p>
+        </p:txBody>
+      </p:sp>
+      <p:sp>
+        <p:nvSpPr>
+          <p:cNvPr id="17" name="文本占位符 14"/>
+          <p:cNvSpPr>
+            <a:spLocks noGrp="1"/>
+          </p:cNvSpPr>
+          <p:nvPr>
+            <p:ph type="body" sz="quarter" idx="16" hasCustomPrompt="1"/>
+          </p:nvPr>
+        </p:nvSpPr>
+        <p:spPr>
+          <a:xfrm>
+            <a:off x="8072999" y="5344631"/>
+            <a:ext cx="3205293" cy="400109"/>
+          </a:xfrm>
+          <a:prstGeom prst="rect">
+            <a:avLst/>
+          </a:prstGeom>
+        </p:spPr>
+        <p:txBody>
+          <a:bodyPr anchor="ctr"/>
+          <a:lstStyle>
+            <a:lvl1pPr marL="0" indent="0">
+              <a:buFontTx/>
+              <a:buNone/>
+              <a:defRPr sz="2000">
+                <a:solidFill>
+                  <a:srgbClr val="ECFAFF"/>
+                </a:solidFill>
+                <a:latin typeface="PingFang SC" charset="-122"/>
+                <a:ea typeface="PingFang SC" charset="-122"/>
+                <a:cs typeface="PingFang SC" charset="-122"/>
+              </a:defRPr>
+            </a:lvl1pPr>
+            <a:lvl2pPr marL="457200" indent="0">
+              <a:buFontTx/>
+              <a:buNone/>
+              <a:defRPr sz="2000">
+                <a:solidFill>
+                  <a:srgbClr val="ECFAFF"/>
+                </a:solidFill>
+                <a:latin typeface="PingFang SC" charset="-122"/>
+                <a:ea typeface="PingFang SC" charset="-122"/>
+                <a:cs typeface="PingFang SC" charset="-122"/>
+              </a:defRPr>
+            </a:lvl2pPr>
+            <a:lvl3pPr marL="914400" indent="0">
+              <a:buFontTx/>
+              <a:buNone/>
+              <a:defRPr sz="2000">
+                <a:solidFill>
+                  <a:srgbClr val="ECFAFF"/>
+                </a:solidFill>
+                <a:latin typeface="PingFang SC" charset="-122"/>
+                <a:ea typeface="PingFang SC" charset="-122"/>
+                <a:cs typeface="PingFang SC" charset="-122"/>
+              </a:defRPr>
+            </a:lvl3pPr>
+            <a:lvl4pPr marL="1371600" indent="0">
+              <a:buFontTx/>
+              <a:buNone/>
+              <a:defRPr sz="2000">
+                <a:solidFill>
+                  <a:srgbClr val="ECFAFF"/>
+                </a:solidFill>
+                <a:latin typeface="PingFang SC" charset="-122"/>
+                <a:ea typeface="PingFang SC" charset="-122"/>
+                <a:cs typeface="PingFang SC" charset="-122"/>
+              </a:defRPr>
+            </a:lvl4pPr>
+            <a:lvl5pPr marL="1828800" indent="0">
+              <a:buFontTx/>
+              <a:buNone/>
+              <a:defRPr sz="2000">
+                <a:solidFill>
+                  <a:srgbClr val="ECFAFF"/>
+                </a:solidFill>
+                <a:latin typeface="PingFang SC" charset="-122"/>
+                <a:ea typeface="PingFang SC" charset="-122"/>
+                <a:cs typeface="PingFang SC" charset="-122"/>
+              </a:defRPr>
+            </a:lvl5pPr>
+          </a:lstStyle>
+          <a:p>
+            <a:pPr lvl="0"/>
+            <a:r>
+              <a:rPr kumimoji="1" lang="en-US" altLang="zh-CN" dirty="0" smtClean="0"/>
+              <a:t>Choice</a:t>
+            </a:r>
+            <a:r>
+              <a:rPr kumimoji="1" lang="zh-CN" altLang="en-US" dirty="0" smtClean="0"/>
+              <a:t> </a:t>
+            </a:r>
+            <a:r>
+              <a:rPr kumimoji="1" lang="en-US" altLang="zh-CN" dirty="0" smtClean="0"/>
+              <a:t>D</a:t>
+            </a:r>
+            <a:endParaRPr kumimoji="1" lang="zh-CN" altLang="en-US" dirty="0"/>
+          </a:p>
+        </p:txBody>
+      </p:sp>
+    </p:spTree>
+  </p:cSld>
+  <p:clrMapOvr>
+    <a:masterClrMapping/>
+  </p:clrMapOvr>
+</p:sldLayout>
+</file>
+
+<file path=ppt/slideLayouts/slideLayout13.xml><?xml version="1.0" encoding="utf-8"?>
+<p:sldLayout xmlns:a="http://schemas.openxmlformats.org/drawingml/2006/main" xmlns:r="http://schemas.openxmlformats.org/officeDocument/2006/relationships" xmlns:p="http://schemas.openxmlformats.org/presentationml/2006/main" preserve="1" userDrawn="1">
+  <p:cSld name="VocabPhrase analysis with choices">
+    <p:spTree>
+      <p:nvGrpSpPr>
+        <p:cNvPr id="1" name=""/>
+        <p:cNvGrpSpPr/>
+        <p:nvPr/>
+      </p:nvGrpSpPr>
+      <p:grpSpPr>
+        <a:xfrm>
+          <a:off x="0" y="0"/>
+          <a:ext cx="0" cy="0"/>
+          <a:chOff x="0" y="0"/>
+          <a:chExt cx="0" cy="0"/>
+        </a:xfrm>
+      </p:grpSpPr>
+      <p:sp>
+        <p:nvSpPr>
+          <p:cNvPr id="3" name="文本占位符 2"/>
+          <p:cNvSpPr>
+            <a:spLocks noGrp="1"/>
+          </p:cNvSpPr>
+          <p:nvPr>
+            <p:ph type="body" sz="quarter" idx="10" hasCustomPrompt="1"/>
+          </p:nvPr>
+        </p:nvSpPr>
+        <p:spPr>
+          <a:xfrm>
+            <a:off x="531758" y="680672"/>
+            <a:ext cx="1728000" cy="518482"/>
+          </a:xfrm>
+          <a:prstGeom prst="rect">
+            <a:avLst/>
+          </a:prstGeom>
+        </p:spPr>
+        <p:txBody>
+          <a:bodyPr/>
+          <a:lstStyle>
+            <a:lvl1pPr marL="0" indent="0">
+              <a:buFontTx/>
+              <a:buNone/>
+              <a:defRPr sz="3200" b="0" i="0">
+                <a:solidFill>
+                  <a:srgbClr val="ECFAFF">
+                    <a:alpha val="50000"/>
+                  </a:srgbClr>
+                </a:solidFill>
+                <a:latin typeface="Helvetica Neue Medium" charset="0"/>
+                <a:ea typeface="Helvetica Neue Medium" charset="0"/>
+                <a:cs typeface="Helvetica Neue Medium" charset="0"/>
+              </a:defRPr>
+            </a:lvl1pPr>
+          </a:lstStyle>
+          <a:p>
+            <a:pPr marL="228600" marR="0" lvl="0" indent="-228600" algn="l" defTabSz="914400" rtl="0" eaLnBrk="1" fontAlgn="auto" latinLnBrk="0" hangingPunct="1">
+              <a:lnSpc>
+                <a:spcPct val="90000"/>
+              </a:lnSpc>
+              <a:spcBef>
+                <a:spcPts val="1000"/>
+              </a:spcBef>
+              <a:spcAft>
+                <a:spcPts val="0"/>
+              </a:spcAft>
+              <a:buClrTx/>
+              <a:buSzTx/>
+              <a:buFont typeface="Arial"/>
+              <a:buNone/>
+              <a:tabLst/>
+              <a:defRPr/>
+            </a:pPr>
+            <a:r>
+              <a:rPr kumimoji="1" lang="en-US" altLang="zh-CN" dirty="0" smtClean="0"/>
+              <a:t>Q.1</a:t>
+            </a:r>
+            <a:endParaRPr kumimoji="1" lang="zh-CN" altLang="en-US" dirty="0"/>
+          </a:p>
+        </p:txBody>
+      </p:sp>
+      <p:sp>
+        <p:nvSpPr>
+          <p:cNvPr id="4" name="文本占位符 6"/>
+          <p:cNvSpPr>
+            <a:spLocks noGrp="1"/>
+          </p:cNvSpPr>
+          <p:nvPr>
+            <p:ph type="body" sz="quarter" idx="11" hasCustomPrompt="1"/>
+          </p:nvPr>
+        </p:nvSpPr>
+        <p:spPr>
+          <a:xfrm>
+            <a:off x="6395285" y="738313"/>
+            <a:ext cx="1218844" cy="403200"/>
+          </a:xfrm>
+          <a:prstGeom prst="rect">
+            <a:avLst/>
+          </a:prstGeom>
+        </p:spPr>
+        <p:txBody>
+          <a:bodyPr anchor="ctr"/>
+          <a:lstStyle>
+            <a:lvl1pPr marL="0" indent="0" algn="l">
+              <a:buFontTx/>
+              <a:buNone/>
+              <a:defRPr sz="2000">
+                <a:solidFill>
+                  <a:srgbClr val="ECFAFF"/>
+                </a:solidFill>
+                <a:latin typeface="PingFang SC" charset="-122"/>
+                <a:ea typeface="PingFang SC" charset="-122"/>
+                <a:cs typeface="PingFang SC" charset="-122"/>
+              </a:defRPr>
+            </a:lvl1pPr>
+            <a:lvl2pPr marL="457200" indent="0" algn="ctr">
+              <a:buFontTx/>
+              <a:buNone/>
+              <a:defRPr sz="2000">
+                <a:solidFill>
+                  <a:srgbClr val="ECFAFF"/>
+                </a:solidFill>
+                <a:latin typeface="PingFang SC" charset="-122"/>
+                <a:ea typeface="PingFang SC" charset="-122"/>
+                <a:cs typeface="PingFang SC" charset="-122"/>
+              </a:defRPr>
+            </a:lvl2pPr>
+            <a:lvl3pPr marL="914400" indent="0" algn="ctr">
+              <a:buFontTx/>
+              <a:buNone/>
+              <a:defRPr sz="2000">
+                <a:solidFill>
+                  <a:srgbClr val="ECFAFF"/>
+                </a:solidFill>
+                <a:latin typeface="PingFang SC" charset="-122"/>
+                <a:ea typeface="PingFang SC" charset="-122"/>
+                <a:cs typeface="PingFang SC" charset="-122"/>
+              </a:defRPr>
+            </a:lvl3pPr>
+            <a:lvl4pPr marL="1371600" indent="0" algn="ctr">
+              <a:buFontTx/>
+              <a:buNone/>
+              <a:defRPr sz="2000">
+                <a:solidFill>
+                  <a:srgbClr val="ECFAFF"/>
+                </a:solidFill>
+                <a:latin typeface="PingFang SC" charset="-122"/>
+                <a:ea typeface="PingFang SC" charset="-122"/>
+                <a:cs typeface="PingFang SC" charset="-122"/>
+              </a:defRPr>
+            </a:lvl4pPr>
+            <a:lvl5pPr marL="1828800" indent="0" algn="ctr">
+              <a:buFontTx/>
+              <a:buNone/>
+              <a:defRPr sz="2000">
+                <a:solidFill>
+                  <a:srgbClr val="ECFAFF"/>
+                </a:solidFill>
+                <a:latin typeface="PingFang SC" charset="-122"/>
+                <a:ea typeface="PingFang SC" charset="-122"/>
+                <a:cs typeface="PingFang SC" charset="-122"/>
+              </a:defRPr>
+            </a:lvl5pPr>
+          </a:lstStyle>
+          <a:p>
+            <a:pPr lvl="0"/>
+            <a:r>
+              <a:rPr kumimoji="1" lang="en-US" altLang="zh-CN" dirty="0" smtClean="0"/>
+              <a:t>A</a:t>
+            </a:r>
+            <a:endParaRPr kumimoji="1" lang="zh-CN" altLang="en-US" dirty="0"/>
+          </a:p>
+        </p:txBody>
+      </p:sp>
+      <p:sp>
+        <p:nvSpPr>
+          <p:cNvPr id="5" name="文本占位符 8"/>
+          <p:cNvSpPr>
+            <a:spLocks noGrp="1"/>
+          </p:cNvSpPr>
+          <p:nvPr>
+            <p:ph type="body" sz="quarter" idx="12" hasCustomPrompt="1"/>
+          </p:nvPr>
+        </p:nvSpPr>
+        <p:spPr>
+          <a:xfrm>
+            <a:off x="531758" y="1199153"/>
+            <a:ext cx="11128484" cy="1584000"/>
+          </a:xfrm>
+          <a:prstGeom prst="rect">
+            <a:avLst/>
+          </a:prstGeom>
+        </p:spPr>
+        <p:txBody>
+          <a:bodyPr anchor="ctr">
+            <a:normAutofit/>
+          </a:bodyPr>
+          <a:lstStyle>
+            <a:lvl1pPr marL="0" indent="0" algn="ctr">
+              <a:lnSpc>
+                <a:spcPct val="120000"/>
+              </a:lnSpc>
+              <a:buFontTx/>
+              <a:buNone/>
+              <a:defRPr sz="6000">
+                <a:solidFill>
+                  <a:srgbClr val="ECFAFF"/>
+                </a:solidFill>
+                <a:latin typeface="PingFang SC" charset="-122"/>
+                <a:ea typeface="PingFang SC" charset="-122"/>
+                <a:cs typeface="PingFang SC" charset="-122"/>
+              </a:defRPr>
+            </a:lvl1pPr>
+            <a:lvl2pPr marL="457200" indent="0" algn="ctr">
+              <a:buFontTx/>
+              <a:buNone/>
+              <a:defRPr>
+                <a:solidFill>
+                  <a:srgbClr val="ECFAFF"/>
+                </a:solidFill>
+                <a:latin typeface="PingFang SC" charset="-122"/>
+                <a:ea typeface="PingFang SC" charset="-122"/>
+                <a:cs typeface="PingFang SC" charset="-122"/>
+              </a:defRPr>
+            </a:lvl2pPr>
+            <a:lvl3pPr marL="914400" indent="0" algn="ctr">
+              <a:buFontTx/>
+              <a:buNone/>
+              <a:defRPr>
+                <a:solidFill>
+                  <a:srgbClr val="ECFAFF"/>
+                </a:solidFill>
+                <a:latin typeface="PingFang SC" charset="-122"/>
+                <a:ea typeface="PingFang SC" charset="-122"/>
+                <a:cs typeface="PingFang SC" charset="-122"/>
+              </a:defRPr>
+            </a:lvl3pPr>
+            <a:lvl4pPr marL="1371600" indent="0" algn="ctr">
+              <a:buFontTx/>
+              <a:buNone/>
+              <a:defRPr>
+                <a:solidFill>
+                  <a:srgbClr val="ECFAFF"/>
+                </a:solidFill>
+                <a:latin typeface="PingFang SC" charset="-122"/>
+                <a:ea typeface="PingFang SC" charset="-122"/>
+                <a:cs typeface="PingFang SC" charset="-122"/>
+              </a:defRPr>
+            </a:lvl4pPr>
+            <a:lvl5pPr marL="1828800" indent="0" algn="ctr">
+              <a:buFontTx/>
+              <a:buNone/>
+              <a:defRPr>
+                <a:solidFill>
+                  <a:srgbClr val="ECFAFF"/>
+                </a:solidFill>
+                <a:latin typeface="PingFang SC" charset="-122"/>
+                <a:ea typeface="PingFang SC" charset="-122"/>
+                <a:cs typeface="PingFang SC" charset="-122"/>
+              </a:defRPr>
+            </a:lvl5pPr>
+          </a:lstStyle>
+          <a:p>
+            <a:pPr lvl="0"/>
+            <a:r>
+              <a:rPr kumimoji="1" lang="zh-CN" altLang="en-US" dirty="0" smtClean="0"/>
+              <a:t>球 </a:t>
+            </a:r>
+            <a:r>
+              <a:rPr kumimoji="1" lang="en-US" altLang="zh-CN" dirty="0" smtClean="0"/>
+              <a:t>ball</a:t>
+            </a:r>
+            <a:endParaRPr kumimoji="1" lang="zh-CN" altLang="en-US" dirty="0"/>
+          </a:p>
+        </p:txBody>
+      </p:sp>
+      <p:sp>
+        <p:nvSpPr>
+          <p:cNvPr id="6" name="文本占位符 10"/>
+          <p:cNvSpPr>
+            <a:spLocks noGrp="1"/>
+          </p:cNvSpPr>
+          <p:nvPr>
+            <p:ph type="body" sz="quarter" idx="13" hasCustomPrompt="1"/>
+          </p:nvPr>
+        </p:nvSpPr>
+        <p:spPr>
+          <a:xfrm>
+            <a:off x="531758" y="2863030"/>
+            <a:ext cx="11128484" cy="484243"/>
+          </a:xfrm>
+          <a:prstGeom prst="rect">
+            <a:avLst/>
+          </a:prstGeom>
+        </p:spPr>
+        <p:txBody>
+          <a:bodyPr anchor="ctr"/>
+          <a:lstStyle>
+            <a:lvl1pPr marL="0" indent="0" algn="ctr">
+              <a:buFontTx/>
+              <a:buNone/>
+              <a:defRPr sz="2000">
+                <a:solidFill>
+                  <a:srgbClr val="ECFAFF"/>
+                </a:solidFill>
+                <a:latin typeface="PingFang SC" charset="-122"/>
+                <a:ea typeface="PingFang SC" charset="-122"/>
+                <a:cs typeface="PingFang SC" charset="-122"/>
+              </a:defRPr>
+            </a:lvl1pPr>
+            <a:lvl2pPr marL="457200" indent="0" algn="ctr">
+              <a:buFontTx/>
+              <a:buNone/>
+              <a:defRPr sz="2000">
+                <a:solidFill>
+                  <a:srgbClr val="ECFAFF"/>
+                </a:solidFill>
+                <a:latin typeface="PingFang SC" charset="-122"/>
+                <a:ea typeface="PingFang SC" charset="-122"/>
+                <a:cs typeface="PingFang SC" charset="-122"/>
+              </a:defRPr>
+            </a:lvl2pPr>
+            <a:lvl3pPr marL="914400" indent="0" algn="ctr">
+              <a:buFontTx/>
+              <a:buNone/>
+              <a:defRPr sz="2000">
+                <a:solidFill>
+                  <a:srgbClr val="ECFAFF"/>
+                </a:solidFill>
+                <a:latin typeface="PingFang SC" charset="-122"/>
+                <a:ea typeface="PingFang SC" charset="-122"/>
+                <a:cs typeface="PingFang SC" charset="-122"/>
+              </a:defRPr>
+            </a:lvl3pPr>
+            <a:lvl4pPr marL="1371600" indent="0" algn="ctr">
+              <a:buFontTx/>
+              <a:buNone/>
+              <a:defRPr sz="2000">
+                <a:solidFill>
+                  <a:srgbClr val="ECFAFF"/>
+                </a:solidFill>
+                <a:latin typeface="PingFang SC" charset="-122"/>
+                <a:ea typeface="PingFang SC" charset="-122"/>
+                <a:cs typeface="PingFang SC" charset="-122"/>
+              </a:defRPr>
+            </a:lvl4pPr>
+            <a:lvl5pPr marL="1828800" indent="0" algn="ctr">
+              <a:buFontTx/>
+              <a:buNone/>
+              <a:defRPr sz="2000">
+                <a:solidFill>
+                  <a:srgbClr val="ECFAFF"/>
+                </a:solidFill>
+                <a:latin typeface="PingFang SC" charset="-122"/>
+                <a:ea typeface="PingFang SC" charset="-122"/>
+                <a:cs typeface="PingFang SC" charset="-122"/>
+              </a:defRPr>
+            </a:lvl5pPr>
+          </a:lstStyle>
+          <a:p>
+            <a:pPr lvl="0"/>
+            <a:r>
+              <a:rPr kumimoji="1" lang="zh-CN" altLang="en-US" dirty="0" smtClean="0"/>
+              <a:t>考点：</a:t>
+            </a:r>
+            <a:r>
+              <a:rPr kumimoji="1" lang="en-US" altLang="zh-CN" dirty="0" smtClean="0"/>
+              <a:t>A1-</a:t>
+            </a:r>
+            <a:r>
+              <a:rPr kumimoji="1" lang="zh-CN" altLang="en-US" dirty="0" smtClean="0"/>
+              <a:t>运动</a:t>
+            </a:r>
+            <a:endParaRPr kumimoji="1" lang="zh-CN" altLang="en-US" dirty="0"/>
+          </a:p>
+        </p:txBody>
+      </p:sp>
+      <p:sp>
+        <p:nvSpPr>
+          <p:cNvPr id="7" name="矩形 6"/>
+          <p:cNvSpPr/>
+          <p:nvPr userDrawn="1"/>
+        </p:nvSpPr>
+        <p:spPr>
+          <a:xfrm>
+            <a:off x="531758" y="4600066"/>
+            <a:ext cx="5472000" cy="724284"/>
+          </a:xfrm>
+          <a:prstGeom prst="rect">
+            <a:avLst/>
+          </a:prstGeom>
+          <a:solidFill>
+            <a:srgbClr val="ECFAFF">
+              <a:alpha val="9000"/>
+            </a:srgbClr>
+          </a:solidFill>
+          <a:ln>
+            <a:solidFill>
+              <a:srgbClr val="ECFAFF">
+                <a:alpha val="40000"/>
+              </a:srgbClr>
+            </a:solidFill>
+          </a:ln>
+        </p:spPr>
+        <p:style>
+          <a:lnRef idx="2">
+            <a:schemeClr val="accent1"/>
+          </a:lnRef>
+          <a:fillRef idx="1">
+            <a:schemeClr val="lt1"/>
+          </a:fillRef>
+          <a:effectRef idx="0">
+            <a:schemeClr val="accent1"/>
+          </a:effectRef>
+          <a:fontRef idx="minor">
+            <a:schemeClr val="dk1"/>
+          </a:fontRef>
+        </p:style>
+        <p:txBody>
+          <a:bodyPr rtlCol="0" anchor="ctr"/>
+          <a:lstStyle/>
+          <a:p>
+            <a:pPr algn="ctr"/>
+            <a:endParaRPr kumimoji="1" lang="zh-CN" altLang="en-US" dirty="0"/>
+          </a:p>
+        </p:txBody>
+      </p:sp>
+      <p:sp>
+        <p:nvSpPr>
+          <p:cNvPr id="8" name="矩形 7"/>
+          <p:cNvSpPr/>
+          <p:nvPr userDrawn="1"/>
+        </p:nvSpPr>
+        <p:spPr>
+          <a:xfrm>
+            <a:off x="6188242" y="4600066"/>
+            <a:ext cx="5472000" cy="724284"/>
+          </a:xfrm>
+          <a:prstGeom prst="rect">
+            <a:avLst/>
+          </a:prstGeom>
+          <a:solidFill>
+            <a:srgbClr val="ECFAFF">
+              <a:alpha val="9000"/>
+            </a:srgbClr>
+          </a:solidFill>
+          <a:ln>
+            <a:solidFill>
+              <a:srgbClr val="ECFAFF">
+                <a:alpha val="40000"/>
+              </a:srgbClr>
+            </a:solidFill>
+          </a:ln>
+        </p:spPr>
+        <p:style>
+          <a:lnRef idx="2">
+            <a:schemeClr val="accent1"/>
+          </a:lnRef>
+          <a:fillRef idx="1">
+            <a:schemeClr val="lt1"/>
+          </a:fillRef>
+          <a:effectRef idx="0">
+            <a:schemeClr val="accent1"/>
+          </a:effectRef>
+          <a:fontRef idx="minor">
+            <a:schemeClr val="dk1"/>
+          </a:fontRef>
+        </p:style>
+        <p:txBody>
+          <a:bodyPr rtlCol="0" anchor="ctr"/>
+          <a:lstStyle/>
+          <a:p>
+            <a:pPr algn="ctr"/>
+            <a:endParaRPr kumimoji="1" lang="zh-CN" altLang="en-US" dirty="0"/>
+          </a:p>
+        </p:txBody>
+      </p:sp>
+      <p:sp>
+        <p:nvSpPr>
+          <p:cNvPr id="9" name="矩形 8"/>
+          <p:cNvSpPr/>
+          <p:nvPr userDrawn="1"/>
+        </p:nvSpPr>
+        <p:spPr>
+          <a:xfrm>
+            <a:off x="531758" y="3643150"/>
+            <a:ext cx="5472000" cy="724284"/>
+          </a:xfrm>
+          <a:prstGeom prst="rect">
+            <a:avLst/>
+          </a:prstGeom>
+          <a:solidFill>
+            <a:srgbClr val="ECFAFF">
+              <a:alpha val="9000"/>
+            </a:srgbClr>
+          </a:solidFill>
+          <a:ln>
+            <a:solidFill>
+              <a:srgbClr val="ECFAFF">
+                <a:alpha val="40000"/>
+              </a:srgbClr>
+            </a:solidFill>
+          </a:ln>
+        </p:spPr>
+        <p:style>
+          <a:lnRef idx="2">
+            <a:schemeClr val="accent1"/>
+          </a:lnRef>
+          <a:fillRef idx="1">
+            <a:schemeClr val="lt1"/>
+          </a:fillRef>
+          <a:effectRef idx="0">
+            <a:schemeClr val="accent1"/>
+          </a:effectRef>
+          <a:fontRef idx="minor">
+            <a:schemeClr val="dk1"/>
+          </a:fontRef>
+        </p:style>
+        <p:txBody>
+          <a:bodyPr rtlCol="0" anchor="ctr"/>
+          <a:lstStyle/>
+          <a:p>
+            <a:pPr algn="ctr"/>
+            <a:endParaRPr kumimoji="1" lang="zh-CN" altLang="en-US" dirty="0"/>
+          </a:p>
+        </p:txBody>
+      </p:sp>
+      <p:sp>
+        <p:nvSpPr>
+          <p:cNvPr id="10" name="矩形 9"/>
+          <p:cNvSpPr/>
+          <p:nvPr userDrawn="1"/>
+        </p:nvSpPr>
+        <p:spPr>
+          <a:xfrm>
+            <a:off x="6188242" y="3643150"/>
+            <a:ext cx="5472000" cy="724284"/>
+          </a:xfrm>
+          <a:prstGeom prst="rect">
+            <a:avLst/>
+          </a:prstGeom>
+          <a:solidFill>
+            <a:srgbClr val="ECFAFF">
+              <a:alpha val="9000"/>
+            </a:srgbClr>
+          </a:solidFill>
+          <a:ln>
+            <a:solidFill>
+              <a:srgbClr val="ECFAFF">
+                <a:alpha val="40000"/>
+              </a:srgbClr>
+            </a:solidFill>
+          </a:ln>
+        </p:spPr>
+        <p:style>
+          <a:lnRef idx="2">
+            <a:schemeClr val="accent1"/>
+          </a:lnRef>
+          <a:fillRef idx="1">
+            <a:schemeClr val="lt1"/>
+          </a:fillRef>
+          <a:effectRef idx="0">
+            <a:schemeClr val="accent1"/>
+          </a:effectRef>
+          <a:fontRef idx="minor">
+            <a:schemeClr val="dk1"/>
+          </a:fontRef>
+        </p:style>
+        <p:txBody>
+          <a:bodyPr rtlCol="0" anchor="ctr"/>
+          <a:lstStyle/>
+          <a:p>
+            <a:pPr algn="ctr"/>
+            <a:endParaRPr kumimoji="1" lang="zh-CN" altLang="en-US" dirty="0"/>
+          </a:p>
+        </p:txBody>
+      </p:sp>
+      <p:sp>
+        <p:nvSpPr>
+          <p:cNvPr id="11" name="文本框 6">
+            <a:extLst>
+              <a:ext uri="{FF2B5EF4-FFF2-40B4-BE49-F238E27FC236}">
+                <a16:creationId xmlns:a16="http://schemas.microsoft.com/office/drawing/2014/main" xmlns="" id="{5D38C703-0535-2649-B4A0-B8F05CF7B2C5}"/>
+              </a:ext>
+            </a:extLst>
+          </p:cNvPr>
+          <p:cNvSpPr txBox="1"/>
+          <p:nvPr userDrawn="1"/>
+        </p:nvSpPr>
+        <p:spPr>
+          <a:xfrm>
+            <a:off x="1971758" y="3805237"/>
+            <a:ext cx="548810" cy="400110"/>
+          </a:xfrm>
+          <a:prstGeom prst="rect">
+            <a:avLst/>
+          </a:prstGeom>
+          <a:noFill/>
+        </p:spPr>
+        <p:txBody>
+          <a:bodyPr wrap="square" rtlCol="0" anchor="ctr" anchorCtr="0">
+            <a:spAutoFit/>
+          </a:bodyPr>
+          <a:lstStyle/>
+          <a:p>
+            <a:r>
+              <a:rPr kumimoji="1" lang="en-US" altLang="zh-CN" sz="2000" b="0" i="0" dirty="0">
+                <a:solidFill>
+                  <a:srgbClr val="ECFAFF"/>
+                </a:solidFill>
+                <a:latin typeface="PingFang SC" charset="-122"/>
+                <a:ea typeface="PingFang SC" charset="-122"/>
+                <a:cs typeface="PingFang SC" charset="-122"/>
+              </a:rPr>
+              <a:t>A.</a:t>
+            </a:r>
+            <a:endParaRPr kumimoji="1" lang="zh-CN" altLang="en-US" sz="2000" b="0" i="0" dirty="0">
+              <a:solidFill>
+                <a:srgbClr val="ECFAFF"/>
+              </a:solidFill>
+              <a:latin typeface="PingFang SC" charset="-122"/>
+              <a:ea typeface="PingFang SC" charset="-122"/>
+              <a:cs typeface="PingFang SC" charset="-122"/>
+            </a:endParaRPr>
+          </a:p>
+        </p:txBody>
+      </p:sp>
+      <p:sp>
+        <p:nvSpPr>
+          <p:cNvPr id="12" name="文本框 11">
+            <a:extLst>
+              <a:ext uri="{FF2B5EF4-FFF2-40B4-BE49-F238E27FC236}">
+                <a16:creationId xmlns:a16="http://schemas.microsoft.com/office/drawing/2014/main" xmlns="" id="{65E5CD98-D6C1-1848-86A2-A50598B55139}"/>
+              </a:ext>
+            </a:extLst>
+          </p:cNvPr>
+          <p:cNvSpPr txBox="1"/>
+          <p:nvPr userDrawn="1"/>
+        </p:nvSpPr>
+        <p:spPr>
+          <a:xfrm>
+            <a:off x="1971758" y="4762153"/>
+            <a:ext cx="548810" cy="400110"/>
+          </a:xfrm>
+          <a:prstGeom prst="rect">
+            <a:avLst/>
+          </a:prstGeom>
+          <a:noFill/>
+        </p:spPr>
+        <p:txBody>
+          <a:bodyPr wrap="square" rtlCol="0" anchor="ctr" anchorCtr="0">
+            <a:spAutoFit/>
+          </a:bodyPr>
+          <a:lstStyle/>
+          <a:p>
+            <a:r>
+              <a:rPr kumimoji="1" lang="en-US" altLang="zh-CN" sz="2000" b="0" i="0" dirty="0">
+                <a:solidFill>
+                  <a:srgbClr val="ECFAFF"/>
+                </a:solidFill>
+                <a:latin typeface="PingFang SC" charset="-122"/>
+                <a:ea typeface="PingFang SC" charset="-122"/>
+                <a:cs typeface="PingFang SC" charset="-122"/>
+              </a:rPr>
+              <a:t>C.</a:t>
+            </a:r>
+            <a:endParaRPr kumimoji="1" lang="zh-CN" altLang="en-US" sz="2000" b="0" i="0" dirty="0">
+              <a:solidFill>
+                <a:srgbClr val="ECFAFF"/>
+              </a:solidFill>
+              <a:latin typeface="PingFang SC" charset="-122"/>
+              <a:ea typeface="PingFang SC" charset="-122"/>
+              <a:cs typeface="PingFang SC" charset="-122"/>
+            </a:endParaRPr>
+          </a:p>
+        </p:txBody>
+      </p:sp>
+      <p:sp>
+        <p:nvSpPr>
+          <p:cNvPr id="13" name="文本框 6">
+            <a:extLst>
+              <a:ext uri="{FF2B5EF4-FFF2-40B4-BE49-F238E27FC236}">
+                <a16:creationId xmlns:a16="http://schemas.microsoft.com/office/drawing/2014/main" xmlns="" id="{5F9E940D-7090-E94B-8B49-5CA1D127071A}"/>
+              </a:ext>
+            </a:extLst>
+          </p:cNvPr>
+          <p:cNvSpPr txBox="1"/>
+          <p:nvPr userDrawn="1"/>
+        </p:nvSpPr>
+        <p:spPr>
+          <a:xfrm>
+            <a:off x="7614129" y="3805237"/>
+            <a:ext cx="548810" cy="400110"/>
+          </a:xfrm>
+          <a:prstGeom prst="rect">
+            <a:avLst/>
+          </a:prstGeom>
+          <a:noFill/>
+        </p:spPr>
+        <p:txBody>
+          <a:bodyPr wrap="square" rtlCol="0" anchor="ctr" anchorCtr="0">
+            <a:spAutoFit/>
+          </a:bodyPr>
+          <a:lstStyle/>
+          <a:p>
+            <a:r>
+              <a:rPr kumimoji="1" lang="en-US" altLang="zh-CN" sz="2000" b="0" i="0" dirty="0">
+                <a:solidFill>
+                  <a:srgbClr val="ECFAFF"/>
+                </a:solidFill>
+                <a:latin typeface="PingFang SC" charset="-122"/>
+                <a:ea typeface="PingFang SC" charset="-122"/>
+                <a:cs typeface="PingFang SC" charset="-122"/>
+              </a:rPr>
+              <a:t>B.</a:t>
+            </a:r>
+            <a:endParaRPr kumimoji="1" lang="zh-CN" altLang="en-US" sz="2000" b="0" i="0" dirty="0">
+              <a:solidFill>
+                <a:srgbClr val="ECFAFF"/>
+              </a:solidFill>
+              <a:latin typeface="PingFang SC" charset="-122"/>
+              <a:ea typeface="PingFang SC" charset="-122"/>
+              <a:cs typeface="PingFang SC" charset="-122"/>
+            </a:endParaRPr>
+          </a:p>
+        </p:txBody>
+      </p:sp>
+      <p:sp>
+        <p:nvSpPr>
+          <p:cNvPr id="14" name="文本框 6">
+            <a:extLst>
+              <a:ext uri="{FF2B5EF4-FFF2-40B4-BE49-F238E27FC236}">
+                <a16:creationId xmlns:a16="http://schemas.microsoft.com/office/drawing/2014/main" xmlns="" id="{BB9196A1-74E2-5046-99D0-EB0B468753EC}"/>
+              </a:ext>
+            </a:extLst>
+          </p:cNvPr>
+          <p:cNvSpPr txBox="1"/>
+          <p:nvPr userDrawn="1"/>
+        </p:nvSpPr>
+        <p:spPr>
+          <a:xfrm>
+            <a:off x="7614129" y="4762153"/>
+            <a:ext cx="548810" cy="400110"/>
+          </a:xfrm>
+          <a:prstGeom prst="rect">
+            <a:avLst/>
+          </a:prstGeom>
+          <a:noFill/>
+        </p:spPr>
+        <p:txBody>
+          <a:bodyPr wrap="square" rtlCol="0" anchor="ctr" anchorCtr="0">
+            <a:spAutoFit/>
+          </a:bodyPr>
+          <a:lstStyle/>
+          <a:p>
+            <a:r>
+              <a:rPr kumimoji="1" lang="en-US" altLang="zh-CN" sz="2000" b="0" i="0" dirty="0">
+                <a:solidFill>
+                  <a:srgbClr val="ECFAFF"/>
+                </a:solidFill>
+                <a:latin typeface="PingFang SC" charset="-122"/>
+                <a:ea typeface="PingFang SC" charset="-122"/>
+                <a:cs typeface="PingFang SC" charset="-122"/>
+              </a:rPr>
+              <a:t>D.</a:t>
+            </a:r>
+            <a:endParaRPr kumimoji="1" lang="zh-CN" altLang="en-US" sz="2000" b="0" i="0" dirty="0">
+              <a:solidFill>
+                <a:srgbClr val="ECFAFF"/>
+              </a:solidFill>
+              <a:latin typeface="PingFang SC" charset="-122"/>
+              <a:ea typeface="PingFang SC" charset="-122"/>
+              <a:cs typeface="PingFang SC" charset="-122"/>
+            </a:endParaRPr>
+          </a:p>
+        </p:txBody>
+      </p:sp>
+      <p:sp>
+        <p:nvSpPr>
+          <p:cNvPr id="15" name="文本占位符 20"/>
+          <p:cNvSpPr>
+            <a:spLocks noGrp="1"/>
+          </p:cNvSpPr>
+          <p:nvPr>
+            <p:ph type="body" sz="quarter" idx="14" hasCustomPrompt="1"/>
+          </p:nvPr>
+        </p:nvSpPr>
+        <p:spPr>
+          <a:xfrm>
+            <a:off x="2394274" y="3820626"/>
+            <a:ext cx="3452388" cy="369332"/>
+          </a:xfrm>
+          <a:prstGeom prst="rect">
+            <a:avLst/>
+          </a:prstGeom>
+        </p:spPr>
+        <p:txBody>
+          <a:bodyPr wrap="square" anchor="ctr" anchorCtr="0">
+            <a:noAutofit/>
+          </a:bodyPr>
+          <a:lstStyle>
+            <a:lvl1pPr marL="0" indent="0" algn="l">
+              <a:buFontTx/>
+              <a:buNone/>
+              <a:defRPr sz="2000" baseline="0">
+                <a:solidFill>
+                  <a:srgbClr val="ECFAFF"/>
+                </a:solidFill>
+                <a:latin typeface="PingFang SC" charset="-122"/>
+                <a:ea typeface="PingFang SC" charset="-122"/>
+                <a:cs typeface="PingFang SC" charset="-122"/>
+              </a:defRPr>
+            </a:lvl1pPr>
+            <a:lvl2pPr marL="457200" indent="0" algn="l">
+              <a:buFontTx/>
+              <a:buNone/>
+              <a:defRPr sz="2000">
+                <a:solidFill>
+                  <a:srgbClr val="ECFAFF"/>
+                </a:solidFill>
+                <a:latin typeface="PingFang SC" charset="-122"/>
+                <a:ea typeface="PingFang SC" charset="-122"/>
+                <a:cs typeface="PingFang SC" charset="-122"/>
+              </a:defRPr>
+            </a:lvl2pPr>
+            <a:lvl3pPr marL="914400" indent="0" algn="l">
+              <a:buFontTx/>
+              <a:buNone/>
+              <a:defRPr sz="2000">
+                <a:solidFill>
+                  <a:srgbClr val="ECFAFF"/>
+                </a:solidFill>
+                <a:latin typeface="PingFang SC" charset="-122"/>
+                <a:ea typeface="PingFang SC" charset="-122"/>
+                <a:cs typeface="PingFang SC" charset="-122"/>
+              </a:defRPr>
+            </a:lvl3pPr>
+            <a:lvl4pPr marL="1371600" indent="0" algn="l">
+              <a:buFontTx/>
+              <a:buNone/>
+              <a:defRPr sz="2000">
+                <a:solidFill>
+                  <a:srgbClr val="ECFAFF"/>
+                </a:solidFill>
+                <a:latin typeface="PingFang SC" charset="-122"/>
+                <a:ea typeface="PingFang SC" charset="-122"/>
+                <a:cs typeface="PingFang SC" charset="-122"/>
+              </a:defRPr>
+            </a:lvl4pPr>
+            <a:lvl5pPr marL="1828800" indent="0" algn="l">
+              <a:buFontTx/>
+              <a:buNone/>
+              <a:defRPr sz="2000">
+                <a:solidFill>
+                  <a:srgbClr val="ECFAFF"/>
+                </a:solidFill>
+                <a:latin typeface="PingFang SC" charset="-122"/>
+                <a:ea typeface="PingFang SC" charset="-122"/>
+                <a:cs typeface="PingFang SC" charset="-122"/>
+              </a:defRPr>
+            </a:lvl5pPr>
+          </a:lstStyle>
+          <a:p>
+            <a:pPr lvl="0"/>
+            <a:r>
+              <a:rPr kumimoji="1" lang="en-US" altLang="zh-CN" dirty="0" smtClean="0"/>
+              <a:t>Choice</a:t>
+            </a:r>
+            <a:r>
+              <a:rPr kumimoji="1" lang="zh-CN" altLang="en-US" dirty="0" smtClean="0"/>
+              <a:t> </a:t>
+            </a:r>
+            <a:r>
+              <a:rPr kumimoji="1" lang="en-US" altLang="zh-CN" dirty="0" smtClean="0"/>
+              <a:t>A</a:t>
+            </a:r>
+            <a:r>
+              <a:rPr kumimoji="1" lang="zh-CN" altLang="en-US" dirty="0" smtClean="0"/>
+              <a:t> </a:t>
+            </a:r>
+            <a:r>
+              <a:rPr kumimoji="1" lang="en-US" altLang="zh-CN" dirty="0" smtClean="0"/>
+              <a:t>+</a:t>
+            </a:r>
+            <a:r>
+              <a:rPr kumimoji="1" lang="zh-CN" altLang="en-US" dirty="0" smtClean="0"/>
+              <a:t> 释义</a:t>
+            </a:r>
+            <a:endParaRPr kumimoji="1" lang="zh-CN" altLang="en-US" dirty="0"/>
+          </a:p>
+        </p:txBody>
+      </p:sp>
+      <p:sp>
+        <p:nvSpPr>
+          <p:cNvPr id="16" name="文本占位符 20"/>
+          <p:cNvSpPr>
+            <a:spLocks noGrp="1"/>
+          </p:cNvSpPr>
+          <p:nvPr>
+            <p:ph type="body" sz="quarter" idx="15" hasCustomPrompt="1"/>
+          </p:nvPr>
+        </p:nvSpPr>
+        <p:spPr>
+          <a:xfrm>
+            <a:off x="8050858" y="3820626"/>
+            <a:ext cx="3458939" cy="369332"/>
+          </a:xfrm>
+          <a:prstGeom prst="rect">
+            <a:avLst/>
+          </a:prstGeom>
+        </p:spPr>
+        <p:txBody>
+          <a:bodyPr wrap="square" anchor="ctr" anchorCtr="0">
+            <a:noAutofit/>
+          </a:bodyPr>
+          <a:lstStyle>
+            <a:lvl1pPr marL="0" marR="0" indent="0" algn="l" defTabSz="914400" rtl="0" eaLnBrk="1" fontAlgn="auto" latinLnBrk="0" hangingPunct="1">
+              <a:lnSpc>
+                <a:spcPct val="90000"/>
+              </a:lnSpc>
+              <a:spcBef>
+                <a:spcPts val="1000"/>
+              </a:spcBef>
+              <a:spcAft>
+                <a:spcPts val="0"/>
+              </a:spcAft>
+              <a:buClrTx/>
+              <a:buSzTx/>
+              <a:buFontTx/>
+              <a:buNone/>
+              <a:tabLst/>
+              <a:defRPr sz="2000" baseline="0">
+                <a:solidFill>
+                  <a:srgbClr val="ECFAFF"/>
+                </a:solidFill>
+                <a:latin typeface="PingFang SC" charset="-122"/>
+                <a:ea typeface="PingFang SC" charset="-122"/>
+                <a:cs typeface="PingFang SC" charset="-122"/>
+              </a:defRPr>
+            </a:lvl1pPr>
+            <a:lvl2pPr marL="457200" indent="0" algn="l">
+              <a:buFontTx/>
+              <a:buNone/>
+              <a:defRPr sz="2000">
+                <a:solidFill>
+                  <a:srgbClr val="ECFAFF"/>
+                </a:solidFill>
+                <a:latin typeface="PingFang SC" charset="-122"/>
+                <a:ea typeface="PingFang SC" charset="-122"/>
+                <a:cs typeface="PingFang SC" charset="-122"/>
+              </a:defRPr>
+            </a:lvl2pPr>
+            <a:lvl3pPr marL="914400" indent="0" algn="l">
+              <a:buFontTx/>
+              <a:buNone/>
+              <a:defRPr sz="2000">
+                <a:solidFill>
+                  <a:srgbClr val="ECFAFF"/>
+                </a:solidFill>
+                <a:latin typeface="PingFang SC" charset="-122"/>
+                <a:ea typeface="PingFang SC" charset="-122"/>
+                <a:cs typeface="PingFang SC" charset="-122"/>
+              </a:defRPr>
+            </a:lvl3pPr>
+            <a:lvl4pPr marL="1371600" indent="0" algn="l">
+              <a:buFontTx/>
+              <a:buNone/>
+              <a:defRPr sz="2000">
+                <a:solidFill>
+                  <a:srgbClr val="ECFAFF"/>
+                </a:solidFill>
+                <a:latin typeface="PingFang SC" charset="-122"/>
+                <a:ea typeface="PingFang SC" charset="-122"/>
+                <a:cs typeface="PingFang SC" charset="-122"/>
+              </a:defRPr>
+            </a:lvl4pPr>
+            <a:lvl5pPr marL="1828800" indent="0" algn="l">
+              <a:buFontTx/>
+              <a:buNone/>
+              <a:defRPr sz="2000">
+                <a:solidFill>
+                  <a:srgbClr val="ECFAFF"/>
+                </a:solidFill>
+                <a:latin typeface="PingFang SC" charset="-122"/>
+                <a:ea typeface="PingFang SC" charset="-122"/>
+                <a:cs typeface="PingFang SC" charset="-122"/>
+              </a:defRPr>
+            </a:lvl5pPr>
+          </a:lstStyle>
+          <a:p>
+            <a:pPr marL="0" marR="0" lvl="0" indent="0" algn="l" defTabSz="914400" rtl="0" eaLnBrk="1" fontAlgn="auto" latinLnBrk="0" hangingPunct="1">
+              <a:lnSpc>
+                <a:spcPct val="90000"/>
+              </a:lnSpc>
+              <a:spcBef>
+                <a:spcPts val="1000"/>
+              </a:spcBef>
+              <a:spcAft>
+                <a:spcPts val="0"/>
+              </a:spcAft>
+              <a:buClrTx/>
+              <a:buSzTx/>
+              <a:buFontTx/>
+              <a:buNone/>
+              <a:tabLst/>
+              <a:defRPr/>
+            </a:pPr>
+            <a:r>
+              <a:rPr kumimoji="1" lang="en-US" altLang="zh-CN" dirty="0" smtClean="0"/>
+              <a:t>Choice</a:t>
+            </a:r>
+            <a:r>
+              <a:rPr kumimoji="1" lang="zh-CN" altLang="en-US" dirty="0" smtClean="0"/>
+              <a:t> </a:t>
+            </a:r>
+            <a:r>
+              <a:rPr kumimoji="1" lang="en-US" altLang="zh-CN" dirty="0" smtClean="0"/>
+              <a:t>B</a:t>
+            </a:r>
+            <a:r>
+              <a:rPr kumimoji="1" lang="zh-CN" altLang="en-US" dirty="0" smtClean="0"/>
+              <a:t> </a:t>
+            </a:r>
+            <a:r>
+              <a:rPr kumimoji="1" lang="en-US" altLang="zh-CN" dirty="0" smtClean="0"/>
+              <a:t>+</a:t>
+            </a:r>
+            <a:r>
+              <a:rPr kumimoji="1" lang="zh-CN" altLang="en-US" dirty="0" smtClean="0"/>
+              <a:t> 释义</a:t>
+            </a:r>
+          </a:p>
+        </p:txBody>
+      </p:sp>
+      <p:sp>
+        <p:nvSpPr>
+          <p:cNvPr id="17" name="文本占位符 20"/>
+          <p:cNvSpPr>
+            <a:spLocks noGrp="1"/>
+          </p:cNvSpPr>
+          <p:nvPr>
+            <p:ph type="body" sz="quarter" idx="16" hasCustomPrompt="1"/>
+          </p:nvPr>
+        </p:nvSpPr>
+        <p:spPr>
+          <a:xfrm>
+            <a:off x="2392353" y="4777542"/>
+            <a:ext cx="3500447" cy="369332"/>
+          </a:xfrm>
+          <a:prstGeom prst="rect">
+            <a:avLst/>
+          </a:prstGeom>
+        </p:spPr>
+        <p:txBody>
+          <a:bodyPr wrap="square" anchor="ctr" anchorCtr="0">
+            <a:noAutofit/>
+          </a:bodyPr>
+          <a:lstStyle>
+            <a:lvl1pPr marL="0" marR="0" indent="0" algn="l" defTabSz="914400" rtl="0" eaLnBrk="1" fontAlgn="auto" latinLnBrk="0" hangingPunct="1">
+              <a:lnSpc>
+                <a:spcPct val="90000"/>
+              </a:lnSpc>
+              <a:spcBef>
+                <a:spcPts val="1000"/>
+              </a:spcBef>
+              <a:spcAft>
+                <a:spcPts val="0"/>
+              </a:spcAft>
+              <a:buClrTx/>
+              <a:buSzTx/>
+              <a:buFontTx/>
+              <a:buNone/>
+              <a:tabLst/>
+              <a:defRPr sz="2000" baseline="0">
+                <a:solidFill>
+                  <a:srgbClr val="ECFAFF"/>
+                </a:solidFill>
+                <a:latin typeface="PingFang SC" charset="-122"/>
+                <a:ea typeface="PingFang SC" charset="-122"/>
+                <a:cs typeface="PingFang SC" charset="-122"/>
+              </a:defRPr>
+            </a:lvl1pPr>
+            <a:lvl2pPr marL="457200" indent="0" algn="l">
+              <a:buFontTx/>
+              <a:buNone/>
+              <a:defRPr sz="2000">
+                <a:solidFill>
+                  <a:srgbClr val="ECFAFF"/>
+                </a:solidFill>
+                <a:latin typeface="PingFang SC" charset="-122"/>
+                <a:ea typeface="PingFang SC" charset="-122"/>
+                <a:cs typeface="PingFang SC" charset="-122"/>
+              </a:defRPr>
+            </a:lvl2pPr>
+            <a:lvl3pPr marL="914400" indent="0" algn="l">
+              <a:buFontTx/>
+              <a:buNone/>
+              <a:defRPr sz="2000">
+                <a:solidFill>
+                  <a:srgbClr val="ECFAFF"/>
+                </a:solidFill>
+                <a:latin typeface="PingFang SC" charset="-122"/>
+                <a:ea typeface="PingFang SC" charset="-122"/>
+                <a:cs typeface="PingFang SC" charset="-122"/>
+              </a:defRPr>
+            </a:lvl3pPr>
+            <a:lvl4pPr marL="1371600" indent="0" algn="l">
+              <a:buFontTx/>
+              <a:buNone/>
+              <a:defRPr sz="2000">
+                <a:solidFill>
+                  <a:srgbClr val="ECFAFF"/>
+                </a:solidFill>
+                <a:latin typeface="PingFang SC" charset="-122"/>
+                <a:ea typeface="PingFang SC" charset="-122"/>
+                <a:cs typeface="PingFang SC" charset="-122"/>
+              </a:defRPr>
+            </a:lvl4pPr>
+            <a:lvl5pPr marL="1828800" indent="0" algn="l">
+              <a:buFontTx/>
+              <a:buNone/>
+              <a:defRPr sz="2000">
+                <a:solidFill>
+                  <a:srgbClr val="ECFAFF"/>
+                </a:solidFill>
+                <a:latin typeface="PingFang SC" charset="-122"/>
+                <a:ea typeface="PingFang SC" charset="-122"/>
+                <a:cs typeface="PingFang SC" charset="-122"/>
+              </a:defRPr>
+            </a:lvl5pPr>
+          </a:lstStyle>
+          <a:p>
+            <a:pPr marL="0" marR="0" lvl="0" indent="0" algn="l" defTabSz="914400" rtl="0" eaLnBrk="1" fontAlgn="auto" latinLnBrk="0" hangingPunct="1">
+              <a:lnSpc>
+                <a:spcPct val="90000"/>
+              </a:lnSpc>
+              <a:spcBef>
+                <a:spcPts val="1000"/>
+              </a:spcBef>
+              <a:spcAft>
+                <a:spcPts val="0"/>
+              </a:spcAft>
+              <a:buClrTx/>
+              <a:buSzTx/>
+              <a:buFontTx/>
+              <a:buNone/>
+              <a:tabLst/>
+              <a:defRPr/>
+            </a:pPr>
+            <a:r>
+              <a:rPr kumimoji="1" lang="en-US" altLang="zh-CN" dirty="0" smtClean="0"/>
+              <a:t>Choice</a:t>
+            </a:r>
+            <a:r>
+              <a:rPr kumimoji="1" lang="zh-CN" altLang="en-US" dirty="0" smtClean="0"/>
+              <a:t> </a:t>
+            </a:r>
+            <a:r>
+              <a:rPr kumimoji="1" lang="en-US" altLang="zh-CN" dirty="0" smtClean="0"/>
+              <a:t>C</a:t>
+            </a:r>
+            <a:r>
+              <a:rPr kumimoji="1" lang="zh-CN" altLang="en-US" dirty="0" smtClean="0"/>
+              <a:t> </a:t>
+            </a:r>
+            <a:r>
+              <a:rPr kumimoji="1" lang="en-US" altLang="zh-CN" dirty="0" smtClean="0"/>
+              <a:t>+</a:t>
+            </a:r>
+            <a:r>
+              <a:rPr kumimoji="1" lang="zh-CN" altLang="en-US" dirty="0" smtClean="0"/>
+              <a:t> 释义</a:t>
+            </a:r>
+          </a:p>
+        </p:txBody>
+      </p:sp>
+      <p:sp>
+        <p:nvSpPr>
+          <p:cNvPr id="18" name="文本占位符 20"/>
+          <p:cNvSpPr>
+            <a:spLocks noGrp="1"/>
+          </p:cNvSpPr>
+          <p:nvPr>
+            <p:ph type="body" sz="quarter" idx="17" hasCustomPrompt="1"/>
+          </p:nvPr>
+        </p:nvSpPr>
+        <p:spPr>
+          <a:xfrm>
+            <a:off x="8050859" y="4777542"/>
+            <a:ext cx="3480742" cy="369332"/>
+          </a:xfrm>
+          <a:prstGeom prst="rect">
+            <a:avLst/>
+          </a:prstGeom>
+        </p:spPr>
+        <p:txBody>
+          <a:bodyPr wrap="square" anchor="ctr" anchorCtr="0">
+            <a:noAutofit/>
+          </a:bodyPr>
+          <a:lstStyle>
+            <a:lvl1pPr marL="0" marR="0" indent="0" algn="l" defTabSz="914400" rtl="0" eaLnBrk="1" fontAlgn="auto" latinLnBrk="0" hangingPunct="1">
+              <a:lnSpc>
+                <a:spcPct val="90000"/>
+              </a:lnSpc>
+              <a:spcBef>
+                <a:spcPts val="1000"/>
+              </a:spcBef>
+              <a:spcAft>
+                <a:spcPts val="0"/>
+              </a:spcAft>
+              <a:buClrTx/>
+              <a:buSzTx/>
+              <a:buFontTx/>
+              <a:buNone/>
+              <a:tabLst/>
+              <a:defRPr sz="2000" baseline="0">
+                <a:solidFill>
+                  <a:srgbClr val="ECFAFF"/>
+                </a:solidFill>
+                <a:latin typeface="PingFang SC" charset="-122"/>
+                <a:ea typeface="PingFang SC" charset="-122"/>
+                <a:cs typeface="PingFang SC" charset="-122"/>
+              </a:defRPr>
+            </a:lvl1pPr>
+            <a:lvl2pPr marL="457200" indent="0" algn="l">
+              <a:buFontTx/>
+              <a:buNone/>
+              <a:defRPr sz="2000">
+                <a:solidFill>
+                  <a:srgbClr val="ECFAFF"/>
+                </a:solidFill>
+                <a:latin typeface="PingFang SC" charset="-122"/>
+                <a:ea typeface="PingFang SC" charset="-122"/>
+                <a:cs typeface="PingFang SC" charset="-122"/>
+              </a:defRPr>
+            </a:lvl2pPr>
+            <a:lvl3pPr marL="914400" indent="0" algn="l">
+              <a:buFontTx/>
+              <a:buNone/>
+              <a:defRPr sz="2000">
+                <a:solidFill>
+                  <a:srgbClr val="ECFAFF"/>
+                </a:solidFill>
+                <a:latin typeface="PingFang SC" charset="-122"/>
+                <a:ea typeface="PingFang SC" charset="-122"/>
+                <a:cs typeface="PingFang SC" charset="-122"/>
+              </a:defRPr>
+            </a:lvl3pPr>
+            <a:lvl4pPr marL="1371600" indent="0" algn="l">
+              <a:buFontTx/>
+              <a:buNone/>
+              <a:defRPr sz="2000">
+                <a:solidFill>
+                  <a:srgbClr val="ECFAFF"/>
+                </a:solidFill>
+                <a:latin typeface="PingFang SC" charset="-122"/>
+                <a:ea typeface="PingFang SC" charset="-122"/>
+                <a:cs typeface="PingFang SC" charset="-122"/>
+              </a:defRPr>
+            </a:lvl4pPr>
+            <a:lvl5pPr marL="1828800" indent="0" algn="l">
+              <a:buFontTx/>
+              <a:buNone/>
+              <a:defRPr sz="2000">
+                <a:solidFill>
+                  <a:srgbClr val="ECFAFF"/>
+                </a:solidFill>
+                <a:latin typeface="PingFang SC" charset="-122"/>
+                <a:ea typeface="PingFang SC" charset="-122"/>
+                <a:cs typeface="PingFang SC" charset="-122"/>
+              </a:defRPr>
+            </a:lvl5pPr>
+          </a:lstStyle>
+          <a:p>
+            <a:pPr marL="0" marR="0" lvl="0" indent="0" algn="l" defTabSz="914400" rtl="0" eaLnBrk="1" fontAlgn="auto" latinLnBrk="0" hangingPunct="1">
+              <a:lnSpc>
+                <a:spcPct val="90000"/>
+              </a:lnSpc>
+              <a:spcBef>
+                <a:spcPts val="1000"/>
+              </a:spcBef>
+              <a:spcAft>
+                <a:spcPts val="0"/>
+              </a:spcAft>
+              <a:buClrTx/>
+              <a:buSzTx/>
+              <a:buFontTx/>
+              <a:buNone/>
+              <a:tabLst/>
+              <a:defRPr/>
+            </a:pPr>
+            <a:r>
+              <a:rPr kumimoji="1" lang="en-US" altLang="zh-CN" dirty="0" smtClean="0"/>
+              <a:t>Choice</a:t>
+            </a:r>
+            <a:r>
+              <a:rPr kumimoji="1" lang="zh-CN" altLang="en-US" dirty="0" smtClean="0"/>
+              <a:t> </a:t>
+            </a:r>
+            <a:r>
+              <a:rPr kumimoji="1" lang="en-US" altLang="zh-CN" dirty="0" smtClean="0"/>
+              <a:t>D</a:t>
+            </a:r>
+            <a:r>
+              <a:rPr kumimoji="1" lang="zh-CN" altLang="en-US" dirty="0" smtClean="0"/>
+              <a:t> </a:t>
+            </a:r>
+            <a:r>
+              <a:rPr kumimoji="1" lang="en-US" altLang="zh-CN" dirty="0" smtClean="0"/>
+              <a:t>+</a:t>
+            </a:r>
+            <a:r>
+              <a:rPr kumimoji="1" lang="zh-CN" altLang="en-US" dirty="0" smtClean="0"/>
+              <a:t> 释义</a:t>
+            </a:r>
+          </a:p>
+        </p:txBody>
+      </p:sp>
+      <p:sp>
+        <p:nvSpPr>
+          <p:cNvPr id="19" name="文本占位符 22"/>
+          <p:cNvSpPr>
+            <a:spLocks noGrp="1"/>
+          </p:cNvSpPr>
+          <p:nvPr>
+            <p:ph type="body" sz="quarter" idx="18" hasCustomPrompt="1"/>
+          </p:nvPr>
+        </p:nvSpPr>
+        <p:spPr>
+          <a:xfrm>
+            <a:off x="531813" y="5513398"/>
+            <a:ext cx="11128375" cy="989001"/>
+          </a:xfrm>
+          <a:prstGeom prst="rect">
+            <a:avLst/>
+          </a:prstGeom>
+        </p:spPr>
+        <p:txBody>
+          <a:bodyPr anchor="ctr"/>
+          <a:lstStyle>
+            <a:lvl1pPr marL="0" indent="0" algn="ctr">
+              <a:lnSpc>
+                <a:spcPct val="100000"/>
+              </a:lnSpc>
+              <a:buFontTx/>
+              <a:buNone/>
+              <a:defRPr sz="2000">
+                <a:solidFill>
+                  <a:srgbClr val="ECFAFF"/>
+                </a:solidFill>
+                <a:latin typeface="PingFang SC" charset="-122"/>
+                <a:ea typeface="PingFang SC" charset="-122"/>
+                <a:cs typeface="PingFang SC" charset="-122"/>
+              </a:defRPr>
+            </a:lvl1pPr>
+            <a:lvl2pPr marL="457200" indent="0" algn="ctr">
+              <a:buFontTx/>
+              <a:buNone/>
+              <a:defRPr sz="2000">
+                <a:solidFill>
+                  <a:srgbClr val="ECFAFF"/>
+                </a:solidFill>
+                <a:latin typeface="PingFang SC" charset="-122"/>
+                <a:ea typeface="PingFang SC" charset="-122"/>
+                <a:cs typeface="PingFang SC" charset="-122"/>
+              </a:defRPr>
+            </a:lvl2pPr>
+            <a:lvl3pPr marL="914400" indent="0" algn="ctr">
+              <a:buFontTx/>
+              <a:buNone/>
+              <a:defRPr sz="2000">
+                <a:solidFill>
+                  <a:srgbClr val="ECFAFF"/>
+                </a:solidFill>
+                <a:latin typeface="PingFang SC" charset="-122"/>
+                <a:ea typeface="PingFang SC" charset="-122"/>
+                <a:cs typeface="PingFang SC" charset="-122"/>
+              </a:defRPr>
+            </a:lvl3pPr>
+            <a:lvl4pPr marL="1371600" indent="0" algn="ctr">
+              <a:buFontTx/>
+              <a:buNone/>
+              <a:defRPr sz="2000">
+                <a:solidFill>
+                  <a:srgbClr val="ECFAFF"/>
+                </a:solidFill>
+                <a:latin typeface="PingFang SC" charset="-122"/>
+                <a:ea typeface="PingFang SC" charset="-122"/>
+                <a:cs typeface="PingFang SC" charset="-122"/>
+              </a:defRPr>
+            </a:lvl4pPr>
+            <a:lvl5pPr marL="1828800" indent="0" algn="ctr">
+              <a:buFontTx/>
+              <a:buNone/>
+              <a:defRPr sz="2000">
+                <a:solidFill>
+                  <a:srgbClr val="ECFAFF"/>
+                </a:solidFill>
+                <a:latin typeface="PingFang SC" charset="-122"/>
+                <a:ea typeface="PingFang SC" charset="-122"/>
+                <a:cs typeface="PingFang SC" charset="-122"/>
+              </a:defRPr>
+            </a:lvl5pPr>
+          </a:lstStyle>
+          <a:p>
+            <a:pPr lvl="0"/>
+            <a:r>
+              <a:rPr kumimoji="1" lang="zh-CN" altLang="en-US" dirty="0" smtClean="0"/>
+              <a:t>更多解释</a:t>
+            </a:r>
+            <a:r>
+              <a:rPr kumimoji="1" lang="en-US" altLang="zh-CN" dirty="0" smtClean="0"/>
+              <a:t>/</a:t>
+            </a:r>
+            <a:r>
+              <a:rPr kumimoji="1" lang="zh-CN" altLang="en-US" dirty="0" smtClean="0"/>
+              <a:t>备注：这里是文字</a:t>
+            </a:r>
+            <a:endParaRPr kumimoji="1" lang="zh-CN" altLang="en-US" dirty="0"/>
+          </a:p>
+        </p:txBody>
+      </p:sp>
+      <p:sp>
+        <p:nvSpPr>
+          <p:cNvPr id="20" name="文本框 19"/>
+          <p:cNvSpPr txBox="1"/>
+          <p:nvPr userDrawn="1"/>
+        </p:nvSpPr>
+        <p:spPr>
+          <a:xfrm>
+            <a:off x="5145969" y="739858"/>
+            <a:ext cx="1798841" cy="400110"/>
+          </a:xfrm>
+          <a:prstGeom prst="rect">
+            <a:avLst/>
+          </a:prstGeom>
+          <a:noFill/>
+        </p:spPr>
+        <p:txBody>
+          <a:bodyPr wrap="square" rtlCol="0" anchor="ctr">
+            <a:spAutoFit/>
+          </a:bodyPr>
+          <a:lstStyle/>
+          <a:p>
+            <a:pPr marL="0" marR="0" indent="0" algn="l" defTabSz="914400" rtl="0" eaLnBrk="1" fontAlgn="auto" latinLnBrk="0" hangingPunct="1">
+              <a:lnSpc>
+                <a:spcPct val="100000"/>
+              </a:lnSpc>
+              <a:spcBef>
+                <a:spcPts val="0"/>
+              </a:spcBef>
+              <a:spcAft>
+                <a:spcPts val="0"/>
+              </a:spcAft>
+              <a:buClrTx/>
+              <a:buSzTx/>
+              <a:buFontTx/>
+              <a:buNone/>
+              <a:tabLst/>
+              <a:defRPr/>
+            </a:pPr>
+            <a:r>
+              <a:rPr kumimoji="1" lang="zh-CN" altLang="en-US" sz="2000" b="0" i="0" u="none" strike="noStrike" kern="1200" cap="none" spc="0" normalizeH="0" baseline="0" noProof="0" dirty="0" smtClean="0">
+                <a:ln>
+                  <a:noFill/>
+                </a:ln>
+                <a:solidFill>
+                  <a:srgbClr val="ECFAFF"/>
+                </a:solidFill>
+                <a:effectLst/>
+                <a:uLnTx/>
+                <a:uFillTx/>
+                <a:latin typeface="PingFang SC" charset="-122"/>
+                <a:ea typeface="PingFang SC" charset="-122"/>
+                <a:cs typeface="PingFang SC" charset="-122"/>
+              </a:rPr>
+              <a:t>正确解答：</a:t>
+            </a:r>
+            <a:endParaRPr kumimoji="1" lang="zh-CN" altLang="en-US" sz="2000" dirty="0">
+              <a:solidFill>
+                <a:srgbClr val="ECFAFF"/>
+              </a:solidFill>
+              <a:latin typeface="PingFang SC" charset="-122"/>
+              <a:ea typeface="PingFang SC" charset="-122"/>
+              <a:cs typeface="PingFang SC" charset="-122"/>
+            </a:endParaRPr>
+          </a:p>
+        </p:txBody>
+      </p:sp>
+    </p:spTree>
+  </p:cSld>
+  <p:clrMapOvr>
+    <a:masterClrMapping/>
+  </p:clrMapOvr>
+</p:sldLayout>
+</file>
+
+<file path=ppt/slideLayouts/slideLayout2.xml><?xml version="1.0" encoding="utf-8"?>
+<p:sldLayout xmlns:a="http://schemas.openxmlformats.org/drawingml/2006/main" xmlns:r="http://schemas.openxmlformats.org/officeDocument/2006/relationships" xmlns:p="http://schemas.openxmlformats.org/presentationml/2006/main" preserve="1" userDrawn="1">
+  <p:cSld name="Sentence">
+    <p:spTree>
+      <p:nvGrpSpPr>
+        <p:cNvPr id="1" name=""/>
+        <p:cNvGrpSpPr/>
+        <p:nvPr/>
+      </p:nvGrpSpPr>
+      <p:grpSpPr>
+        <a:xfrm>
+          <a:off x="0" y="0"/>
+          <a:ext cx="0" cy="0"/>
+          <a:chOff x="0" y="0"/>
+          <a:chExt cx="0" cy="0"/>
+        </a:xfrm>
+      </p:grpSpPr>
+      <p:sp>
+        <p:nvSpPr>
           <p:cNvPr id="3" name="文本占位符 2"/>
           <p:cNvSpPr>
             <a:spLocks noGrp="1"/>
@@ -1025,7 +5361,7 @@
               <a:t> </a:t>
             </a:r>
             <a:r>
-              <a:rPr kumimoji="1" lang="en-US" altLang="zh-CN" b="0" i="0" dirty="0" err="1">
+              <a:rPr kumimoji="1" lang="en-US" altLang="zh-CN" b="0" i="0" dirty="0" smtClean="0">
                 <a:latin typeface="Helvetica Neue Medium" charset="0"/>
                 <a:ea typeface="Helvetica Neue Medium" charset="0"/>
                 <a:cs typeface="Helvetica Neue Medium" charset="0"/>
@@ -1033,11 +5369,19 @@
               <a:t>question</a:t>
             </a:r>
             <a:r>
-              <a:rPr kumimoji="1" lang="en-US" altLang="zh-CN" dirty="0" err="1"/>
+              <a:rPr kumimoji="1" lang="zh-CN" altLang="en-US" b="0" i="0" dirty="0" smtClean="0">
+                <a:latin typeface="Helvetica Neue Medium" charset="0"/>
+                <a:ea typeface="Helvetica Neue Medium" charset="0"/>
+                <a:cs typeface="Helvetica Neue Medium" charset="0"/>
+              </a:rPr>
+              <a:t> </a:t>
+            </a:r>
+            <a:r>
+              <a:rPr kumimoji="1" lang="en-US" altLang="zh-CN" dirty="0" smtClean="0"/>
               <a:t>in</a:t>
             </a:r>
             <a:r>
-              <a:rPr kumimoji="1" lang="zh-CN" altLang="en-US" dirty="0"/>
+              <a:rPr kumimoji="1" lang="zh-CN" altLang="en-US" dirty="0" smtClean="0"/>
               <a:t> </a:t>
             </a:r>
             <a:r>
@@ -1195,7 +5539,7 @@
 
 <file path=ppt/slideLayouts/slideLayout3.xml><?xml version="1.0" encoding="utf-8"?>
 <p:sldLayout xmlns:a="http://schemas.openxmlformats.org/drawingml/2006/main" xmlns:r="http://schemas.openxmlformats.org/officeDocument/2006/relationships" xmlns:p="http://schemas.openxmlformats.org/presentationml/2006/main" preserve="1" userDrawn="1">
-  <p:cSld name="Question with choices">
+  <p:cSld name="Sentence with choices">
     <p:spTree>
       <p:nvGrpSpPr>
         <p:cNvPr id="1" name=""/>
@@ -2089,7 +6433,7 @@
 
 <file path=ppt/slideLayouts/slideLayout4.xml><?xml version="1.0" encoding="utf-8"?>
 <p:sldLayout xmlns:a="http://schemas.openxmlformats.org/drawingml/2006/main" xmlns:r="http://schemas.openxmlformats.org/officeDocument/2006/relationships" xmlns:p="http://schemas.openxmlformats.org/presentationml/2006/main" preserve="1" userDrawn="1">
-  <p:cSld name="Analysis">
+  <p:cSld name="Sentence analysis">
     <p:spTree>
       <p:nvGrpSpPr>
         <p:cNvPr id="1" name=""/>
@@ -2213,7 +6557,7 @@
         </p:nvSpPr>
         <p:spPr>
           <a:xfrm>
-            <a:off x="2784001" y="314124"/>
+            <a:off x="2784001" y="339524"/>
             <a:ext cx="1624714" cy="523220"/>
           </a:xfrm>
           <a:prstGeom prst="rect">
@@ -2646,7 +6990,7 @@
 
 <file path=ppt/slideLayouts/slideLayout5.xml><?xml version="1.0" encoding="utf-8"?>
 <p:sldLayout xmlns:a="http://schemas.openxmlformats.org/drawingml/2006/main" xmlns:r="http://schemas.openxmlformats.org/officeDocument/2006/relationships" xmlns:p="http://schemas.openxmlformats.org/presentationml/2006/main" preserve="1" userDrawn="1">
-  <p:cSld name="Analysis with choices">
+  <p:cSld name="Sentence analysis with choices">
     <p:spTree>
       <p:nvGrpSpPr>
         <p:cNvPr id="1" name=""/>
@@ -2717,7 +7061,7 @@
         <p:spPr>
           <a:xfrm>
             <a:off x="1056000" y="220689"/>
-            <a:ext cx="1728000" cy="523220"/>
+            <a:ext cx="1584000" cy="523220"/>
           </a:xfrm>
           <a:prstGeom prst="rect">
             <a:avLst/>
@@ -2729,7 +7073,7 @@
             <a:lvl1pPr marL="0" indent="0">
               <a:buFontTx/>
               <a:buNone/>
-              <a:defRPr sz="3600" b="0" i="0">
+              <a:defRPr sz="3200" b="0" i="0">
                 <a:latin typeface="Helvetica Neue Medium" charset="0"/>
                 <a:ea typeface="Helvetica Neue Medium" charset="0"/>
                 <a:cs typeface="Helvetica Neue Medium" charset="0"/>
@@ -2770,8 +7114,8 @@
         </p:nvSpPr>
         <p:spPr>
           <a:xfrm>
-            <a:off x="2784001" y="220689"/>
-            <a:ext cx="1624714" cy="523220"/>
+            <a:off x="2640000" y="264166"/>
+            <a:ext cx="1584000" cy="461665"/>
           </a:xfrm>
           <a:prstGeom prst="rect">
             <a:avLst/>
@@ -2785,13 +7129,26 @@
           <a:lstStyle/>
           <a:p>
             <a:r>
-              <a:rPr kumimoji="1" lang="zh-CN" altLang="en-US" sz="2800" b="0" i="0" dirty="0">
+              <a:rPr kumimoji="1" lang="zh-CN" altLang="en-US" sz="2400" b="0" i="0" dirty="0">
                 <a:latin typeface="PingFang SC" panose="020B0400000000000000" pitchFamily="34" charset="-122"/>
                 <a:ea typeface="PingFang SC" panose="020B0400000000000000" pitchFamily="34" charset="-122"/>
                 <a:cs typeface="PingFang SC Medium" charset="-122"/>
               </a:rPr>
-              <a:t>正确解答</a:t>
-            </a:r>
+              <a:t>正确</a:t>
+            </a:r>
+            <a:r>
+              <a:rPr kumimoji="1" lang="zh-CN" altLang="en-US" sz="2400" b="0" i="0" dirty="0" smtClean="0">
+                <a:latin typeface="PingFang SC" panose="020B0400000000000000" pitchFamily="34" charset="-122"/>
+                <a:ea typeface="PingFang SC" panose="020B0400000000000000" pitchFamily="34" charset="-122"/>
+                <a:cs typeface="PingFang SC Medium" charset="-122"/>
+              </a:rPr>
+              <a:t>解答</a:t>
+            </a:r>
+            <a:endParaRPr kumimoji="1" lang="zh-CN" altLang="en-US" sz="2400" b="0" i="0" dirty="0">
+              <a:latin typeface="PingFang SC" panose="020B0400000000000000" pitchFamily="34" charset="-122"/>
+              <a:ea typeface="PingFang SC" panose="020B0400000000000000" pitchFamily="34" charset="-122"/>
+              <a:cs typeface="PingFang SC Medium" charset="-122"/>
+            </a:endParaRPr>
           </a:p>
         </p:txBody>
       </p:sp>
@@ -2807,7 +7164,7 @@
         </p:nvSpPr>
         <p:spPr>
           <a:xfrm>
-            <a:off x="4408715" y="220689"/>
+            <a:off x="3998015" y="220689"/>
             <a:ext cx="1152000" cy="523220"/>
           </a:xfrm>
           <a:prstGeom prst="rect">
@@ -2820,7 +7177,7 @@
             <a:lvl1pPr marL="0" indent="0">
               <a:buFontTx/>
               <a:buNone/>
-              <a:defRPr sz="3600" b="0" i="0">
+              <a:defRPr sz="3200" b="0" i="0">
                 <a:latin typeface="Helvetica Neue Medium" charset="0"/>
                 <a:ea typeface="Helvetica Neue Medium" charset="0"/>
                 <a:cs typeface="Helvetica Neue Medium" charset="0"/>
@@ -3932,8 +8289,8 @@
         </p:nvSpPr>
         <p:spPr>
           <a:xfrm>
-            <a:off x="1190651" y="2015609"/>
-            <a:ext cx="9810699" cy="1611852"/>
+            <a:off x="4464784" y="3381422"/>
+            <a:ext cx="3262432" cy="514436"/>
           </a:xfrm>
           <a:prstGeom prst="rect">
             <a:avLst/>
@@ -3944,37 +8301,6 @@
             <a:spAutoFit/>
           </a:bodyPr>
           <a:lstStyle/>
-          <a:p>
-            <a:pPr marL="0" marR="0" indent="0" algn="l" defTabSz="914400" rtl="0" eaLnBrk="1" fontAlgn="auto" latinLnBrk="0" hangingPunct="1">
-              <a:lnSpc>
-                <a:spcPct val="120000"/>
-              </a:lnSpc>
-              <a:spcBef>
-                <a:spcPts val="0"/>
-              </a:spcBef>
-              <a:spcAft>
-                <a:spcPts val="0"/>
-              </a:spcAft>
-              <a:buClrTx/>
-              <a:buSzTx/>
-              <a:buFontTx/>
-              <a:buNone/>
-              <a:tabLst/>
-              <a:defRPr/>
-            </a:pPr>
-            <a:r>
-              <a:rPr lang="es-ES_tradnl" altLang="zh-CN" sz="4800" b="0" i="0" dirty="0">
-                <a:solidFill>
-                  <a:srgbClr val="F6F2E7"/>
-                </a:solidFill>
-                <a:effectLst/>
-                <a:latin typeface="Helvetica Neue Medium" panose="02000503000000020004" pitchFamily="2" charset="0"/>
-                <a:ea typeface="Helvetica Neue Medium" panose="02000503000000020004" pitchFamily="2" charset="0"/>
-                <a:cs typeface="Helvetica Neue Medium" panose="02000503000000020004" pitchFamily="2" charset="0"/>
-              </a:rPr>
-              <a:t>Está calculando tus puntuaciones</a:t>
-            </a:r>
-          </a:p>
           <a:p>
             <a:pPr marL="0" marR="0" indent="0" algn="ctr" defTabSz="914400" rtl="0" eaLnBrk="1" fontAlgn="auto" latinLnBrk="0" hangingPunct="1">
               <a:lnSpc>
@@ -3994,7 +8320,7 @@
               <a:defRPr/>
             </a:pPr>
             <a:r>
-              <a:rPr lang="zh-CN" altLang="en-US" sz="3600" b="0" i="0" dirty="0">
+              <a:rPr lang="zh-CN" altLang="en-US" sz="2400" b="0" i="0" dirty="0" smtClean="0">
                 <a:solidFill>
                   <a:srgbClr val="F6F2E7"/>
                 </a:solidFill>
@@ -4003,7 +8329,108 @@
                 <a:ea typeface="PingFang SC" charset="-122"/>
                 <a:cs typeface="PingFang SC" charset="-122"/>
               </a:rPr>
-              <a:t>正在计算分数，请稍后</a:t>
+              <a:t>正在</a:t>
+            </a:r>
+            <a:r>
+              <a:rPr lang="zh-CN" altLang="en-US" sz="2400" b="0" i="0" dirty="0">
+                <a:solidFill>
+                  <a:srgbClr val="F6F2E7"/>
+                </a:solidFill>
+                <a:effectLst/>
+                <a:latin typeface="PingFang SC" charset="-122"/>
+                <a:ea typeface="PingFang SC" charset="-122"/>
+                <a:cs typeface="PingFang SC" charset="-122"/>
+              </a:rPr>
+              <a:t>计算分数，请稍后</a:t>
+            </a:r>
+          </a:p>
+        </p:txBody>
+      </p:sp>
+      <p:sp>
+        <p:nvSpPr>
+          <p:cNvPr id="4" name="文本占位符 3"/>
+          <p:cNvSpPr>
+            <a:spLocks noGrp="1"/>
+          </p:cNvSpPr>
+          <p:nvPr>
+            <p:ph type="body" sz="quarter" idx="10" hasCustomPrompt="1"/>
+          </p:nvPr>
+        </p:nvSpPr>
+        <p:spPr>
+          <a:xfrm>
+            <a:off x="336000" y="1066799"/>
+            <a:ext cx="11520000" cy="2160000"/>
+          </a:xfrm>
+          <a:prstGeom prst="rect">
+            <a:avLst/>
+          </a:prstGeom>
+        </p:spPr>
+        <p:txBody>
+          <a:bodyPr anchor="b" anchorCtr="0"/>
+          <a:lstStyle>
+            <a:lvl1pPr marL="0" marR="0" indent="0" algn="ctr" defTabSz="914400" rtl="0" eaLnBrk="1" fontAlgn="auto" latinLnBrk="0" hangingPunct="1">
+              <a:lnSpc>
+                <a:spcPct val="120000"/>
+              </a:lnSpc>
+              <a:spcBef>
+                <a:spcPts val="0"/>
+              </a:spcBef>
+              <a:spcAft>
+                <a:spcPts val="0"/>
+              </a:spcAft>
+              <a:buClrTx/>
+              <a:buSzTx/>
+              <a:buFontTx/>
+              <a:buNone/>
+              <a:tabLst/>
+              <a:defRPr sz="4400" b="1">
+                <a:latin typeface="PingFang SC" charset="-122"/>
+                <a:ea typeface="PingFang SC" charset="-122"/>
+                <a:cs typeface="PingFang SC" charset="-122"/>
+              </a:defRPr>
+            </a:lvl1pPr>
+            <a:lvl2pPr marL="457200" indent="0" algn="ctr">
+              <a:buFontTx/>
+              <a:buNone/>
+              <a:defRPr sz="4400" b="1">
+                <a:latin typeface="PingFang SC" charset="-122"/>
+                <a:ea typeface="PingFang SC" charset="-122"/>
+                <a:cs typeface="PingFang SC" charset="-122"/>
+              </a:defRPr>
+            </a:lvl2pPr>
+            <a:lvl3pPr marL="914400" indent="0" algn="ctr">
+              <a:buFontTx/>
+              <a:buNone/>
+              <a:defRPr sz="4400" b="1">
+                <a:latin typeface="PingFang SC" charset="-122"/>
+                <a:ea typeface="PingFang SC" charset="-122"/>
+                <a:cs typeface="PingFang SC" charset="-122"/>
+              </a:defRPr>
+            </a:lvl3pPr>
+            <a:lvl4pPr marL="1371600" indent="0" algn="ctr">
+              <a:buFontTx/>
+              <a:buNone/>
+              <a:defRPr sz="4400" b="1">
+                <a:latin typeface="PingFang SC" charset="-122"/>
+                <a:ea typeface="PingFang SC" charset="-122"/>
+                <a:cs typeface="PingFang SC" charset="-122"/>
+              </a:defRPr>
+            </a:lvl4pPr>
+            <a:lvl5pPr marL="1828800" indent="0" algn="ctr">
+              <a:buFontTx/>
+              <a:buNone/>
+              <a:defRPr sz="4400" b="1">
+                <a:latin typeface="PingFang SC" charset="-122"/>
+                <a:ea typeface="PingFang SC" charset="-122"/>
+                <a:cs typeface="PingFang SC" charset="-122"/>
+              </a:defRPr>
+            </a:lvl5pPr>
+          </a:lstStyle>
+          <a:p>
+            <a:pPr lvl="0"/>
+            <a:r>
+              <a:rPr kumimoji="1" lang="es-ES_tradnl" altLang="zh-CN" dirty="0" smtClean="0"/>
+              <a:t>Está calculando tus puntuaciones</a:t>
             </a:r>
           </a:p>
         </p:txBody>
@@ -4371,7 +8798,7 @@
           <p:nvPr userDrawn="1"/>
         </p:nvPicPr>
         <p:blipFill>
-          <a:blip r:embed="rId11">
+          <a:blip r:embed="rId15">
             <a:alphaModFix amt="50000"/>
           </a:blip>
           <a:stretch>
@@ -4406,6 +8833,10 @@
     <p:sldLayoutId id="2147483657" r:id="rId7"/>
     <p:sldLayoutId id="2147483654" r:id="rId8"/>
     <p:sldLayoutId id="2147483656" r:id="rId9"/>
+    <p:sldLayoutId id="2147483668" r:id="rId10"/>
+    <p:sldLayoutId id="2147483669" r:id="rId11"/>
+    <p:sldLayoutId id="2147483670" r:id="rId12"/>
+    <p:sldLayoutId id="2147483671" r:id="rId13"/>
   </p:sldLayoutIdLst>
   <p:txStyles>
     <p:titleStyle>

--- a/exam2pptvideo/es/templates/exam_spanish_classic.pptx
+++ b/exam2pptvideo/es/templates/exam_spanish_classic.pptx
@@ -1739,7 +1739,7 @@
           <p:cNvPr id="11" name="文本框 6">
             <a:extLst>
               <a:ext uri="{FF2B5EF4-FFF2-40B4-BE49-F238E27FC236}">
-                <a16:creationId xmlns:a16="http://schemas.microsoft.com/office/drawing/2014/main" xmlns="" id="{5D38C703-0535-2649-B4A0-B8F05CF7B2C5}"/>
+                <a16:creationId xmlns="" xmlns:a16="http://schemas.microsoft.com/office/drawing/2014/main" id="{5D38C703-0535-2649-B4A0-B8F05CF7B2C5}"/>
               </a:ext>
             </a:extLst>
           </p:cNvPr>
@@ -1789,7 +1789,7 @@
           <p:cNvPr id="12" name="文本框 11">
             <a:extLst>
               <a:ext uri="{FF2B5EF4-FFF2-40B4-BE49-F238E27FC236}">
-                <a16:creationId xmlns:a16="http://schemas.microsoft.com/office/drawing/2014/main" xmlns="" id="{65E5CD98-D6C1-1848-86A2-A50598B55139}"/>
+                <a16:creationId xmlns="" xmlns:a16="http://schemas.microsoft.com/office/drawing/2014/main" id="{65E5CD98-D6C1-1848-86A2-A50598B55139}"/>
               </a:ext>
             </a:extLst>
           </p:cNvPr>
@@ -1839,7 +1839,7 @@
           <p:cNvPr id="13" name="文本框 6">
             <a:extLst>
               <a:ext uri="{FF2B5EF4-FFF2-40B4-BE49-F238E27FC236}">
-                <a16:creationId xmlns:a16="http://schemas.microsoft.com/office/drawing/2014/main" xmlns="" id="{5F9E940D-7090-E94B-8B49-5CA1D127071A}"/>
+                <a16:creationId xmlns="" xmlns:a16="http://schemas.microsoft.com/office/drawing/2014/main" id="{5F9E940D-7090-E94B-8B49-5CA1D127071A}"/>
               </a:ext>
             </a:extLst>
           </p:cNvPr>
@@ -1889,7 +1889,7 @@
           <p:cNvPr id="14" name="文本框 6">
             <a:extLst>
               <a:ext uri="{FF2B5EF4-FFF2-40B4-BE49-F238E27FC236}">
-                <a16:creationId xmlns:a16="http://schemas.microsoft.com/office/drawing/2014/main" xmlns="" id="{BB9196A1-74E2-5046-99D0-EB0B468753EC}"/>
+                <a16:creationId xmlns="" xmlns:a16="http://schemas.microsoft.com/office/drawing/2014/main" id="{BB9196A1-74E2-5046-99D0-EB0B468753EC}"/>
               </a:ext>
             </a:extLst>
           </p:cNvPr>
@@ -3069,7 +3069,7 @@
           <p:cNvPr id="10" name="文本框 6">
             <a:extLst>
               <a:ext uri="{FF2B5EF4-FFF2-40B4-BE49-F238E27FC236}">
-                <a16:creationId xmlns:a16="http://schemas.microsoft.com/office/drawing/2014/main" xmlns="" id="{5D38C703-0535-2649-B4A0-B8F05CF7B2C5}"/>
+                <a16:creationId xmlns="" xmlns:a16="http://schemas.microsoft.com/office/drawing/2014/main" id="{5D38C703-0535-2649-B4A0-B8F05CF7B2C5}"/>
               </a:ext>
             </a:extLst>
           </p:cNvPr>
@@ -3119,7 +3119,7 @@
           <p:cNvPr id="11" name="文本框 10">
             <a:extLst>
               <a:ext uri="{FF2B5EF4-FFF2-40B4-BE49-F238E27FC236}">
-                <a16:creationId xmlns:a16="http://schemas.microsoft.com/office/drawing/2014/main" xmlns="" id="{65E5CD98-D6C1-1848-86A2-A50598B55139}"/>
+                <a16:creationId xmlns="" xmlns:a16="http://schemas.microsoft.com/office/drawing/2014/main" id="{65E5CD98-D6C1-1848-86A2-A50598B55139}"/>
               </a:ext>
             </a:extLst>
           </p:cNvPr>
@@ -3169,7 +3169,7 @@
           <p:cNvPr id="12" name="文本框 6">
             <a:extLst>
               <a:ext uri="{FF2B5EF4-FFF2-40B4-BE49-F238E27FC236}">
-                <a16:creationId xmlns:a16="http://schemas.microsoft.com/office/drawing/2014/main" xmlns="" id="{5F9E940D-7090-E94B-8B49-5CA1D127071A}"/>
+                <a16:creationId xmlns="" xmlns:a16="http://schemas.microsoft.com/office/drawing/2014/main" id="{5F9E940D-7090-E94B-8B49-5CA1D127071A}"/>
               </a:ext>
             </a:extLst>
           </p:cNvPr>
@@ -3219,7 +3219,7 @@
           <p:cNvPr id="13" name="文本框 6">
             <a:extLst>
               <a:ext uri="{FF2B5EF4-FFF2-40B4-BE49-F238E27FC236}">
-                <a16:creationId xmlns:a16="http://schemas.microsoft.com/office/drawing/2014/main" xmlns="" id="{BB9196A1-74E2-5046-99D0-EB0B468753EC}"/>
+                <a16:creationId xmlns="" xmlns:a16="http://schemas.microsoft.com/office/drawing/2014/main" id="{BB9196A1-74E2-5046-99D0-EB0B468753EC}"/>
               </a:ext>
             </a:extLst>
           </p:cNvPr>
@@ -4257,7 +4257,7 @@
           <p:cNvPr id="11" name="文本框 6">
             <a:extLst>
               <a:ext uri="{FF2B5EF4-FFF2-40B4-BE49-F238E27FC236}">
-                <a16:creationId xmlns:a16="http://schemas.microsoft.com/office/drawing/2014/main" xmlns="" id="{5D38C703-0535-2649-B4A0-B8F05CF7B2C5}"/>
+                <a16:creationId xmlns="" xmlns:a16="http://schemas.microsoft.com/office/drawing/2014/main" id="{5D38C703-0535-2649-B4A0-B8F05CF7B2C5}"/>
               </a:ext>
             </a:extLst>
           </p:cNvPr>
@@ -4307,7 +4307,7 @@
           <p:cNvPr id="12" name="文本框 11">
             <a:extLst>
               <a:ext uri="{FF2B5EF4-FFF2-40B4-BE49-F238E27FC236}">
-                <a16:creationId xmlns:a16="http://schemas.microsoft.com/office/drawing/2014/main" xmlns="" id="{65E5CD98-D6C1-1848-86A2-A50598B55139}"/>
+                <a16:creationId xmlns="" xmlns:a16="http://schemas.microsoft.com/office/drawing/2014/main" id="{65E5CD98-D6C1-1848-86A2-A50598B55139}"/>
               </a:ext>
             </a:extLst>
           </p:cNvPr>
@@ -4357,7 +4357,7 @@
           <p:cNvPr id="13" name="文本框 6">
             <a:extLst>
               <a:ext uri="{FF2B5EF4-FFF2-40B4-BE49-F238E27FC236}">
-                <a16:creationId xmlns:a16="http://schemas.microsoft.com/office/drawing/2014/main" xmlns="" id="{5F9E940D-7090-E94B-8B49-5CA1D127071A}"/>
+                <a16:creationId xmlns="" xmlns:a16="http://schemas.microsoft.com/office/drawing/2014/main" id="{5F9E940D-7090-E94B-8B49-5CA1D127071A}"/>
               </a:ext>
             </a:extLst>
           </p:cNvPr>
@@ -4407,7 +4407,7 @@
           <p:cNvPr id="14" name="文本框 6">
             <a:extLst>
               <a:ext uri="{FF2B5EF4-FFF2-40B4-BE49-F238E27FC236}">
-                <a16:creationId xmlns:a16="http://schemas.microsoft.com/office/drawing/2014/main" xmlns="" id="{BB9196A1-74E2-5046-99D0-EB0B468753EC}"/>
+                <a16:creationId xmlns="" xmlns:a16="http://schemas.microsoft.com/office/drawing/2014/main" id="{BB9196A1-74E2-5046-99D0-EB0B468753EC}"/>
               </a:ext>
             </a:extLst>
           </p:cNvPr>
@@ -5893,7 +5893,7 @@
           <p:cNvPr id="8" name="文本占位符 3">
             <a:extLst>
               <a:ext uri="{FF2B5EF4-FFF2-40B4-BE49-F238E27FC236}">
-                <a16:creationId xmlns:a16="http://schemas.microsoft.com/office/drawing/2014/main" xmlns="" id="{5BA5F626-1F8E-054A-918D-94622AD4EABF}"/>
+                <a16:creationId xmlns="" xmlns:a16="http://schemas.microsoft.com/office/drawing/2014/main" id="{5BA5F626-1F8E-054A-918D-94622AD4EABF}"/>
               </a:ext>
             </a:extLst>
           </p:cNvPr>
@@ -5982,7 +5982,7 @@
           <p:cNvPr id="10" name="文本占位符 3">
             <a:extLst>
               <a:ext uri="{FF2B5EF4-FFF2-40B4-BE49-F238E27FC236}">
-                <a16:creationId xmlns:a16="http://schemas.microsoft.com/office/drawing/2014/main" xmlns="" id="{5FCCDF54-3207-5346-9F95-0AC916F61892}"/>
+                <a16:creationId xmlns="" xmlns:a16="http://schemas.microsoft.com/office/drawing/2014/main" id="{5FCCDF54-3207-5346-9F95-0AC916F61892}"/>
               </a:ext>
             </a:extLst>
           </p:cNvPr>
@@ -6071,7 +6071,7 @@
           <p:cNvPr id="11" name="文本占位符 3">
             <a:extLst>
               <a:ext uri="{FF2B5EF4-FFF2-40B4-BE49-F238E27FC236}">
-                <a16:creationId xmlns:a16="http://schemas.microsoft.com/office/drawing/2014/main" xmlns="" id="{B191C670-839A-7542-ADC9-27051AC8F6B2}"/>
+                <a16:creationId xmlns="" xmlns:a16="http://schemas.microsoft.com/office/drawing/2014/main" id="{B191C670-839A-7542-ADC9-27051AC8F6B2}"/>
               </a:ext>
             </a:extLst>
           </p:cNvPr>
@@ -6160,7 +6160,7 @@
           <p:cNvPr id="12" name="文本框 6">
             <a:extLst>
               <a:ext uri="{FF2B5EF4-FFF2-40B4-BE49-F238E27FC236}">
-                <a16:creationId xmlns:a16="http://schemas.microsoft.com/office/drawing/2014/main" xmlns="" id="{CFFCA465-7096-CF48-82C4-BBF12BAED15D}"/>
+                <a16:creationId xmlns="" xmlns:a16="http://schemas.microsoft.com/office/drawing/2014/main" id="{CFFCA465-7096-CF48-82C4-BBF12BAED15D}"/>
               </a:ext>
             </a:extLst>
           </p:cNvPr>
@@ -6204,7 +6204,7 @@
           <p:cNvPr id="13" name="文本框 6">
             <a:extLst>
               <a:ext uri="{FF2B5EF4-FFF2-40B4-BE49-F238E27FC236}">
-                <a16:creationId xmlns:a16="http://schemas.microsoft.com/office/drawing/2014/main" xmlns="" id="{58BB7382-28F7-B140-99CA-079FE427AFED}"/>
+                <a16:creationId xmlns="" xmlns:a16="http://schemas.microsoft.com/office/drawing/2014/main" id="{58BB7382-28F7-B140-99CA-079FE427AFED}"/>
               </a:ext>
             </a:extLst>
           </p:cNvPr>
@@ -6248,7 +6248,7 @@
           <p:cNvPr id="14" name="文本框 6">
             <a:extLst>
               <a:ext uri="{FF2B5EF4-FFF2-40B4-BE49-F238E27FC236}">
-                <a16:creationId xmlns:a16="http://schemas.microsoft.com/office/drawing/2014/main" xmlns="" id="{6857E332-9933-9042-B7A8-9060834982B6}"/>
+                <a16:creationId xmlns="" xmlns:a16="http://schemas.microsoft.com/office/drawing/2014/main" id="{6857E332-9933-9042-B7A8-9060834982B6}"/>
               </a:ext>
             </a:extLst>
           </p:cNvPr>
@@ -6292,7 +6292,7 @@
           <p:cNvPr id="15" name="文本框 6">
             <a:extLst>
               <a:ext uri="{FF2B5EF4-FFF2-40B4-BE49-F238E27FC236}">
-                <a16:creationId xmlns:a16="http://schemas.microsoft.com/office/drawing/2014/main" xmlns="" id="{9708D859-D292-E44F-97EB-598216544539}"/>
+                <a16:creationId xmlns="" xmlns:a16="http://schemas.microsoft.com/office/drawing/2014/main" id="{9708D859-D292-E44F-97EB-598216544539}"/>
               </a:ext>
             </a:extLst>
           </p:cNvPr>
@@ -6336,7 +6336,7 @@
           <p:cNvPr id="16" name="文本占位符 3">
             <a:extLst>
               <a:ext uri="{FF2B5EF4-FFF2-40B4-BE49-F238E27FC236}">
-                <a16:creationId xmlns:a16="http://schemas.microsoft.com/office/drawing/2014/main" xmlns="" id="{61048211-379D-CD4C-8037-C4240B243345}"/>
+                <a16:creationId xmlns="" xmlns:a16="http://schemas.microsoft.com/office/drawing/2014/main" id="{61048211-379D-CD4C-8037-C4240B243345}"/>
               </a:ext>
             </a:extLst>
           </p:cNvPr>
@@ -7335,7 +7335,7 @@
           <p:cNvPr id="10" name="文本占位符 3">
             <a:extLst>
               <a:ext uri="{FF2B5EF4-FFF2-40B4-BE49-F238E27FC236}">
-                <a16:creationId xmlns:a16="http://schemas.microsoft.com/office/drawing/2014/main" xmlns="" id="{A74FB077-6AA3-0B43-AC21-EE33C7C61E10}"/>
+                <a16:creationId xmlns="" xmlns:a16="http://schemas.microsoft.com/office/drawing/2014/main" id="{A74FB077-6AA3-0B43-AC21-EE33C7C61E10}"/>
               </a:ext>
             </a:extLst>
           </p:cNvPr>
@@ -7418,7 +7418,7 @@
           <p:cNvPr id="12" name="文本占位符 3">
             <a:extLst>
               <a:ext uri="{FF2B5EF4-FFF2-40B4-BE49-F238E27FC236}">
-                <a16:creationId xmlns:a16="http://schemas.microsoft.com/office/drawing/2014/main" xmlns="" id="{AD89B8CD-8466-564E-98F9-0FDFC2E5A77B}"/>
+                <a16:creationId xmlns="" xmlns:a16="http://schemas.microsoft.com/office/drawing/2014/main" id="{AD89B8CD-8466-564E-98F9-0FDFC2E5A77B}"/>
               </a:ext>
             </a:extLst>
           </p:cNvPr>
@@ -7507,7 +7507,7 @@
           <p:cNvPr id="15" name="文本占位符 3">
             <a:extLst>
               <a:ext uri="{FF2B5EF4-FFF2-40B4-BE49-F238E27FC236}">
-                <a16:creationId xmlns:a16="http://schemas.microsoft.com/office/drawing/2014/main" xmlns="" id="{DC7420E9-D400-EC49-BA07-FADE6C3CD450}"/>
+                <a16:creationId xmlns="" xmlns:a16="http://schemas.microsoft.com/office/drawing/2014/main" id="{DC7420E9-D400-EC49-BA07-FADE6C3CD450}"/>
               </a:ext>
             </a:extLst>
           </p:cNvPr>
@@ -7596,7 +7596,7 @@
           <p:cNvPr id="16" name="文本占位符 3">
             <a:extLst>
               <a:ext uri="{FF2B5EF4-FFF2-40B4-BE49-F238E27FC236}">
-                <a16:creationId xmlns:a16="http://schemas.microsoft.com/office/drawing/2014/main" xmlns="" id="{911556EF-2E53-D44E-B558-5C114F0FAA7C}"/>
+                <a16:creationId xmlns="" xmlns:a16="http://schemas.microsoft.com/office/drawing/2014/main" id="{911556EF-2E53-D44E-B558-5C114F0FAA7C}"/>
               </a:ext>
             </a:extLst>
           </p:cNvPr>
@@ -7685,7 +7685,7 @@
           <p:cNvPr id="17" name="文本框 6">
             <a:extLst>
               <a:ext uri="{FF2B5EF4-FFF2-40B4-BE49-F238E27FC236}">
-                <a16:creationId xmlns:a16="http://schemas.microsoft.com/office/drawing/2014/main" xmlns="" id="{5D38C703-0535-2649-B4A0-B8F05CF7B2C5}"/>
+                <a16:creationId xmlns="" xmlns:a16="http://schemas.microsoft.com/office/drawing/2014/main" id="{5D38C703-0535-2649-B4A0-B8F05CF7B2C5}"/>
               </a:ext>
             </a:extLst>
           </p:cNvPr>
@@ -7729,7 +7729,7 @@
           <p:cNvPr id="18" name="文本框 6">
             <a:extLst>
               <a:ext uri="{FF2B5EF4-FFF2-40B4-BE49-F238E27FC236}">
-                <a16:creationId xmlns:a16="http://schemas.microsoft.com/office/drawing/2014/main" xmlns="" id="{65E5CD98-D6C1-1848-86A2-A50598B55139}"/>
+                <a16:creationId xmlns="" xmlns:a16="http://schemas.microsoft.com/office/drawing/2014/main" id="{65E5CD98-D6C1-1848-86A2-A50598B55139}"/>
               </a:ext>
             </a:extLst>
           </p:cNvPr>
@@ -7773,7 +7773,7 @@
           <p:cNvPr id="19" name="文本框 6">
             <a:extLst>
               <a:ext uri="{FF2B5EF4-FFF2-40B4-BE49-F238E27FC236}">
-                <a16:creationId xmlns:a16="http://schemas.microsoft.com/office/drawing/2014/main" xmlns="" id="{5F9E940D-7090-E94B-8B49-5CA1D127071A}"/>
+                <a16:creationId xmlns="" xmlns:a16="http://schemas.microsoft.com/office/drawing/2014/main" id="{5F9E940D-7090-E94B-8B49-5CA1D127071A}"/>
               </a:ext>
             </a:extLst>
           </p:cNvPr>
@@ -7817,7 +7817,7 @@
           <p:cNvPr id="20" name="文本框 6">
             <a:extLst>
               <a:ext uri="{FF2B5EF4-FFF2-40B4-BE49-F238E27FC236}">
-                <a16:creationId xmlns:a16="http://schemas.microsoft.com/office/drawing/2014/main" xmlns="" id="{BB9196A1-74E2-5046-99D0-EB0B468753EC}"/>
+                <a16:creationId xmlns="" xmlns:a16="http://schemas.microsoft.com/office/drawing/2014/main" id="{BB9196A1-74E2-5046-99D0-EB0B468753EC}"/>
               </a:ext>
             </a:extLst>
           </p:cNvPr>
@@ -7861,7 +7861,7 @@
           <p:cNvPr id="21" name="文本占位符 8">
             <a:extLst>
               <a:ext uri="{FF2B5EF4-FFF2-40B4-BE49-F238E27FC236}">
-                <a16:creationId xmlns:a16="http://schemas.microsoft.com/office/drawing/2014/main" xmlns="" id="{DC4E8E34-3460-3444-B72A-429476C3F597}"/>
+                <a16:creationId xmlns="" xmlns:a16="http://schemas.microsoft.com/office/drawing/2014/main" id="{DC4E8E34-3460-3444-B72A-429476C3F597}"/>
               </a:ext>
             </a:extLst>
           </p:cNvPr>
@@ -7927,7 +7927,7 @@
           <p:cNvPr id="22" name="文本占位符 8">
             <a:extLst>
               <a:ext uri="{FF2B5EF4-FFF2-40B4-BE49-F238E27FC236}">
-                <a16:creationId xmlns:a16="http://schemas.microsoft.com/office/drawing/2014/main" xmlns="" id="{993DB0B2-65A6-8C4E-BC99-5DD87B1ACE41}"/>
+                <a16:creationId xmlns="" xmlns:a16="http://schemas.microsoft.com/office/drawing/2014/main" id="{993DB0B2-65A6-8C4E-BC99-5DD87B1ACE41}"/>
               </a:ext>
             </a:extLst>
           </p:cNvPr>
@@ -7996,7 +7996,7 @@
           <p:cNvPr id="23" name="文本占位符 12">
             <a:extLst>
               <a:ext uri="{FF2B5EF4-FFF2-40B4-BE49-F238E27FC236}">
-                <a16:creationId xmlns:a16="http://schemas.microsoft.com/office/drawing/2014/main" xmlns="" id="{C20C845D-B437-B644-A0DC-11B9DDD011BE}"/>
+                <a16:creationId xmlns="" xmlns:a16="http://schemas.microsoft.com/office/drawing/2014/main" id="{C20C845D-B437-B644-A0DC-11B9DDD011BE}"/>
               </a:ext>
             </a:extLst>
           </p:cNvPr>
@@ -8477,8 +8477,8 @@
         </p:nvSpPr>
         <p:spPr>
           <a:xfrm>
-            <a:off x="965200" y="1284791"/>
-            <a:ext cx="10261600" cy="1338488"/>
+            <a:off x="1056000" y="1096180"/>
+            <a:ext cx="10080000" cy="1338488"/>
           </a:xfrm>
           <a:prstGeom prst="rect">
             <a:avLst/>
@@ -8565,19 +8565,19 @@
         </p:nvSpPr>
         <p:spPr>
           <a:xfrm>
-            <a:off x="965200" y="2801055"/>
-            <a:ext cx="10261600" cy="504000"/>
-          </a:xfrm>
-          <a:prstGeom prst="rect">
-            <a:avLst/>
-          </a:prstGeom>
-        </p:spPr>
-        <p:txBody>
-          <a:bodyPr/>
+            <a:off x="1056000" y="2612444"/>
+            <a:ext cx="10080000" cy="1152000"/>
+          </a:xfrm>
+          <a:prstGeom prst="rect">
+            <a:avLst/>
+          </a:prstGeom>
+        </p:spPr>
+        <p:txBody>
+          <a:bodyPr anchor="ctr" anchorCtr="0"/>
           <a:lstStyle>
             <a:lvl1pPr marL="0" indent="0" algn="ctr">
               <a:buNone/>
-              <a:defRPr sz="2800" b="0" i="0">
+              <a:defRPr sz="2400" b="0" i="0">
                 <a:latin typeface="PingFang SC" panose="020B0400000000000000" pitchFamily="34" charset="-122"/>
                 <a:ea typeface="PingFang SC" panose="020B0400000000000000" pitchFamily="34" charset="-122"/>
                 <a:cs typeface="PingFang SC" panose="020B0400000000000000" pitchFamily="34" charset="-122"/>
@@ -8617,7 +8617,7 @@
         </p:nvSpPr>
         <p:spPr>
           <a:xfrm>
-            <a:off x="4872000" y="3546676"/>
+            <a:off x="4872000" y="4130831"/>
             <a:ext cx="2448000" cy="1296000"/>
           </a:xfrm>
           <a:prstGeom prst="roundRect">
@@ -8672,7 +8672,7 @@
         </p:nvSpPr>
         <p:spPr>
           <a:xfrm>
-            <a:off x="5500616" y="3718165"/>
+            <a:off x="5500616" y="4302320"/>
             <a:ext cx="1190769" cy="468000"/>
           </a:xfrm>
           <a:prstGeom prst="rect">
@@ -8725,7 +8725,7 @@
         </p:nvSpPr>
         <p:spPr>
           <a:xfrm>
-            <a:off x="5641775" y="4222165"/>
+            <a:off x="5641775" y="4806320"/>
             <a:ext cx="908450" cy="461665"/>
           </a:xfrm>
           <a:prstGeom prst="rect">

--- a/exam2pptvideo/es/templates/exam_spanish_classic.pptx
+++ b/exam2pptvideo/es/templates/exam_spanish_classic.pptx
@@ -330,7 +330,7 @@
           <a:p>
             <a:fld id="{D5477325-9FE3-494A-88E0-6A0955AE2D65}" type="datetimeFigureOut">
               <a:rPr kumimoji="1" lang="zh-CN" altLang="en-US" smtClean="0"/>
-              <a:t>2021/6/13</a:t>
+              <a:t>2021/6/26</a:t>
             </a:fld>
             <a:endParaRPr kumimoji="1" lang="zh-CN" altLang="en-US"/>
           </a:p>
@@ -823,6 +823,36 @@
           </a:p>
         </p:txBody>
       </p:sp>
+      <p:pic>
+        <p:nvPicPr>
+          <p:cNvPr id="2" name="图片 1"/>
+          <p:cNvPicPr>
+            <a:picLocks noChangeAspect="1"/>
+          </p:cNvPicPr>
+          <p:nvPr userDrawn="1"/>
+        </p:nvPicPr>
+        <p:blipFill>
+          <a:blip r:embed="rId4">
+            <a:extLst>
+              <a:ext uri="{28A0092B-C50C-407E-A947-70E740481C1C}">
+                <a14:useLocalDpi xmlns:a14="http://schemas.microsoft.com/office/drawing/2010/main" val="0"/>
+              </a:ext>
+            </a:extLst>
+          </a:blip>
+          <a:stretch>
+            <a:fillRect/>
+          </a:stretch>
+        </p:blipFill>
+        <p:spPr>
+          <a:xfrm>
+            <a:off x="7851776" y="4343642"/>
+            <a:ext cx="791753" cy="720000"/>
+          </a:xfrm>
+          <a:prstGeom prst="rect">
+            <a:avLst/>
+          </a:prstGeom>
+        </p:spPr>
+      </p:pic>
     </p:spTree>
     <p:extLst>
       <p:ext uri="{BB962C8B-B14F-4D97-AF65-F5344CB8AC3E}">
@@ -1739,7 +1769,7 @@
           <p:cNvPr id="11" name="文本框 6">
             <a:extLst>
               <a:ext uri="{FF2B5EF4-FFF2-40B4-BE49-F238E27FC236}">
-                <a16:creationId xmlns="" xmlns:a16="http://schemas.microsoft.com/office/drawing/2014/main" id="{5D38C703-0535-2649-B4A0-B8F05CF7B2C5}"/>
+                <a16:creationId xmlns:a16="http://schemas.microsoft.com/office/drawing/2014/main" xmlns="" id="{5D38C703-0535-2649-B4A0-B8F05CF7B2C5}"/>
               </a:ext>
             </a:extLst>
           </p:cNvPr>
@@ -1789,7 +1819,7 @@
           <p:cNvPr id="12" name="文本框 11">
             <a:extLst>
               <a:ext uri="{FF2B5EF4-FFF2-40B4-BE49-F238E27FC236}">
-                <a16:creationId xmlns="" xmlns:a16="http://schemas.microsoft.com/office/drawing/2014/main" id="{65E5CD98-D6C1-1848-86A2-A50598B55139}"/>
+                <a16:creationId xmlns:a16="http://schemas.microsoft.com/office/drawing/2014/main" xmlns="" id="{65E5CD98-D6C1-1848-86A2-A50598B55139}"/>
               </a:ext>
             </a:extLst>
           </p:cNvPr>
@@ -1839,7 +1869,7 @@
           <p:cNvPr id="13" name="文本框 6">
             <a:extLst>
               <a:ext uri="{FF2B5EF4-FFF2-40B4-BE49-F238E27FC236}">
-                <a16:creationId xmlns="" xmlns:a16="http://schemas.microsoft.com/office/drawing/2014/main" id="{5F9E940D-7090-E94B-8B49-5CA1D127071A}"/>
+                <a16:creationId xmlns:a16="http://schemas.microsoft.com/office/drawing/2014/main" xmlns="" id="{5F9E940D-7090-E94B-8B49-5CA1D127071A}"/>
               </a:ext>
             </a:extLst>
           </p:cNvPr>
@@ -1889,7 +1919,7 @@
           <p:cNvPr id="14" name="文本框 6">
             <a:extLst>
               <a:ext uri="{FF2B5EF4-FFF2-40B4-BE49-F238E27FC236}">
-                <a16:creationId xmlns="" xmlns:a16="http://schemas.microsoft.com/office/drawing/2014/main" id="{BB9196A1-74E2-5046-99D0-EB0B468753EC}"/>
+                <a16:creationId xmlns:a16="http://schemas.microsoft.com/office/drawing/2014/main" xmlns="" id="{BB9196A1-74E2-5046-99D0-EB0B468753EC}"/>
               </a:ext>
             </a:extLst>
           </p:cNvPr>
@@ -3069,7 +3099,7 @@
           <p:cNvPr id="10" name="文本框 6">
             <a:extLst>
               <a:ext uri="{FF2B5EF4-FFF2-40B4-BE49-F238E27FC236}">
-                <a16:creationId xmlns="" xmlns:a16="http://schemas.microsoft.com/office/drawing/2014/main" id="{5D38C703-0535-2649-B4A0-B8F05CF7B2C5}"/>
+                <a16:creationId xmlns:a16="http://schemas.microsoft.com/office/drawing/2014/main" xmlns="" id="{5D38C703-0535-2649-B4A0-B8F05CF7B2C5}"/>
               </a:ext>
             </a:extLst>
           </p:cNvPr>
@@ -3119,7 +3149,7 @@
           <p:cNvPr id="11" name="文本框 10">
             <a:extLst>
               <a:ext uri="{FF2B5EF4-FFF2-40B4-BE49-F238E27FC236}">
-                <a16:creationId xmlns="" xmlns:a16="http://schemas.microsoft.com/office/drawing/2014/main" id="{65E5CD98-D6C1-1848-86A2-A50598B55139}"/>
+                <a16:creationId xmlns:a16="http://schemas.microsoft.com/office/drawing/2014/main" xmlns="" id="{65E5CD98-D6C1-1848-86A2-A50598B55139}"/>
               </a:ext>
             </a:extLst>
           </p:cNvPr>
@@ -3169,7 +3199,7 @@
           <p:cNvPr id="12" name="文本框 6">
             <a:extLst>
               <a:ext uri="{FF2B5EF4-FFF2-40B4-BE49-F238E27FC236}">
-                <a16:creationId xmlns="" xmlns:a16="http://schemas.microsoft.com/office/drawing/2014/main" id="{5F9E940D-7090-E94B-8B49-5CA1D127071A}"/>
+                <a16:creationId xmlns:a16="http://schemas.microsoft.com/office/drawing/2014/main" xmlns="" id="{5F9E940D-7090-E94B-8B49-5CA1D127071A}"/>
               </a:ext>
             </a:extLst>
           </p:cNvPr>
@@ -3219,7 +3249,7 @@
           <p:cNvPr id="13" name="文本框 6">
             <a:extLst>
               <a:ext uri="{FF2B5EF4-FFF2-40B4-BE49-F238E27FC236}">
-                <a16:creationId xmlns="" xmlns:a16="http://schemas.microsoft.com/office/drawing/2014/main" id="{BB9196A1-74E2-5046-99D0-EB0B468753EC}"/>
+                <a16:creationId xmlns:a16="http://schemas.microsoft.com/office/drawing/2014/main" xmlns="" id="{BB9196A1-74E2-5046-99D0-EB0B468753EC}"/>
               </a:ext>
             </a:extLst>
           </p:cNvPr>
@@ -4257,7 +4287,7 @@
           <p:cNvPr id="11" name="文本框 6">
             <a:extLst>
               <a:ext uri="{FF2B5EF4-FFF2-40B4-BE49-F238E27FC236}">
-                <a16:creationId xmlns="" xmlns:a16="http://schemas.microsoft.com/office/drawing/2014/main" id="{5D38C703-0535-2649-B4A0-B8F05CF7B2C5}"/>
+                <a16:creationId xmlns:a16="http://schemas.microsoft.com/office/drawing/2014/main" xmlns="" id="{5D38C703-0535-2649-B4A0-B8F05CF7B2C5}"/>
               </a:ext>
             </a:extLst>
           </p:cNvPr>
@@ -4307,7 +4337,7 @@
           <p:cNvPr id="12" name="文本框 11">
             <a:extLst>
               <a:ext uri="{FF2B5EF4-FFF2-40B4-BE49-F238E27FC236}">
-                <a16:creationId xmlns="" xmlns:a16="http://schemas.microsoft.com/office/drawing/2014/main" id="{65E5CD98-D6C1-1848-86A2-A50598B55139}"/>
+                <a16:creationId xmlns:a16="http://schemas.microsoft.com/office/drawing/2014/main" xmlns="" id="{65E5CD98-D6C1-1848-86A2-A50598B55139}"/>
               </a:ext>
             </a:extLst>
           </p:cNvPr>
@@ -4357,7 +4387,7 @@
           <p:cNvPr id="13" name="文本框 6">
             <a:extLst>
               <a:ext uri="{FF2B5EF4-FFF2-40B4-BE49-F238E27FC236}">
-                <a16:creationId xmlns="" xmlns:a16="http://schemas.microsoft.com/office/drawing/2014/main" id="{5F9E940D-7090-E94B-8B49-5CA1D127071A}"/>
+                <a16:creationId xmlns:a16="http://schemas.microsoft.com/office/drawing/2014/main" xmlns="" id="{5F9E940D-7090-E94B-8B49-5CA1D127071A}"/>
               </a:ext>
             </a:extLst>
           </p:cNvPr>
@@ -4407,7 +4437,7 @@
           <p:cNvPr id="14" name="文本框 6">
             <a:extLst>
               <a:ext uri="{FF2B5EF4-FFF2-40B4-BE49-F238E27FC236}">
-                <a16:creationId xmlns="" xmlns:a16="http://schemas.microsoft.com/office/drawing/2014/main" id="{BB9196A1-74E2-5046-99D0-EB0B468753EC}"/>
+                <a16:creationId xmlns:a16="http://schemas.microsoft.com/office/drawing/2014/main" xmlns="" id="{BB9196A1-74E2-5046-99D0-EB0B468753EC}"/>
               </a:ext>
             </a:extLst>
           </p:cNvPr>
@@ -5893,7 +5923,7 @@
           <p:cNvPr id="8" name="文本占位符 3">
             <a:extLst>
               <a:ext uri="{FF2B5EF4-FFF2-40B4-BE49-F238E27FC236}">
-                <a16:creationId xmlns="" xmlns:a16="http://schemas.microsoft.com/office/drawing/2014/main" id="{5BA5F626-1F8E-054A-918D-94622AD4EABF}"/>
+                <a16:creationId xmlns:a16="http://schemas.microsoft.com/office/drawing/2014/main" xmlns="" id="{5BA5F626-1F8E-054A-918D-94622AD4EABF}"/>
               </a:ext>
             </a:extLst>
           </p:cNvPr>
@@ -5982,7 +6012,7 @@
           <p:cNvPr id="10" name="文本占位符 3">
             <a:extLst>
               <a:ext uri="{FF2B5EF4-FFF2-40B4-BE49-F238E27FC236}">
-                <a16:creationId xmlns="" xmlns:a16="http://schemas.microsoft.com/office/drawing/2014/main" id="{5FCCDF54-3207-5346-9F95-0AC916F61892}"/>
+                <a16:creationId xmlns:a16="http://schemas.microsoft.com/office/drawing/2014/main" xmlns="" id="{5FCCDF54-3207-5346-9F95-0AC916F61892}"/>
               </a:ext>
             </a:extLst>
           </p:cNvPr>
@@ -6071,7 +6101,7 @@
           <p:cNvPr id="11" name="文本占位符 3">
             <a:extLst>
               <a:ext uri="{FF2B5EF4-FFF2-40B4-BE49-F238E27FC236}">
-                <a16:creationId xmlns="" xmlns:a16="http://schemas.microsoft.com/office/drawing/2014/main" id="{B191C670-839A-7542-ADC9-27051AC8F6B2}"/>
+                <a16:creationId xmlns:a16="http://schemas.microsoft.com/office/drawing/2014/main" xmlns="" id="{B191C670-839A-7542-ADC9-27051AC8F6B2}"/>
               </a:ext>
             </a:extLst>
           </p:cNvPr>
@@ -6160,7 +6190,7 @@
           <p:cNvPr id="12" name="文本框 6">
             <a:extLst>
               <a:ext uri="{FF2B5EF4-FFF2-40B4-BE49-F238E27FC236}">
-                <a16:creationId xmlns="" xmlns:a16="http://schemas.microsoft.com/office/drawing/2014/main" id="{CFFCA465-7096-CF48-82C4-BBF12BAED15D}"/>
+                <a16:creationId xmlns:a16="http://schemas.microsoft.com/office/drawing/2014/main" xmlns="" id="{CFFCA465-7096-CF48-82C4-BBF12BAED15D}"/>
               </a:ext>
             </a:extLst>
           </p:cNvPr>
@@ -6204,7 +6234,7 @@
           <p:cNvPr id="13" name="文本框 6">
             <a:extLst>
               <a:ext uri="{FF2B5EF4-FFF2-40B4-BE49-F238E27FC236}">
-                <a16:creationId xmlns="" xmlns:a16="http://schemas.microsoft.com/office/drawing/2014/main" id="{58BB7382-28F7-B140-99CA-079FE427AFED}"/>
+                <a16:creationId xmlns:a16="http://schemas.microsoft.com/office/drawing/2014/main" xmlns="" id="{58BB7382-28F7-B140-99CA-079FE427AFED}"/>
               </a:ext>
             </a:extLst>
           </p:cNvPr>
@@ -6248,7 +6278,7 @@
           <p:cNvPr id="14" name="文本框 6">
             <a:extLst>
               <a:ext uri="{FF2B5EF4-FFF2-40B4-BE49-F238E27FC236}">
-                <a16:creationId xmlns="" xmlns:a16="http://schemas.microsoft.com/office/drawing/2014/main" id="{6857E332-9933-9042-B7A8-9060834982B6}"/>
+                <a16:creationId xmlns:a16="http://schemas.microsoft.com/office/drawing/2014/main" xmlns="" id="{6857E332-9933-9042-B7A8-9060834982B6}"/>
               </a:ext>
             </a:extLst>
           </p:cNvPr>
@@ -6292,7 +6322,7 @@
           <p:cNvPr id="15" name="文本框 6">
             <a:extLst>
               <a:ext uri="{FF2B5EF4-FFF2-40B4-BE49-F238E27FC236}">
-                <a16:creationId xmlns="" xmlns:a16="http://schemas.microsoft.com/office/drawing/2014/main" id="{9708D859-D292-E44F-97EB-598216544539}"/>
+                <a16:creationId xmlns:a16="http://schemas.microsoft.com/office/drawing/2014/main" xmlns="" id="{9708D859-D292-E44F-97EB-598216544539}"/>
               </a:ext>
             </a:extLst>
           </p:cNvPr>
@@ -6336,7 +6366,7 @@
           <p:cNvPr id="16" name="文本占位符 3">
             <a:extLst>
               <a:ext uri="{FF2B5EF4-FFF2-40B4-BE49-F238E27FC236}">
-                <a16:creationId xmlns="" xmlns:a16="http://schemas.microsoft.com/office/drawing/2014/main" id="{61048211-379D-CD4C-8037-C4240B243345}"/>
+                <a16:creationId xmlns:a16="http://schemas.microsoft.com/office/drawing/2014/main" xmlns="" id="{61048211-379D-CD4C-8037-C4240B243345}"/>
               </a:ext>
             </a:extLst>
           </p:cNvPr>
@@ -7335,7 +7365,7 @@
           <p:cNvPr id="10" name="文本占位符 3">
             <a:extLst>
               <a:ext uri="{FF2B5EF4-FFF2-40B4-BE49-F238E27FC236}">
-                <a16:creationId xmlns="" xmlns:a16="http://schemas.microsoft.com/office/drawing/2014/main" id="{A74FB077-6AA3-0B43-AC21-EE33C7C61E10}"/>
+                <a16:creationId xmlns:a16="http://schemas.microsoft.com/office/drawing/2014/main" xmlns="" id="{A74FB077-6AA3-0B43-AC21-EE33C7C61E10}"/>
               </a:ext>
             </a:extLst>
           </p:cNvPr>
@@ -7418,7 +7448,7 @@
           <p:cNvPr id="12" name="文本占位符 3">
             <a:extLst>
               <a:ext uri="{FF2B5EF4-FFF2-40B4-BE49-F238E27FC236}">
-                <a16:creationId xmlns="" xmlns:a16="http://schemas.microsoft.com/office/drawing/2014/main" id="{AD89B8CD-8466-564E-98F9-0FDFC2E5A77B}"/>
+                <a16:creationId xmlns:a16="http://schemas.microsoft.com/office/drawing/2014/main" xmlns="" id="{AD89B8CD-8466-564E-98F9-0FDFC2E5A77B}"/>
               </a:ext>
             </a:extLst>
           </p:cNvPr>
@@ -7507,7 +7537,7 @@
           <p:cNvPr id="15" name="文本占位符 3">
             <a:extLst>
               <a:ext uri="{FF2B5EF4-FFF2-40B4-BE49-F238E27FC236}">
-                <a16:creationId xmlns="" xmlns:a16="http://schemas.microsoft.com/office/drawing/2014/main" id="{DC7420E9-D400-EC49-BA07-FADE6C3CD450}"/>
+                <a16:creationId xmlns:a16="http://schemas.microsoft.com/office/drawing/2014/main" xmlns="" id="{DC7420E9-D400-EC49-BA07-FADE6C3CD450}"/>
               </a:ext>
             </a:extLst>
           </p:cNvPr>
@@ -7596,7 +7626,7 @@
           <p:cNvPr id="16" name="文本占位符 3">
             <a:extLst>
               <a:ext uri="{FF2B5EF4-FFF2-40B4-BE49-F238E27FC236}">
-                <a16:creationId xmlns="" xmlns:a16="http://schemas.microsoft.com/office/drawing/2014/main" id="{911556EF-2E53-D44E-B558-5C114F0FAA7C}"/>
+                <a16:creationId xmlns:a16="http://schemas.microsoft.com/office/drawing/2014/main" xmlns="" id="{911556EF-2E53-D44E-B558-5C114F0FAA7C}"/>
               </a:ext>
             </a:extLst>
           </p:cNvPr>
@@ -7685,7 +7715,7 @@
           <p:cNvPr id="17" name="文本框 6">
             <a:extLst>
               <a:ext uri="{FF2B5EF4-FFF2-40B4-BE49-F238E27FC236}">
-                <a16:creationId xmlns="" xmlns:a16="http://schemas.microsoft.com/office/drawing/2014/main" id="{5D38C703-0535-2649-B4A0-B8F05CF7B2C5}"/>
+                <a16:creationId xmlns:a16="http://schemas.microsoft.com/office/drawing/2014/main" xmlns="" id="{5D38C703-0535-2649-B4A0-B8F05CF7B2C5}"/>
               </a:ext>
             </a:extLst>
           </p:cNvPr>
@@ -7729,7 +7759,7 @@
           <p:cNvPr id="18" name="文本框 6">
             <a:extLst>
               <a:ext uri="{FF2B5EF4-FFF2-40B4-BE49-F238E27FC236}">
-                <a16:creationId xmlns="" xmlns:a16="http://schemas.microsoft.com/office/drawing/2014/main" id="{65E5CD98-D6C1-1848-86A2-A50598B55139}"/>
+                <a16:creationId xmlns:a16="http://schemas.microsoft.com/office/drawing/2014/main" xmlns="" id="{65E5CD98-D6C1-1848-86A2-A50598B55139}"/>
               </a:ext>
             </a:extLst>
           </p:cNvPr>
@@ -7773,7 +7803,7 @@
           <p:cNvPr id="19" name="文本框 6">
             <a:extLst>
               <a:ext uri="{FF2B5EF4-FFF2-40B4-BE49-F238E27FC236}">
-                <a16:creationId xmlns="" xmlns:a16="http://schemas.microsoft.com/office/drawing/2014/main" id="{5F9E940D-7090-E94B-8B49-5CA1D127071A}"/>
+                <a16:creationId xmlns:a16="http://schemas.microsoft.com/office/drawing/2014/main" xmlns="" id="{5F9E940D-7090-E94B-8B49-5CA1D127071A}"/>
               </a:ext>
             </a:extLst>
           </p:cNvPr>
@@ -7817,7 +7847,7 @@
           <p:cNvPr id="20" name="文本框 6">
             <a:extLst>
               <a:ext uri="{FF2B5EF4-FFF2-40B4-BE49-F238E27FC236}">
-                <a16:creationId xmlns="" xmlns:a16="http://schemas.microsoft.com/office/drawing/2014/main" id="{BB9196A1-74E2-5046-99D0-EB0B468753EC}"/>
+                <a16:creationId xmlns:a16="http://schemas.microsoft.com/office/drawing/2014/main" xmlns="" id="{BB9196A1-74E2-5046-99D0-EB0B468753EC}"/>
               </a:ext>
             </a:extLst>
           </p:cNvPr>
@@ -7861,7 +7891,7 @@
           <p:cNvPr id="21" name="文本占位符 8">
             <a:extLst>
               <a:ext uri="{FF2B5EF4-FFF2-40B4-BE49-F238E27FC236}">
-                <a16:creationId xmlns="" xmlns:a16="http://schemas.microsoft.com/office/drawing/2014/main" id="{DC4E8E34-3460-3444-B72A-429476C3F597}"/>
+                <a16:creationId xmlns:a16="http://schemas.microsoft.com/office/drawing/2014/main" xmlns="" id="{DC4E8E34-3460-3444-B72A-429476C3F597}"/>
               </a:ext>
             </a:extLst>
           </p:cNvPr>
@@ -7927,7 +7957,7 @@
           <p:cNvPr id="22" name="文本占位符 8">
             <a:extLst>
               <a:ext uri="{FF2B5EF4-FFF2-40B4-BE49-F238E27FC236}">
-                <a16:creationId xmlns="" xmlns:a16="http://schemas.microsoft.com/office/drawing/2014/main" id="{993DB0B2-65A6-8C4E-BC99-5DD87B1ACE41}"/>
+                <a16:creationId xmlns:a16="http://schemas.microsoft.com/office/drawing/2014/main" xmlns="" id="{993DB0B2-65A6-8C4E-BC99-5DD87B1ACE41}"/>
               </a:ext>
             </a:extLst>
           </p:cNvPr>
@@ -7996,7 +8026,7 @@
           <p:cNvPr id="23" name="文本占位符 12">
             <a:extLst>
               <a:ext uri="{FF2B5EF4-FFF2-40B4-BE49-F238E27FC236}">
-                <a16:creationId xmlns="" xmlns:a16="http://schemas.microsoft.com/office/drawing/2014/main" id="{C20C845D-B437-B644-A0DC-11B9DDD011BE}"/>
+                <a16:creationId xmlns:a16="http://schemas.microsoft.com/office/drawing/2014/main" xmlns="" id="{C20C845D-B437-B644-A0DC-11B9DDD011BE}"/>
               </a:ext>
             </a:extLst>
           </p:cNvPr>

--- a/exam2pptvideo/es/templates/exam_spanish_classic.pptx
+++ b/exam2pptvideo/es/templates/exam_spanish_classic.pptx
@@ -330,7 +330,7 @@
           <a:p>
             <a:fld id="{D5477325-9FE3-494A-88E0-6A0955AE2D65}" type="datetimeFigureOut">
               <a:rPr kumimoji="1" lang="zh-CN" altLang="en-US" smtClean="0"/>
-              <a:t>2021/6/26</a:t>
+              <a:t>2021/8/7</a:t>
             </a:fld>
             <a:endParaRPr kumimoji="1" lang="zh-CN" altLang="en-US"/>
           </a:p>
@@ -939,7 +939,7 @@
               <a:defRPr/>
             </a:pPr>
             <a:r>
-              <a:rPr kumimoji="1" lang="en-US" altLang="zh-CN" dirty="0" smtClean="0"/>
+              <a:rPr kumimoji="1" lang="en-US" altLang="zh-CN" dirty="0"/>
               <a:t>Q.1</a:t>
             </a:r>
             <a:endParaRPr kumimoji="1" lang="zh-CN" altLang="en-US" dirty="0"/>
@@ -1049,10 +1049,9 @@
           <a:p>
             <a:pPr lvl="0"/>
             <a:r>
-              <a:rPr kumimoji="1" lang="zh-CN" altLang="en-US" dirty="0" smtClean="0"/>
+              <a:rPr kumimoji="1" lang="zh-CN" altLang="en-US" dirty="0"/>
               <a:t>球</a:t>
             </a:r>
-            <a:endParaRPr kumimoji="1" lang="zh-CN" altLang="en-US" dirty="0"/>
           </a:p>
         </p:txBody>
       </p:sp>
@@ -1157,26 +1156,25 @@
           <a:p>
             <a:pPr lvl="0"/>
             <a:r>
-              <a:rPr kumimoji="1" lang="zh-CN" altLang="en-US" dirty="0" smtClean="0"/>
+              <a:rPr kumimoji="1" lang="zh-CN" altLang="en-US" dirty="0"/>
               <a:t>考点：</a:t>
             </a:r>
             <a:r>
-              <a:rPr kumimoji="1" lang="en-US" altLang="zh-CN" dirty="0" smtClean="0"/>
+              <a:rPr kumimoji="1" lang="en-US" altLang="zh-CN" dirty="0"/>
               <a:t>A2</a:t>
             </a:r>
             <a:r>
-              <a:rPr kumimoji="1" lang="zh-CN" altLang="en-US" dirty="0" smtClean="0"/>
+              <a:rPr kumimoji="1" lang="zh-CN" altLang="en-US" dirty="0"/>
               <a:t> </a:t>
             </a:r>
             <a:r>
-              <a:rPr kumimoji="1" lang="en-US" altLang="zh-CN" dirty="0" smtClean="0"/>
+              <a:rPr kumimoji="1" lang="en-US" altLang="zh-CN" dirty="0"/>
               <a:t>–</a:t>
             </a:r>
             <a:r>
-              <a:rPr kumimoji="1" lang="zh-CN" altLang="en-US" dirty="0" smtClean="0"/>
+              <a:rPr kumimoji="1" lang="zh-CN" altLang="en-US" dirty="0"/>
               <a:t> 运动</a:t>
             </a:r>
-            <a:endParaRPr kumimoji="1" lang="zh-CN" altLang="en-US" dirty="0"/>
           </a:p>
         </p:txBody>
       </p:sp>
@@ -1261,7 +1259,7 @@
               <a:defRPr/>
             </a:pPr>
             <a:r>
-              <a:rPr kumimoji="1" lang="en-US" altLang="zh-CN" dirty="0" smtClean="0"/>
+              <a:rPr kumimoji="1" lang="en-US" altLang="zh-CN" dirty="0"/>
               <a:t>Q.1</a:t>
             </a:r>
             <a:endParaRPr kumimoji="1" lang="zh-CN" altLang="en-US" dirty="0"/>
@@ -1354,7 +1352,7 @@
           <a:p>
             <a:pPr lvl="0"/>
             <a:r>
-              <a:rPr kumimoji="1" lang="en-US" altLang="zh-CN" smtClean="0"/>
+              <a:rPr kumimoji="1" lang="en-US" altLang="zh-CN"/>
               <a:t>A</a:t>
             </a:r>
             <a:endParaRPr kumimoji="1" lang="zh-CN" altLang="en-US" dirty="0"/>
@@ -1452,11 +1450,11 @@
           <a:p>
             <a:pPr lvl="0"/>
             <a:r>
-              <a:rPr kumimoji="1" lang="zh-CN" altLang="en-US" dirty="0" smtClean="0"/>
+              <a:rPr kumimoji="1" lang="zh-CN" altLang="en-US" dirty="0"/>
               <a:t>球 </a:t>
             </a:r>
             <a:r>
-              <a:rPr kumimoji="1" lang="en-US" altLang="zh-CN" dirty="0" smtClean="0"/>
+              <a:rPr kumimoji="1" lang="en-US" altLang="zh-CN" dirty="0"/>
               <a:t>ball</a:t>
             </a:r>
             <a:endParaRPr kumimoji="1" lang="zh-CN" altLang="en-US" dirty="0"/>
@@ -1549,18 +1547,17 @@
           <a:p>
             <a:pPr lvl="0"/>
             <a:r>
-              <a:rPr kumimoji="1" lang="zh-CN" altLang="en-US" dirty="0" smtClean="0"/>
+              <a:rPr kumimoji="1" lang="zh-CN" altLang="en-US" dirty="0"/>
               <a:t>考点：</a:t>
             </a:r>
             <a:r>
-              <a:rPr kumimoji="1" lang="en-US" altLang="zh-CN" dirty="0" smtClean="0"/>
+              <a:rPr kumimoji="1" lang="en-US" altLang="zh-CN" dirty="0"/>
               <a:t>A1-</a:t>
             </a:r>
             <a:r>
-              <a:rPr kumimoji="1" lang="zh-CN" altLang="en-US" dirty="0" smtClean="0"/>
+              <a:rPr kumimoji="1" lang="zh-CN" altLang="en-US" dirty="0"/>
               <a:t>运动</a:t>
             </a:r>
-            <a:endParaRPr kumimoji="1" lang="zh-CN" altLang="en-US" dirty="0"/>
           </a:p>
         </p:txBody>
       </p:sp>
@@ -1769,7 +1766,7 @@
           <p:cNvPr id="11" name="文本框 6">
             <a:extLst>
               <a:ext uri="{FF2B5EF4-FFF2-40B4-BE49-F238E27FC236}">
-                <a16:creationId xmlns:a16="http://schemas.microsoft.com/office/drawing/2014/main" xmlns="" id="{5D38C703-0535-2649-B4A0-B8F05CF7B2C5}"/>
+                <a16:creationId xmlns:a16="http://schemas.microsoft.com/office/drawing/2014/main" id="{5D38C703-0535-2649-B4A0-B8F05CF7B2C5}"/>
               </a:ext>
             </a:extLst>
           </p:cNvPr>
@@ -1819,7 +1816,7 @@
           <p:cNvPr id="12" name="文本框 11">
             <a:extLst>
               <a:ext uri="{FF2B5EF4-FFF2-40B4-BE49-F238E27FC236}">
-                <a16:creationId xmlns:a16="http://schemas.microsoft.com/office/drawing/2014/main" xmlns="" id="{65E5CD98-D6C1-1848-86A2-A50598B55139}"/>
+                <a16:creationId xmlns:a16="http://schemas.microsoft.com/office/drawing/2014/main" id="{65E5CD98-D6C1-1848-86A2-A50598B55139}"/>
               </a:ext>
             </a:extLst>
           </p:cNvPr>
@@ -1869,7 +1866,7 @@
           <p:cNvPr id="13" name="文本框 6">
             <a:extLst>
               <a:ext uri="{FF2B5EF4-FFF2-40B4-BE49-F238E27FC236}">
-                <a16:creationId xmlns:a16="http://schemas.microsoft.com/office/drawing/2014/main" xmlns="" id="{5F9E940D-7090-E94B-8B49-5CA1D127071A}"/>
+                <a16:creationId xmlns:a16="http://schemas.microsoft.com/office/drawing/2014/main" id="{5F9E940D-7090-E94B-8B49-5CA1D127071A}"/>
               </a:ext>
             </a:extLst>
           </p:cNvPr>
@@ -1919,7 +1916,7 @@
           <p:cNvPr id="14" name="文本框 6">
             <a:extLst>
               <a:ext uri="{FF2B5EF4-FFF2-40B4-BE49-F238E27FC236}">
-                <a16:creationId xmlns:a16="http://schemas.microsoft.com/office/drawing/2014/main" xmlns="" id="{BB9196A1-74E2-5046-99D0-EB0B468753EC}"/>
+                <a16:creationId xmlns:a16="http://schemas.microsoft.com/office/drawing/2014/main" id="{BB9196A1-74E2-5046-99D0-EB0B468753EC}"/>
               </a:ext>
             </a:extLst>
           </p:cNvPr>
@@ -2052,30 +2049,29 @@
           <a:p>
             <a:pPr lvl="0"/>
             <a:r>
-              <a:rPr kumimoji="1" lang="en-US" altLang="zh-CN" dirty="0" smtClean="0"/>
+              <a:rPr kumimoji="1" lang="en-US" altLang="zh-CN" dirty="0"/>
               <a:t>Choice</a:t>
             </a:r>
             <a:r>
-              <a:rPr kumimoji="1" lang="zh-CN" altLang="en-US" dirty="0" smtClean="0"/>
+              <a:rPr kumimoji="1" lang="zh-CN" altLang="en-US" dirty="0"/>
               <a:t> </a:t>
             </a:r>
             <a:r>
-              <a:rPr kumimoji="1" lang="en-US" altLang="zh-CN" dirty="0" smtClean="0"/>
+              <a:rPr kumimoji="1" lang="en-US" altLang="zh-CN" dirty="0"/>
               <a:t>A</a:t>
             </a:r>
             <a:r>
-              <a:rPr kumimoji="1" lang="zh-CN" altLang="en-US" dirty="0" smtClean="0"/>
+              <a:rPr kumimoji="1" lang="zh-CN" altLang="en-US" dirty="0"/>
               <a:t> </a:t>
             </a:r>
             <a:r>
-              <a:rPr kumimoji="1" lang="en-US" altLang="zh-CN" dirty="0" smtClean="0"/>
+              <a:rPr kumimoji="1" lang="en-US" altLang="zh-CN" dirty="0"/>
               <a:t>+</a:t>
             </a:r>
             <a:r>
-              <a:rPr kumimoji="1" lang="zh-CN" altLang="en-US" dirty="0" smtClean="0"/>
+              <a:rPr kumimoji="1" lang="zh-CN" altLang="en-US" dirty="0"/>
               <a:t> 释义</a:t>
             </a:r>
-            <a:endParaRPr kumimoji="1" lang="zh-CN" altLang="en-US" dirty="0"/>
           </a:p>
         </p:txBody>
       </p:sp>
@@ -2195,27 +2191,27 @@
               <a:defRPr/>
             </a:pPr>
             <a:r>
-              <a:rPr kumimoji="1" lang="en-US" altLang="zh-CN" dirty="0" smtClean="0"/>
+              <a:rPr kumimoji="1" lang="en-US" altLang="zh-CN" dirty="0"/>
               <a:t>Choice</a:t>
             </a:r>
             <a:r>
-              <a:rPr kumimoji="1" lang="zh-CN" altLang="en-US" dirty="0" smtClean="0"/>
+              <a:rPr kumimoji="1" lang="zh-CN" altLang="en-US" dirty="0"/>
               <a:t> </a:t>
             </a:r>
             <a:r>
-              <a:rPr kumimoji="1" lang="en-US" altLang="zh-CN" dirty="0" smtClean="0"/>
+              <a:rPr kumimoji="1" lang="en-US" altLang="zh-CN" dirty="0"/>
               <a:t>B</a:t>
             </a:r>
             <a:r>
-              <a:rPr kumimoji="1" lang="zh-CN" altLang="en-US" dirty="0" smtClean="0"/>
+              <a:rPr kumimoji="1" lang="zh-CN" altLang="en-US" dirty="0"/>
               <a:t> </a:t>
             </a:r>
             <a:r>
-              <a:rPr kumimoji="1" lang="en-US" altLang="zh-CN" dirty="0" smtClean="0"/>
+              <a:rPr kumimoji="1" lang="en-US" altLang="zh-CN" dirty="0"/>
               <a:t>+</a:t>
             </a:r>
             <a:r>
-              <a:rPr kumimoji="1" lang="zh-CN" altLang="en-US" dirty="0" smtClean="0"/>
+              <a:rPr kumimoji="1" lang="zh-CN" altLang="en-US" dirty="0"/>
               <a:t> 释义</a:t>
             </a:r>
           </a:p>
@@ -2337,27 +2333,27 @@
               <a:defRPr/>
             </a:pPr>
             <a:r>
-              <a:rPr kumimoji="1" lang="en-US" altLang="zh-CN" dirty="0" smtClean="0"/>
+              <a:rPr kumimoji="1" lang="en-US" altLang="zh-CN" dirty="0"/>
               <a:t>Choice</a:t>
             </a:r>
             <a:r>
-              <a:rPr kumimoji="1" lang="zh-CN" altLang="en-US" dirty="0" smtClean="0"/>
+              <a:rPr kumimoji="1" lang="zh-CN" altLang="en-US" dirty="0"/>
               <a:t> </a:t>
             </a:r>
             <a:r>
-              <a:rPr kumimoji="1" lang="en-US" altLang="zh-CN" dirty="0" smtClean="0"/>
+              <a:rPr kumimoji="1" lang="en-US" altLang="zh-CN" dirty="0"/>
               <a:t>C</a:t>
             </a:r>
             <a:r>
-              <a:rPr kumimoji="1" lang="zh-CN" altLang="en-US" dirty="0" smtClean="0"/>
+              <a:rPr kumimoji="1" lang="zh-CN" altLang="en-US" dirty="0"/>
               <a:t> </a:t>
             </a:r>
             <a:r>
-              <a:rPr kumimoji="1" lang="en-US" altLang="zh-CN" dirty="0" smtClean="0"/>
+              <a:rPr kumimoji="1" lang="en-US" altLang="zh-CN" dirty="0"/>
               <a:t>+</a:t>
             </a:r>
             <a:r>
-              <a:rPr kumimoji="1" lang="zh-CN" altLang="en-US" dirty="0" smtClean="0"/>
+              <a:rPr kumimoji="1" lang="zh-CN" altLang="en-US" dirty="0"/>
               <a:t> 释义</a:t>
             </a:r>
           </a:p>
@@ -2479,27 +2475,27 @@
               <a:defRPr/>
             </a:pPr>
             <a:r>
-              <a:rPr kumimoji="1" lang="en-US" altLang="zh-CN" dirty="0" smtClean="0"/>
+              <a:rPr kumimoji="1" lang="en-US" altLang="zh-CN" dirty="0"/>
               <a:t>Choice</a:t>
             </a:r>
             <a:r>
-              <a:rPr kumimoji="1" lang="zh-CN" altLang="en-US" dirty="0" smtClean="0"/>
+              <a:rPr kumimoji="1" lang="zh-CN" altLang="en-US" dirty="0"/>
               <a:t> </a:t>
             </a:r>
             <a:r>
-              <a:rPr kumimoji="1" lang="en-US" altLang="zh-CN" dirty="0" smtClean="0"/>
+              <a:rPr kumimoji="1" lang="en-US" altLang="zh-CN" dirty="0"/>
               <a:t>D</a:t>
             </a:r>
             <a:r>
-              <a:rPr kumimoji="1" lang="zh-CN" altLang="en-US" dirty="0" smtClean="0"/>
+              <a:rPr kumimoji="1" lang="zh-CN" altLang="en-US" dirty="0"/>
               <a:t> </a:t>
             </a:r>
             <a:r>
-              <a:rPr kumimoji="1" lang="en-US" altLang="zh-CN" dirty="0" smtClean="0"/>
+              <a:rPr kumimoji="1" lang="en-US" altLang="zh-CN" dirty="0"/>
               <a:t>+</a:t>
             </a:r>
             <a:r>
-              <a:rPr kumimoji="1" lang="zh-CN" altLang="en-US" dirty="0" smtClean="0"/>
+              <a:rPr kumimoji="1" lang="zh-CN" altLang="en-US" dirty="0"/>
               <a:t> 释义</a:t>
             </a:r>
           </a:p>
@@ -2545,7 +2541,7 @@
               <a:defRPr/>
             </a:pPr>
             <a:r>
-              <a:rPr kumimoji="1" lang="zh-CN" altLang="en-US" sz="2000" b="0" i="0" u="none" strike="noStrike" kern="1200" cap="none" spc="0" normalizeH="0" baseline="0" noProof="0" dirty="0" smtClean="0">
+              <a:rPr kumimoji="1" lang="zh-CN" altLang="en-US" sz="2000" b="0" i="0" u="none" strike="noStrike" kern="1200" cap="none" spc="0" normalizeH="0" baseline="0" noProof="0" dirty="0">
                 <a:ln>
                   <a:noFill/>
                 </a:ln>
@@ -2653,7 +2649,7 @@
               <a:defRPr/>
             </a:pPr>
             <a:r>
-              <a:rPr kumimoji="1" lang="en-US" altLang="zh-CN" dirty="0" smtClean="0"/>
+              <a:rPr kumimoji="1" lang="en-US" altLang="zh-CN" dirty="0"/>
               <a:t>Q.1</a:t>
             </a:r>
             <a:endParaRPr kumimoji="1" lang="zh-CN" altLang="en-US" dirty="0"/>
@@ -2763,10 +2759,9 @@
           <a:p>
             <a:pPr lvl="0"/>
             <a:r>
-              <a:rPr kumimoji="1" lang="zh-CN" altLang="en-US" dirty="0" smtClean="0"/>
+              <a:rPr kumimoji="1" lang="zh-CN" altLang="en-US" dirty="0"/>
               <a:t>球</a:t>
             </a:r>
-            <a:endParaRPr kumimoji="1" lang="zh-CN" altLang="en-US" dirty="0"/>
           </a:p>
         </p:txBody>
       </p:sp>
@@ -2871,26 +2866,25 @@
           <a:p>
             <a:pPr lvl="0"/>
             <a:r>
-              <a:rPr kumimoji="1" lang="zh-CN" altLang="en-US" dirty="0" smtClean="0"/>
+              <a:rPr kumimoji="1" lang="zh-CN" altLang="en-US" dirty="0"/>
               <a:t>考点：</a:t>
             </a:r>
             <a:r>
-              <a:rPr kumimoji="1" lang="en-US" altLang="zh-CN" dirty="0" smtClean="0"/>
+              <a:rPr kumimoji="1" lang="en-US" altLang="zh-CN" dirty="0"/>
               <a:t>A2</a:t>
             </a:r>
             <a:r>
-              <a:rPr kumimoji="1" lang="zh-CN" altLang="en-US" dirty="0" smtClean="0"/>
+              <a:rPr kumimoji="1" lang="zh-CN" altLang="en-US" dirty="0"/>
               <a:t> </a:t>
             </a:r>
             <a:r>
-              <a:rPr kumimoji="1" lang="en-US" altLang="zh-CN" dirty="0" smtClean="0"/>
+              <a:rPr kumimoji="1" lang="en-US" altLang="zh-CN" dirty="0"/>
               <a:t>–</a:t>
             </a:r>
             <a:r>
-              <a:rPr kumimoji="1" lang="zh-CN" altLang="en-US" dirty="0" smtClean="0"/>
+              <a:rPr kumimoji="1" lang="zh-CN" altLang="en-US" dirty="0"/>
               <a:t> 运动</a:t>
             </a:r>
-            <a:endParaRPr kumimoji="1" lang="zh-CN" altLang="en-US" dirty="0"/>
           </a:p>
         </p:txBody>
       </p:sp>
@@ -3099,7 +3093,7 @@
           <p:cNvPr id="10" name="文本框 6">
             <a:extLst>
               <a:ext uri="{FF2B5EF4-FFF2-40B4-BE49-F238E27FC236}">
-                <a16:creationId xmlns:a16="http://schemas.microsoft.com/office/drawing/2014/main" xmlns="" id="{5D38C703-0535-2649-B4A0-B8F05CF7B2C5}"/>
+                <a16:creationId xmlns:a16="http://schemas.microsoft.com/office/drawing/2014/main" id="{5D38C703-0535-2649-B4A0-B8F05CF7B2C5}"/>
               </a:ext>
             </a:extLst>
           </p:cNvPr>
@@ -3149,7 +3143,7 @@
           <p:cNvPr id="11" name="文本框 10">
             <a:extLst>
               <a:ext uri="{FF2B5EF4-FFF2-40B4-BE49-F238E27FC236}">
-                <a16:creationId xmlns:a16="http://schemas.microsoft.com/office/drawing/2014/main" xmlns="" id="{65E5CD98-D6C1-1848-86A2-A50598B55139}"/>
+                <a16:creationId xmlns:a16="http://schemas.microsoft.com/office/drawing/2014/main" id="{65E5CD98-D6C1-1848-86A2-A50598B55139}"/>
               </a:ext>
             </a:extLst>
           </p:cNvPr>
@@ -3199,7 +3193,7 @@
           <p:cNvPr id="12" name="文本框 6">
             <a:extLst>
               <a:ext uri="{FF2B5EF4-FFF2-40B4-BE49-F238E27FC236}">
-                <a16:creationId xmlns:a16="http://schemas.microsoft.com/office/drawing/2014/main" xmlns="" id="{5F9E940D-7090-E94B-8B49-5CA1D127071A}"/>
+                <a16:creationId xmlns:a16="http://schemas.microsoft.com/office/drawing/2014/main" id="{5F9E940D-7090-E94B-8B49-5CA1D127071A}"/>
               </a:ext>
             </a:extLst>
           </p:cNvPr>
@@ -3249,7 +3243,7 @@
           <p:cNvPr id="13" name="文本框 6">
             <a:extLst>
               <a:ext uri="{FF2B5EF4-FFF2-40B4-BE49-F238E27FC236}">
-                <a16:creationId xmlns:a16="http://schemas.microsoft.com/office/drawing/2014/main" xmlns="" id="{BB9196A1-74E2-5046-99D0-EB0B468753EC}"/>
+                <a16:creationId xmlns:a16="http://schemas.microsoft.com/office/drawing/2014/main" id="{BB9196A1-74E2-5046-99D0-EB0B468753EC}"/>
               </a:ext>
             </a:extLst>
           </p:cNvPr>
@@ -3380,15 +3374,15 @@
           <a:p>
             <a:pPr lvl="0"/>
             <a:r>
-              <a:rPr kumimoji="1" lang="en-US" altLang="zh-CN" dirty="0" smtClean="0"/>
+              <a:rPr kumimoji="1" lang="en-US" altLang="zh-CN" dirty="0"/>
               <a:t>Choice</a:t>
             </a:r>
             <a:r>
-              <a:rPr kumimoji="1" lang="zh-CN" altLang="en-US" dirty="0" smtClean="0"/>
+              <a:rPr kumimoji="1" lang="zh-CN" altLang="en-US" dirty="0"/>
               <a:t> </a:t>
             </a:r>
             <a:r>
-              <a:rPr kumimoji="1" lang="en-US" altLang="zh-CN" dirty="0" smtClean="0"/>
+              <a:rPr kumimoji="1" lang="en-US" altLang="zh-CN" dirty="0"/>
               <a:t>A</a:t>
             </a:r>
             <a:endParaRPr kumimoji="1" lang="zh-CN" altLang="en-US" dirty="0"/>
@@ -3481,15 +3475,15 @@
           <a:p>
             <a:pPr lvl="0"/>
             <a:r>
-              <a:rPr kumimoji="1" lang="en-US" altLang="zh-CN" dirty="0" smtClean="0"/>
+              <a:rPr kumimoji="1" lang="en-US" altLang="zh-CN" dirty="0"/>
               <a:t>Choice</a:t>
             </a:r>
             <a:r>
-              <a:rPr kumimoji="1" lang="zh-CN" altLang="en-US" dirty="0" smtClean="0"/>
+              <a:rPr kumimoji="1" lang="zh-CN" altLang="en-US" dirty="0"/>
               <a:t> </a:t>
             </a:r>
             <a:r>
-              <a:rPr kumimoji="1" lang="en-US" altLang="zh-CN" dirty="0" smtClean="0"/>
+              <a:rPr kumimoji="1" lang="en-US" altLang="zh-CN" dirty="0"/>
               <a:t>B</a:t>
             </a:r>
             <a:endParaRPr kumimoji="1" lang="zh-CN" altLang="en-US" dirty="0"/>
@@ -3582,15 +3576,15 @@
           <a:p>
             <a:pPr lvl="0"/>
             <a:r>
-              <a:rPr kumimoji="1" lang="en-US" altLang="zh-CN" dirty="0" smtClean="0"/>
+              <a:rPr kumimoji="1" lang="en-US" altLang="zh-CN" dirty="0"/>
               <a:t>Choice</a:t>
             </a:r>
             <a:r>
-              <a:rPr kumimoji="1" lang="zh-CN" altLang="en-US" dirty="0" smtClean="0"/>
+              <a:rPr kumimoji="1" lang="zh-CN" altLang="en-US" dirty="0"/>
               <a:t> </a:t>
             </a:r>
             <a:r>
-              <a:rPr kumimoji="1" lang="en-US" altLang="zh-CN" dirty="0" smtClean="0"/>
+              <a:rPr kumimoji="1" lang="en-US" altLang="zh-CN" dirty="0"/>
               <a:t>C</a:t>
             </a:r>
             <a:endParaRPr kumimoji="1" lang="zh-CN" altLang="en-US" dirty="0"/>
@@ -3683,15 +3677,15 @@
           <a:p>
             <a:pPr lvl="0"/>
             <a:r>
-              <a:rPr kumimoji="1" lang="en-US" altLang="zh-CN" dirty="0" smtClean="0"/>
+              <a:rPr kumimoji="1" lang="en-US" altLang="zh-CN" dirty="0"/>
               <a:t>Choice</a:t>
             </a:r>
             <a:r>
-              <a:rPr kumimoji="1" lang="zh-CN" altLang="en-US" dirty="0" smtClean="0"/>
+              <a:rPr kumimoji="1" lang="zh-CN" altLang="en-US" dirty="0"/>
               <a:t> </a:t>
             </a:r>
             <a:r>
-              <a:rPr kumimoji="1" lang="en-US" altLang="zh-CN" dirty="0" smtClean="0"/>
+              <a:rPr kumimoji="1" lang="en-US" altLang="zh-CN" dirty="0"/>
               <a:t>D</a:t>
             </a:r>
             <a:endParaRPr kumimoji="1" lang="zh-CN" altLang="en-US" dirty="0"/>
@@ -3779,7 +3773,7 @@
               <a:defRPr/>
             </a:pPr>
             <a:r>
-              <a:rPr kumimoji="1" lang="en-US" altLang="zh-CN" dirty="0" smtClean="0"/>
+              <a:rPr kumimoji="1" lang="en-US" altLang="zh-CN" dirty="0"/>
               <a:t>Q.1</a:t>
             </a:r>
             <a:endParaRPr kumimoji="1" lang="zh-CN" altLang="en-US" dirty="0"/>
@@ -3872,7 +3866,7 @@
           <a:p>
             <a:pPr lvl="0"/>
             <a:r>
-              <a:rPr kumimoji="1" lang="en-US" altLang="zh-CN" dirty="0" smtClean="0"/>
+              <a:rPr kumimoji="1" lang="en-US" altLang="zh-CN" dirty="0"/>
               <a:t>A</a:t>
             </a:r>
             <a:endParaRPr kumimoji="1" lang="zh-CN" altLang="en-US" dirty="0"/>
@@ -3970,11 +3964,11 @@
           <a:p>
             <a:pPr lvl="0"/>
             <a:r>
-              <a:rPr kumimoji="1" lang="zh-CN" altLang="en-US" dirty="0" smtClean="0"/>
+              <a:rPr kumimoji="1" lang="zh-CN" altLang="en-US" dirty="0"/>
               <a:t>球 </a:t>
             </a:r>
             <a:r>
-              <a:rPr kumimoji="1" lang="en-US" altLang="zh-CN" dirty="0" smtClean="0"/>
+              <a:rPr kumimoji="1" lang="en-US" altLang="zh-CN" dirty="0"/>
               <a:t>ball</a:t>
             </a:r>
             <a:endParaRPr kumimoji="1" lang="zh-CN" altLang="en-US" dirty="0"/>
@@ -4067,18 +4061,17 @@
           <a:p>
             <a:pPr lvl="0"/>
             <a:r>
-              <a:rPr kumimoji="1" lang="zh-CN" altLang="en-US" dirty="0" smtClean="0"/>
+              <a:rPr kumimoji="1" lang="zh-CN" altLang="en-US" dirty="0"/>
               <a:t>考点：</a:t>
             </a:r>
             <a:r>
-              <a:rPr kumimoji="1" lang="en-US" altLang="zh-CN" dirty="0" smtClean="0"/>
+              <a:rPr kumimoji="1" lang="en-US" altLang="zh-CN" dirty="0"/>
               <a:t>A1-</a:t>
             </a:r>
             <a:r>
-              <a:rPr kumimoji="1" lang="zh-CN" altLang="en-US" dirty="0" smtClean="0"/>
+              <a:rPr kumimoji="1" lang="zh-CN" altLang="en-US" dirty="0"/>
               <a:t>运动</a:t>
             </a:r>
-            <a:endParaRPr kumimoji="1" lang="zh-CN" altLang="en-US" dirty="0"/>
           </a:p>
         </p:txBody>
       </p:sp>
@@ -4287,7 +4280,7 @@
           <p:cNvPr id="11" name="文本框 6">
             <a:extLst>
               <a:ext uri="{FF2B5EF4-FFF2-40B4-BE49-F238E27FC236}">
-                <a16:creationId xmlns:a16="http://schemas.microsoft.com/office/drawing/2014/main" xmlns="" id="{5D38C703-0535-2649-B4A0-B8F05CF7B2C5}"/>
+                <a16:creationId xmlns:a16="http://schemas.microsoft.com/office/drawing/2014/main" id="{5D38C703-0535-2649-B4A0-B8F05CF7B2C5}"/>
               </a:ext>
             </a:extLst>
           </p:cNvPr>
@@ -4337,7 +4330,7 @@
           <p:cNvPr id="12" name="文本框 11">
             <a:extLst>
               <a:ext uri="{FF2B5EF4-FFF2-40B4-BE49-F238E27FC236}">
-                <a16:creationId xmlns:a16="http://schemas.microsoft.com/office/drawing/2014/main" xmlns="" id="{65E5CD98-D6C1-1848-86A2-A50598B55139}"/>
+                <a16:creationId xmlns:a16="http://schemas.microsoft.com/office/drawing/2014/main" id="{65E5CD98-D6C1-1848-86A2-A50598B55139}"/>
               </a:ext>
             </a:extLst>
           </p:cNvPr>
@@ -4387,7 +4380,7 @@
           <p:cNvPr id="13" name="文本框 6">
             <a:extLst>
               <a:ext uri="{FF2B5EF4-FFF2-40B4-BE49-F238E27FC236}">
-                <a16:creationId xmlns:a16="http://schemas.microsoft.com/office/drawing/2014/main" xmlns="" id="{5F9E940D-7090-E94B-8B49-5CA1D127071A}"/>
+                <a16:creationId xmlns:a16="http://schemas.microsoft.com/office/drawing/2014/main" id="{5F9E940D-7090-E94B-8B49-5CA1D127071A}"/>
               </a:ext>
             </a:extLst>
           </p:cNvPr>
@@ -4437,7 +4430,7 @@
           <p:cNvPr id="14" name="文本框 6">
             <a:extLst>
               <a:ext uri="{FF2B5EF4-FFF2-40B4-BE49-F238E27FC236}">
-                <a16:creationId xmlns:a16="http://schemas.microsoft.com/office/drawing/2014/main" xmlns="" id="{BB9196A1-74E2-5046-99D0-EB0B468753EC}"/>
+                <a16:creationId xmlns:a16="http://schemas.microsoft.com/office/drawing/2014/main" id="{BB9196A1-74E2-5046-99D0-EB0B468753EC}"/>
               </a:ext>
             </a:extLst>
           </p:cNvPr>
@@ -4570,30 +4563,29 @@
           <a:p>
             <a:pPr lvl="0"/>
             <a:r>
-              <a:rPr kumimoji="1" lang="en-US" altLang="zh-CN" dirty="0" smtClean="0"/>
+              <a:rPr kumimoji="1" lang="en-US" altLang="zh-CN" dirty="0"/>
               <a:t>Choice</a:t>
             </a:r>
             <a:r>
-              <a:rPr kumimoji="1" lang="zh-CN" altLang="en-US" dirty="0" smtClean="0"/>
+              <a:rPr kumimoji="1" lang="zh-CN" altLang="en-US" dirty="0"/>
               <a:t> </a:t>
             </a:r>
             <a:r>
-              <a:rPr kumimoji="1" lang="en-US" altLang="zh-CN" dirty="0" smtClean="0"/>
+              <a:rPr kumimoji="1" lang="en-US" altLang="zh-CN" dirty="0"/>
               <a:t>A</a:t>
             </a:r>
             <a:r>
-              <a:rPr kumimoji="1" lang="zh-CN" altLang="en-US" dirty="0" smtClean="0"/>
+              <a:rPr kumimoji="1" lang="zh-CN" altLang="en-US" dirty="0"/>
               <a:t> </a:t>
             </a:r>
             <a:r>
-              <a:rPr kumimoji="1" lang="en-US" altLang="zh-CN" dirty="0" smtClean="0"/>
+              <a:rPr kumimoji="1" lang="en-US" altLang="zh-CN" dirty="0"/>
               <a:t>+</a:t>
             </a:r>
             <a:r>
-              <a:rPr kumimoji="1" lang="zh-CN" altLang="en-US" dirty="0" smtClean="0"/>
+              <a:rPr kumimoji="1" lang="zh-CN" altLang="en-US" dirty="0"/>
               <a:t> 释义</a:t>
             </a:r>
-            <a:endParaRPr kumimoji="1" lang="zh-CN" altLang="en-US" dirty="0"/>
           </a:p>
         </p:txBody>
       </p:sp>
@@ -4713,27 +4705,27 @@
               <a:defRPr/>
             </a:pPr>
             <a:r>
-              <a:rPr kumimoji="1" lang="en-US" altLang="zh-CN" dirty="0" smtClean="0"/>
+              <a:rPr kumimoji="1" lang="en-US" altLang="zh-CN" dirty="0"/>
               <a:t>Choice</a:t>
             </a:r>
             <a:r>
-              <a:rPr kumimoji="1" lang="zh-CN" altLang="en-US" dirty="0" smtClean="0"/>
+              <a:rPr kumimoji="1" lang="zh-CN" altLang="en-US" dirty="0"/>
               <a:t> </a:t>
             </a:r>
             <a:r>
-              <a:rPr kumimoji="1" lang="en-US" altLang="zh-CN" dirty="0" smtClean="0"/>
+              <a:rPr kumimoji="1" lang="en-US" altLang="zh-CN" dirty="0"/>
               <a:t>B</a:t>
             </a:r>
             <a:r>
-              <a:rPr kumimoji="1" lang="zh-CN" altLang="en-US" dirty="0" smtClean="0"/>
+              <a:rPr kumimoji="1" lang="zh-CN" altLang="en-US" dirty="0"/>
               <a:t> </a:t>
             </a:r>
             <a:r>
-              <a:rPr kumimoji="1" lang="en-US" altLang="zh-CN" dirty="0" smtClean="0"/>
+              <a:rPr kumimoji="1" lang="en-US" altLang="zh-CN" dirty="0"/>
               <a:t>+</a:t>
             </a:r>
             <a:r>
-              <a:rPr kumimoji="1" lang="zh-CN" altLang="en-US" dirty="0" smtClean="0"/>
+              <a:rPr kumimoji="1" lang="zh-CN" altLang="en-US" dirty="0"/>
               <a:t> 释义</a:t>
             </a:r>
           </a:p>
@@ -4855,27 +4847,27 @@
               <a:defRPr/>
             </a:pPr>
             <a:r>
-              <a:rPr kumimoji="1" lang="en-US" altLang="zh-CN" dirty="0" smtClean="0"/>
+              <a:rPr kumimoji="1" lang="en-US" altLang="zh-CN" dirty="0"/>
               <a:t>Choice</a:t>
             </a:r>
             <a:r>
-              <a:rPr kumimoji="1" lang="zh-CN" altLang="en-US" dirty="0" smtClean="0"/>
+              <a:rPr kumimoji="1" lang="zh-CN" altLang="en-US" dirty="0"/>
               <a:t> </a:t>
             </a:r>
             <a:r>
-              <a:rPr kumimoji="1" lang="en-US" altLang="zh-CN" dirty="0" smtClean="0"/>
+              <a:rPr kumimoji="1" lang="en-US" altLang="zh-CN" dirty="0"/>
               <a:t>C</a:t>
             </a:r>
             <a:r>
-              <a:rPr kumimoji="1" lang="zh-CN" altLang="en-US" dirty="0" smtClean="0"/>
+              <a:rPr kumimoji="1" lang="zh-CN" altLang="en-US" dirty="0"/>
               <a:t> </a:t>
             </a:r>
             <a:r>
-              <a:rPr kumimoji="1" lang="en-US" altLang="zh-CN" dirty="0" smtClean="0"/>
+              <a:rPr kumimoji="1" lang="en-US" altLang="zh-CN" dirty="0"/>
               <a:t>+</a:t>
             </a:r>
             <a:r>
-              <a:rPr kumimoji="1" lang="zh-CN" altLang="en-US" dirty="0" smtClean="0"/>
+              <a:rPr kumimoji="1" lang="zh-CN" altLang="en-US" dirty="0"/>
               <a:t> 释义</a:t>
             </a:r>
           </a:p>
@@ -4997,27 +4989,27 @@
               <a:defRPr/>
             </a:pPr>
             <a:r>
-              <a:rPr kumimoji="1" lang="en-US" altLang="zh-CN" dirty="0" smtClean="0"/>
+              <a:rPr kumimoji="1" lang="en-US" altLang="zh-CN" dirty="0"/>
               <a:t>Choice</a:t>
             </a:r>
             <a:r>
-              <a:rPr kumimoji="1" lang="zh-CN" altLang="en-US" dirty="0" smtClean="0"/>
+              <a:rPr kumimoji="1" lang="zh-CN" altLang="en-US" dirty="0"/>
               <a:t> </a:t>
             </a:r>
             <a:r>
-              <a:rPr kumimoji="1" lang="en-US" altLang="zh-CN" dirty="0" smtClean="0"/>
+              <a:rPr kumimoji="1" lang="en-US" altLang="zh-CN" dirty="0"/>
               <a:t>D</a:t>
             </a:r>
             <a:r>
-              <a:rPr kumimoji="1" lang="zh-CN" altLang="en-US" dirty="0" smtClean="0"/>
+              <a:rPr kumimoji="1" lang="zh-CN" altLang="en-US" dirty="0"/>
               <a:t> </a:t>
             </a:r>
             <a:r>
-              <a:rPr kumimoji="1" lang="en-US" altLang="zh-CN" dirty="0" smtClean="0"/>
+              <a:rPr kumimoji="1" lang="en-US" altLang="zh-CN" dirty="0"/>
               <a:t>+</a:t>
             </a:r>
             <a:r>
-              <a:rPr kumimoji="1" lang="zh-CN" altLang="en-US" dirty="0" smtClean="0"/>
+              <a:rPr kumimoji="1" lang="zh-CN" altLang="en-US" dirty="0"/>
               <a:t> 释义</a:t>
             </a:r>
           </a:p>
@@ -5112,18 +5104,17 @@
           <a:p>
             <a:pPr lvl="0"/>
             <a:r>
-              <a:rPr kumimoji="1" lang="zh-CN" altLang="en-US" dirty="0" smtClean="0"/>
+              <a:rPr kumimoji="1" lang="zh-CN" altLang="en-US" dirty="0"/>
               <a:t>更多解释</a:t>
             </a:r>
             <a:r>
-              <a:rPr kumimoji="1" lang="en-US" altLang="zh-CN" dirty="0" smtClean="0"/>
+              <a:rPr kumimoji="1" lang="en-US" altLang="zh-CN" dirty="0"/>
               <a:t>/</a:t>
             </a:r>
             <a:r>
-              <a:rPr kumimoji="1" lang="zh-CN" altLang="en-US" dirty="0" smtClean="0"/>
+              <a:rPr kumimoji="1" lang="zh-CN" altLang="en-US" dirty="0"/>
               <a:t>备注：这里是文字</a:t>
             </a:r>
-            <a:endParaRPr kumimoji="1" lang="zh-CN" altLang="en-US" dirty="0"/>
           </a:p>
         </p:txBody>
       </p:sp>
@@ -5167,7 +5158,7 @@
               <a:defRPr/>
             </a:pPr>
             <a:r>
-              <a:rPr kumimoji="1" lang="zh-CN" altLang="en-US" sz="2000" b="0" i="0" u="none" strike="noStrike" kern="1200" cap="none" spc="0" normalizeH="0" baseline="0" noProof="0" dirty="0" smtClean="0">
+              <a:rPr kumimoji="1" lang="zh-CN" altLang="en-US" sz="2000" b="0" i="0" u="none" strike="noStrike" kern="1200" cap="none" spc="0" normalizeH="0" baseline="0" noProof="0" dirty="0">
                 <a:ln>
                   <a:noFill/>
                 </a:ln>
@@ -5391,7 +5382,7 @@
               <a:t> </a:t>
             </a:r>
             <a:r>
-              <a:rPr kumimoji="1" lang="en-US" altLang="zh-CN" b="0" i="0" dirty="0" smtClean="0">
+              <a:rPr kumimoji="1" lang="en-US" altLang="zh-CN" b="0" i="0" dirty="0">
                 <a:latin typeface="Helvetica Neue Medium" charset="0"/>
                 <a:ea typeface="Helvetica Neue Medium" charset="0"/>
                 <a:cs typeface="Helvetica Neue Medium" charset="0"/>
@@ -5399,7 +5390,7 @@
               <a:t>question</a:t>
             </a:r>
             <a:r>
-              <a:rPr kumimoji="1" lang="zh-CN" altLang="en-US" b="0" i="0" dirty="0" smtClean="0">
+              <a:rPr kumimoji="1" lang="zh-CN" altLang="en-US" b="0" i="0" dirty="0">
                 <a:latin typeface="Helvetica Neue Medium" charset="0"/>
                 <a:ea typeface="Helvetica Neue Medium" charset="0"/>
                 <a:cs typeface="Helvetica Neue Medium" charset="0"/>
@@ -5407,11 +5398,11 @@
               <a:t> </a:t>
             </a:r>
             <a:r>
-              <a:rPr kumimoji="1" lang="en-US" altLang="zh-CN" dirty="0" smtClean="0"/>
+              <a:rPr kumimoji="1" lang="en-US" altLang="zh-CN" dirty="0"/>
               <a:t>in</a:t>
             </a:r>
             <a:r>
-              <a:rPr kumimoji="1" lang="zh-CN" altLang="en-US" dirty="0" smtClean="0"/>
+              <a:rPr kumimoji="1" lang="zh-CN" altLang="en-US" dirty="0"/>
               <a:t> </a:t>
             </a:r>
             <a:r>
@@ -5557,13 +5548,6 @@
   <p:clrMapOvr>
     <a:masterClrMapping/>
   </p:clrMapOvr>
-  <p:timing>
-    <p:tnLst>
-      <p:par>
-        <p:cTn id="1" dur="indefinite" restart="never" nodeType="tmRoot"/>
-      </p:par>
-    </p:tnLst>
-  </p:timing>
 </p:sldLayout>
 </file>
 
@@ -5923,7 +5907,7 @@
           <p:cNvPr id="8" name="文本占位符 3">
             <a:extLst>
               <a:ext uri="{FF2B5EF4-FFF2-40B4-BE49-F238E27FC236}">
-                <a16:creationId xmlns:a16="http://schemas.microsoft.com/office/drawing/2014/main" xmlns="" id="{5BA5F626-1F8E-054A-918D-94622AD4EABF}"/>
+                <a16:creationId xmlns:a16="http://schemas.microsoft.com/office/drawing/2014/main" id="{5BA5F626-1F8E-054A-918D-94622AD4EABF}"/>
               </a:ext>
             </a:extLst>
           </p:cNvPr>
@@ -6012,7 +5996,7 @@
           <p:cNvPr id="10" name="文本占位符 3">
             <a:extLst>
               <a:ext uri="{FF2B5EF4-FFF2-40B4-BE49-F238E27FC236}">
-                <a16:creationId xmlns:a16="http://schemas.microsoft.com/office/drawing/2014/main" xmlns="" id="{5FCCDF54-3207-5346-9F95-0AC916F61892}"/>
+                <a16:creationId xmlns:a16="http://schemas.microsoft.com/office/drawing/2014/main" id="{5FCCDF54-3207-5346-9F95-0AC916F61892}"/>
               </a:ext>
             </a:extLst>
           </p:cNvPr>
@@ -6101,7 +6085,7 @@
           <p:cNvPr id="11" name="文本占位符 3">
             <a:extLst>
               <a:ext uri="{FF2B5EF4-FFF2-40B4-BE49-F238E27FC236}">
-                <a16:creationId xmlns:a16="http://schemas.microsoft.com/office/drawing/2014/main" xmlns="" id="{B191C670-839A-7542-ADC9-27051AC8F6B2}"/>
+                <a16:creationId xmlns:a16="http://schemas.microsoft.com/office/drawing/2014/main" id="{B191C670-839A-7542-ADC9-27051AC8F6B2}"/>
               </a:ext>
             </a:extLst>
           </p:cNvPr>
@@ -6190,7 +6174,7 @@
           <p:cNvPr id="12" name="文本框 6">
             <a:extLst>
               <a:ext uri="{FF2B5EF4-FFF2-40B4-BE49-F238E27FC236}">
-                <a16:creationId xmlns:a16="http://schemas.microsoft.com/office/drawing/2014/main" xmlns="" id="{CFFCA465-7096-CF48-82C4-BBF12BAED15D}"/>
+                <a16:creationId xmlns:a16="http://schemas.microsoft.com/office/drawing/2014/main" id="{CFFCA465-7096-CF48-82C4-BBF12BAED15D}"/>
               </a:ext>
             </a:extLst>
           </p:cNvPr>
@@ -6234,7 +6218,7 @@
           <p:cNvPr id="13" name="文本框 6">
             <a:extLst>
               <a:ext uri="{FF2B5EF4-FFF2-40B4-BE49-F238E27FC236}">
-                <a16:creationId xmlns:a16="http://schemas.microsoft.com/office/drawing/2014/main" xmlns="" id="{58BB7382-28F7-B140-99CA-079FE427AFED}"/>
+                <a16:creationId xmlns:a16="http://schemas.microsoft.com/office/drawing/2014/main" id="{58BB7382-28F7-B140-99CA-079FE427AFED}"/>
               </a:ext>
             </a:extLst>
           </p:cNvPr>
@@ -6278,7 +6262,7 @@
           <p:cNvPr id="14" name="文本框 6">
             <a:extLst>
               <a:ext uri="{FF2B5EF4-FFF2-40B4-BE49-F238E27FC236}">
-                <a16:creationId xmlns:a16="http://schemas.microsoft.com/office/drawing/2014/main" xmlns="" id="{6857E332-9933-9042-B7A8-9060834982B6}"/>
+                <a16:creationId xmlns:a16="http://schemas.microsoft.com/office/drawing/2014/main" id="{6857E332-9933-9042-B7A8-9060834982B6}"/>
               </a:ext>
             </a:extLst>
           </p:cNvPr>
@@ -6322,7 +6306,7 @@
           <p:cNvPr id="15" name="文本框 6">
             <a:extLst>
               <a:ext uri="{FF2B5EF4-FFF2-40B4-BE49-F238E27FC236}">
-                <a16:creationId xmlns:a16="http://schemas.microsoft.com/office/drawing/2014/main" xmlns="" id="{9708D859-D292-E44F-97EB-598216544539}"/>
+                <a16:creationId xmlns:a16="http://schemas.microsoft.com/office/drawing/2014/main" id="{9708D859-D292-E44F-97EB-598216544539}"/>
               </a:ext>
             </a:extLst>
           </p:cNvPr>
@@ -6366,7 +6350,7 @@
           <p:cNvPr id="16" name="文本占位符 3">
             <a:extLst>
               <a:ext uri="{FF2B5EF4-FFF2-40B4-BE49-F238E27FC236}">
-                <a16:creationId xmlns:a16="http://schemas.microsoft.com/office/drawing/2014/main" xmlns="" id="{61048211-379D-CD4C-8037-C4240B243345}"/>
+                <a16:creationId xmlns:a16="http://schemas.microsoft.com/office/drawing/2014/main" id="{61048211-379D-CD4C-8037-C4240B243345}"/>
               </a:ext>
             </a:extLst>
           </p:cNvPr>
@@ -6451,13 +6435,6 @@
   <p:clrMapOvr>
     <a:masterClrMapping/>
   </p:clrMapOvr>
-  <p:timing>
-    <p:tnLst>
-      <p:par>
-        <p:cTn id="1" dur="indefinite" restart="never" nodeType="tmRoot"/>
-      </p:par>
-    </p:tnLst>
-  </p:timing>
 </p:sldLayout>
 </file>
 
@@ -6802,15 +6779,17 @@
         </p:nvSpPr>
         <p:spPr>
           <a:xfrm>
-            <a:off x="1055687" y="3076764"/>
-            <a:ext cx="762225" cy="432000"/>
-          </a:xfrm>
-          <a:prstGeom prst="rect">
-            <a:avLst/>
-          </a:prstGeom>
-        </p:spPr>
-        <p:txBody>
-          <a:bodyPr anchor="t"/>
+            <a:off x="1055685" y="3076764"/>
+            <a:ext cx="1296000" cy="432000"/>
+          </a:xfrm>
+          <a:prstGeom prst="rect">
+            <a:avLst/>
+          </a:prstGeom>
+        </p:spPr>
+        <p:txBody>
+          <a:bodyPr anchor="ctr" anchorCtr="0">
+            <a:normAutofit/>
+          </a:bodyPr>
           <a:lstStyle>
             <a:lvl1pPr marL="0" indent="0">
               <a:buFontTx/>
@@ -6845,7 +6824,7 @@
             </a:pPr>
             <a:r>
               <a:rPr kumimoji="1" lang="en-US" altLang="zh-CN" dirty="0"/>
-              <a:t>A1</a:t>
+              <a:t>B2-B2</a:t>
             </a:r>
           </a:p>
         </p:txBody>
@@ -6862,15 +6841,15 @@
         </p:nvSpPr>
         <p:spPr>
           <a:xfrm>
-            <a:off x="1632856" y="3077219"/>
-            <a:ext cx="9503143" cy="431546"/>
-          </a:xfrm>
-          <a:prstGeom prst="rect">
-            <a:avLst/>
-          </a:prstGeom>
-        </p:spPr>
-        <p:txBody>
-          <a:bodyPr tIns="28800" anchor="t"/>
+            <a:off x="2270234" y="3076991"/>
+            <a:ext cx="8865765" cy="431546"/>
+          </a:xfrm>
+          <a:prstGeom prst="rect">
+            <a:avLst/>
+          </a:prstGeom>
+        </p:spPr>
+        <p:txBody>
+          <a:bodyPr tIns="28800" anchor="ctr" anchorCtr="0"/>
           <a:lstStyle>
             <a:lvl1pPr marL="0" indent="0">
               <a:lnSpc>
@@ -6984,17 +6963,9 @@
                 <a:ea typeface="PingFang SC" charset="-122"/>
                 <a:cs typeface="PingFang SC" charset="-122"/>
               </a:rPr>
-              <a:t>这里是</a:t>
-            </a:r>
-            <a:r>
-              <a:rPr kumimoji="1" lang="zh-CN" altLang="en-US" b="0" i="0" dirty="0" smtClean="0">
-                <a:latin typeface="PingFang SC" charset="-122"/>
-                <a:ea typeface="PingFang SC" charset="-122"/>
-                <a:cs typeface="PingFang SC" charset="-122"/>
-              </a:rPr>
-              <a:t>文字这里是文字这里是文字这里是文字这里是文字这里是文字这里是文字这里是文字。</a:t>
-            </a:r>
-            <a:endParaRPr kumimoji="1" lang="zh-CN" altLang="en-US" dirty="0" smtClean="0"/>
+              <a:t>这里是文字这里是文字这里是文字这里是文字这里是文字这里是文字这里是文字这里是文字。</a:t>
+            </a:r>
+            <a:endParaRPr kumimoji="1" lang="zh-CN" altLang="en-US" dirty="0"/>
           </a:p>
         </p:txBody>
       </p:sp>
@@ -7008,13 +6979,6 @@
   <p:clrMapOvr>
     <a:masterClrMapping/>
   </p:clrMapOvr>
-  <p:timing>
-    <p:tnLst>
-      <p:par>
-        <p:cTn id="1" dur="indefinite" restart="never" nodeType="tmRoot"/>
-      </p:par>
-    </p:tnLst>
-  </p:timing>
 </p:sldLayout>
 </file>
 
@@ -7164,21 +7128,8 @@
                 <a:ea typeface="PingFang SC" panose="020B0400000000000000" pitchFamily="34" charset="-122"/>
                 <a:cs typeface="PingFang SC Medium" charset="-122"/>
               </a:rPr>
-              <a:t>正确</a:t>
-            </a:r>
-            <a:r>
-              <a:rPr kumimoji="1" lang="zh-CN" altLang="en-US" sz="2400" b="0" i="0" dirty="0" smtClean="0">
-                <a:latin typeface="PingFang SC" panose="020B0400000000000000" pitchFamily="34" charset="-122"/>
-                <a:ea typeface="PingFang SC" panose="020B0400000000000000" pitchFamily="34" charset="-122"/>
-                <a:cs typeface="PingFang SC Medium" charset="-122"/>
-              </a:rPr>
-              <a:t>解答</a:t>
-            </a:r>
-            <a:endParaRPr kumimoji="1" lang="zh-CN" altLang="en-US" sz="2400" b="0" i="0" dirty="0">
-              <a:latin typeface="PingFang SC" panose="020B0400000000000000" pitchFamily="34" charset="-122"/>
-              <a:ea typeface="PingFang SC" panose="020B0400000000000000" pitchFamily="34" charset="-122"/>
-              <a:cs typeface="PingFang SC Medium" charset="-122"/>
-            </a:endParaRPr>
+              <a:t>正确解答</a:t>
+            </a:r>
           </a:p>
         </p:txBody>
       </p:sp>
@@ -7365,7 +7316,7 @@
           <p:cNvPr id="10" name="文本占位符 3">
             <a:extLst>
               <a:ext uri="{FF2B5EF4-FFF2-40B4-BE49-F238E27FC236}">
-                <a16:creationId xmlns:a16="http://schemas.microsoft.com/office/drawing/2014/main" xmlns="" id="{A74FB077-6AA3-0B43-AC21-EE33C7C61E10}"/>
+                <a16:creationId xmlns:a16="http://schemas.microsoft.com/office/drawing/2014/main" id="{A74FB077-6AA3-0B43-AC21-EE33C7C61E10}"/>
               </a:ext>
             </a:extLst>
           </p:cNvPr>
@@ -7448,7 +7399,7 @@
           <p:cNvPr id="12" name="文本占位符 3">
             <a:extLst>
               <a:ext uri="{FF2B5EF4-FFF2-40B4-BE49-F238E27FC236}">
-                <a16:creationId xmlns:a16="http://schemas.microsoft.com/office/drawing/2014/main" xmlns="" id="{AD89B8CD-8466-564E-98F9-0FDFC2E5A77B}"/>
+                <a16:creationId xmlns:a16="http://schemas.microsoft.com/office/drawing/2014/main" id="{AD89B8CD-8466-564E-98F9-0FDFC2E5A77B}"/>
               </a:ext>
             </a:extLst>
           </p:cNvPr>
@@ -7537,7 +7488,7 @@
           <p:cNvPr id="15" name="文本占位符 3">
             <a:extLst>
               <a:ext uri="{FF2B5EF4-FFF2-40B4-BE49-F238E27FC236}">
-                <a16:creationId xmlns:a16="http://schemas.microsoft.com/office/drawing/2014/main" xmlns="" id="{DC7420E9-D400-EC49-BA07-FADE6C3CD450}"/>
+                <a16:creationId xmlns:a16="http://schemas.microsoft.com/office/drawing/2014/main" id="{DC7420E9-D400-EC49-BA07-FADE6C3CD450}"/>
               </a:ext>
             </a:extLst>
           </p:cNvPr>
@@ -7626,7 +7577,7 @@
           <p:cNvPr id="16" name="文本占位符 3">
             <a:extLst>
               <a:ext uri="{FF2B5EF4-FFF2-40B4-BE49-F238E27FC236}">
-                <a16:creationId xmlns:a16="http://schemas.microsoft.com/office/drawing/2014/main" xmlns="" id="{911556EF-2E53-D44E-B558-5C114F0FAA7C}"/>
+                <a16:creationId xmlns:a16="http://schemas.microsoft.com/office/drawing/2014/main" id="{911556EF-2E53-D44E-B558-5C114F0FAA7C}"/>
               </a:ext>
             </a:extLst>
           </p:cNvPr>
@@ -7715,7 +7666,7 @@
           <p:cNvPr id="17" name="文本框 6">
             <a:extLst>
               <a:ext uri="{FF2B5EF4-FFF2-40B4-BE49-F238E27FC236}">
-                <a16:creationId xmlns:a16="http://schemas.microsoft.com/office/drawing/2014/main" xmlns="" id="{5D38C703-0535-2649-B4A0-B8F05CF7B2C5}"/>
+                <a16:creationId xmlns:a16="http://schemas.microsoft.com/office/drawing/2014/main" id="{5D38C703-0535-2649-B4A0-B8F05CF7B2C5}"/>
               </a:ext>
             </a:extLst>
           </p:cNvPr>
@@ -7759,7 +7710,7 @@
           <p:cNvPr id="18" name="文本框 6">
             <a:extLst>
               <a:ext uri="{FF2B5EF4-FFF2-40B4-BE49-F238E27FC236}">
-                <a16:creationId xmlns:a16="http://schemas.microsoft.com/office/drawing/2014/main" xmlns="" id="{65E5CD98-D6C1-1848-86A2-A50598B55139}"/>
+                <a16:creationId xmlns:a16="http://schemas.microsoft.com/office/drawing/2014/main" id="{65E5CD98-D6C1-1848-86A2-A50598B55139}"/>
               </a:ext>
             </a:extLst>
           </p:cNvPr>
@@ -7803,7 +7754,7 @@
           <p:cNvPr id="19" name="文本框 6">
             <a:extLst>
               <a:ext uri="{FF2B5EF4-FFF2-40B4-BE49-F238E27FC236}">
-                <a16:creationId xmlns:a16="http://schemas.microsoft.com/office/drawing/2014/main" xmlns="" id="{5F9E940D-7090-E94B-8B49-5CA1D127071A}"/>
+                <a16:creationId xmlns:a16="http://schemas.microsoft.com/office/drawing/2014/main" id="{5F9E940D-7090-E94B-8B49-5CA1D127071A}"/>
               </a:ext>
             </a:extLst>
           </p:cNvPr>
@@ -7847,7 +7798,7 @@
           <p:cNvPr id="20" name="文本框 6">
             <a:extLst>
               <a:ext uri="{FF2B5EF4-FFF2-40B4-BE49-F238E27FC236}">
-                <a16:creationId xmlns:a16="http://schemas.microsoft.com/office/drawing/2014/main" xmlns="" id="{BB9196A1-74E2-5046-99D0-EB0B468753EC}"/>
+                <a16:creationId xmlns:a16="http://schemas.microsoft.com/office/drawing/2014/main" id="{BB9196A1-74E2-5046-99D0-EB0B468753EC}"/>
               </a:ext>
             </a:extLst>
           </p:cNvPr>
@@ -7891,7 +7842,7 @@
           <p:cNvPr id="21" name="文本占位符 8">
             <a:extLst>
               <a:ext uri="{FF2B5EF4-FFF2-40B4-BE49-F238E27FC236}">
-                <a16:creationId xmlns:a16="http://schemas.microsoft.com/office/drawing/2014/main" xmlns="" id="{DC4E8E34-3460-3444-B72A-429476C3F597}"/>
+                <a16:creationId xmlns:a16="http://schemas.microsoft.com/office/drawing/2014/main" id="{DC4E8E34-3460-3444-B72A-429476C3F597}"/>
               </a:ext>
             </a:extLst>
           </p:cNvPr>
@@ -7905,14 +7856,16 @@
         <p:spPr>
           <a:xfrm>
             <a:off x="1051252" y="3470334"/>
-            <a:ext cx="729568" cy="432000"/>
-          </a:xfrm>
-          <a:prstGeom prst="rect">
-            <a:avLst/>
-          </a:prstGeom>
-        </p:spPr>
-        <p:txBody>
-          <a:bodyPr anchor="ctr"/>
+            <a:ext cx="1152000" cy="432000"/>
+          </a:xfrm>
+          <a:prstGeom prst="rect">
+            <a:avLst/>
+          </a:prstGeom>
+        </p:spPr>
+        <p:txBody>
+          <a:bodyPr anchor="ctr">
+            <a:normAutofit/>
+          </a:bodyPr>
           <a:lstStyle>
             <a:lvl1pPr marL="0" indent="0">
               <a:buFontTx/>
@@ -7947,7 +7900,7 @@
             </a:pPr>
             <a:r>
               <a:rPr kumimoji="1" lang="en-US" altLang="zh-CN" dirty="0"/>
-              <a:t>A1</a:t>
+              <a:t>B2-B2</a:t>
             </a:r>
           </a:p>
         </p:txBody>
@@ -7957,7 +7910,7 @@
           <p:cNvPr id="22" name="文本占位符 8">
             <a:extLst>
               <a:ext uri="{FF2B5EF4-FFF2-40B4-BE49-F238E27FC236}">
-                <a16:creationId xmlns:a16="http://schemas.microsoft.com/office/drawing/2014/main" xmlns="" id="{993DB0B2-65A6-8C4E-BC99-5DD87B1ACE41}"/>
+                <a16:creationId xmlns:a16="http://schemas.microsoft.com/office/drawing/2014/main" id="{993DB0B2-65A6-8C4E-BC99-5DD87B1ACE41}"/>
               </a:ext>
             </a:extLst>
           </p:cNvPr>
@@ -7970,8 +7923,8 @@
         </p:nvSpPr>
         <p:spPr>
           <a:xfrm>
-            <a:off x="1600372" y="3470789"/>
-            <a:ext cx="9531191" cy="431546"/>
+            <a:off x="2123089" y="3470789"/>
+            <a:ext cx="9008473" cy="431546"/>
           </a:xfrm>
           <a:prstGeom prst="rect">
             <a:avLst/>
@@ -8026,7 +7979,7 @@
           <p:cNvPr id="23" name="文本占位符 12">
             <a:extLst>
               <a:ext uri="{FF2B5EF4-FFF2-40B4-BE49-F238E27FC236}">
-                <a16:creationId xmlns:a16="http://schemas.microsoft.com/office/drawing/2014/main" xmlns="" id="{C20C845D-B437-B644-A0DC-11B9DDD011BE}"/>
+                <a16:creationId xmlns:a16="http://schemas.microsoft.com/office/drawing/2014/main" id="{C20C845D-B437-B644-A0DC-11B9DDD011BE}"/>
               </a:ext>
             </a:extLst>
           </p:cNvPr>
@@ -8098,17 +8051,9 @@
                 <a:ea typeface="PingFang SC" charset="-122"/>
                 <a:cs typeface="PingFang SC" charset="-122"/>
               </a:rPr>
-              <a:t>这里是</a:t>
-            </a:r>
-            <a:r>
-              <a:rPr kumimoji="1" lang="zh-CN" altLang="en-US" b="0" i="0" dirty="0" smtClean="0">
-                <a:latin typeface="PingFang SC" charset="-122"/>
-                <a:ea typeface="PingFang SC" charset="-122"/>
-                <a:cs typeface="PingFang SC" charset="-122"/>
-              </a:rPr>
-              <a:t>文字这里是文字这里是文字这里是文字这里是文字这里是文字这里是文字这里是文字这里是文字这里是文字。</a:t>
-            </a:r>
-            <a:endParaRPr kumimoji="1" lang="zh-CN" altLang="en-US" dirty="0" smtClean="0"/>
+              <a:t>这里是文字这里是文字这里是文字这里是文字这里是文字这里是文字这里是文字这里是文字这里是文字这里是文字。</a:t>
+            </a:r>
+            <a:endParaRPr kumimoji="1" lang="zh-CN" altLang="en-US" dirty="0"/>
           </a:p>
         </p:txBody>
       </p:sp>
@@ -8122,13 +8067,6 @@
   <p:clrMapOvr>
     <a:masterClrMapping/>
   </p:clrMapOvr>
-  <p:timing>
-    <p:tnLst>
-      <p:par>
-        <p:cTn id="1" dur="indefinite" restart="never" nodeType="tmRoot"/>
-      </p:par>
-    </p:tnLst>
-  </p:timing>
 </p:sldLayout>
 </file>
 
@@ -8350,7 +8288,7 @@
               <a:defRPr/>
             </a:pPr>
             <a:r>
-              <a:rPr lang="zh-CN" altLang="en-US" sz="2400" b="0" i="0" dirty="0" smtClean="0">
+              <a:rPr lang="zh-CN" altLang="en-US" sz="2400" b="0" i="0" dirty="0">
                 <a:solidFill>
                   <a:srgbClr val="F6F2E7"/>
                 </a:solidFill>
@@ -8359,19 +8297,7 @@
                 <a:ea typeface="PingFang SC" charset="-122"/>
                 <a:cs typeface="PingFang SC" charset="-122"/>
               </a:rPr>
-              <a:t>正在</a:t>
-            </a:r>
-            <a:r>
-              <a:rPr lang="zh-CN" altLang="en-US" sz="2400" b="0" i="0" dirty="0">
-                <a:solidFill>
-                  <a:srgbClr val="F6F2E7"/>
-                </a:solidFill>
-                <a:effectLst/>
-                <a:latin typeface="PingFang SC" charset="-122"/>
-                <a:ea typeface="PingFang SC" charset="-122"/>
-                <a:cs typeface="PingFang SC" charset="-122"/>
-              </a:rPr>
-              <a:t>计算分数，请稍后</a:t>
+              <a:t>正在计算分数，请稍后</a:t>
             </a:r>
           </a:p>
         </p:txBody>
@@ -8459,7 +8385,7 @@
           <a:p>
             <a:pPr lvl="0"/>
             <a:r>
-              <a:rPr kumimoji="1" lang="es-ES_tradnl" altLang="zh-CN" dirty="0" smtClean="0"/>
+              <a:rPr kumimoji="1" lang="es-ES_tradnl" altLang="zh-CN" dirty="0"/>
               <a:t>Está calculando tus puntuaciones</a:t>
             </a:r>
           </a:p>
@@ -8507,15 +8433,17 @@
         </p:nvSpPr>
         <p:spPr>
           <a:xfrm>
-            <a:off x="1056000" y="1096180"/>
-            <a:ext cx="10080000" cy="1338488"/>
-          </a:xfrm>
-          <a:prstGeom prst="rect">
-            <a:avLst/>
-          </a:prstGeom>
-        </p:spPr>
-        <p:txBody>
-          <a:bodyPr/>
+            <a:off x="336000" y="1096180"/>
+            <a:ext cx="11520000" cy="1338488"/>
+          </a:xfrm>
+          <a:prstGeom prst="rect">
+            <a:avLst/>
+          </a:prstGeom>
+        </p:spPr>
+        <p:txBody>
+          <a:bodyPr anchor="ctr" anchorCtr="0">
+            <a:normAutofit/>
+          </a:bodyPr>
           <a:lstStyle>
             <a:lvl1pPr marL="0" marR="0" indent="0" algn="ctr" defTabSz="914400" rtl="0" eaLnBrk="1" fontAlgn="auto" latinLnBrk="0" hangingPunct="1">
               <a:lnSpc>
@@ -8595,15 +8523,17 @@
         </p:nvSpPr>
         <p:spPr>
           <a:xfrm>
-            <a:off x="1056000" y="2612444"/>
-            <a:ext cx="10080000" cy="1152000"/>
-          </a:xfrm>
-          <a:prstGeom prst="rect">
-            <a:avLst/>
-          </a:prstGeom>
-        </p:spPr>
-        <p:txBody>
-          <a:bodyPr anchor="ctr" anchorCtr="0"/>
+            <a:off x="336000" y="2612444"/>
+            <a:ext cx="11520000" cy="1152000"/>
+          </a:xfrm>
+          <a:prstGeom prst="rect">
+            <a:avLst/>
+          </a:prstGeom>
+        </p:spPr>
+        <p:txBody>
+          <a:bodyPr anchor="ctr" anchorCtr="0">
+            <a:normAutofit/>
+          </a:bodyPr>
           <a:lstStyle>
             <a:lvl1pPr marL="0" indent="0" algn="ctr">
               <a:buNone/>
@@ -8702,15 +8632,17 @@
         </p:nvSpPr>
         <p:spPr>
           <a:xfrm>
-            <a:off x="5500616" y="4302320"/>
-            <a:ext cx="1190769" cy="468000"/>
-          </a:xfrm>
-          <a:prstGeom prst="rect">
-            <a:avLst/>
-          </a:prstGeom>
-        </p:spPr>
-        <p:txBody>
-          <a:bodyPr/>
+            <a:off x="5304000" y="4302320"/>
+            <a:ext cx="1584000" cy="468000"/>
+          </a:xfrm>
+          <a:prstGeom prst="rect">
+            <a:avLst/>
+          </a:prstGeom>
+        </p:spPr>
+        <p:txBody>
+          <a:bodyPr anchor="ctr" anchorCtr="0">
+            <a:normAutofit/>
+          </a:bodyPr>
           <a:lstStyle>
             <a:lvl1pPr marL="0" indent="0" algn="ctr">
               <a:buNone/>
@@ -8741,7 +8673,7 @@
             <a:pPr lvl="0"/>
             <a:r>
               <a:rPr kumimoji="1" lang="en-US" altLang="zh-CN" dirty="0"/>
-              <a:t>100</a:t>
+              <a:t>60-90</a:t>
             </a:r>
             <a:endParaRPr kumimoji="1" lang="zh-CN" altLang="en-US" dirty="0"/>
           </a:p>
